--- a/2018/2018-05-Tsugi-Tech.pptx
+++ b/2018/2018-05-Tsugi-Tech.pptx
@@ -5,7 +5,7 @@
     <p:sldMasterId id="2147483648" r:id="rId1"/>
   </p:sldMasterIdLst>
   <p:notesMasterIdLst>
-    <p:notesMasterId r:id="rId20"/>
+    <p:notesMasterId r:id="rId21"/>
   </p:notesMasterIdLst>
   <p:sldIdLst>
     <p:sldId id="256" r:id="rId2"/>
@@ -26,6 +26,7 @@
     <p:sldId id="267" r:id="rId17"/>
     <p:sldId id="273" r:id="rId18"/>
     <p:sldId id="274" r:id="rId19"/>
+    <p:sldId id="276" r:id="rId20"/>
   </p:sldIdLst>
   <p:sldSz cx="12192000" cy="6858000"/>
   <p:notesSz cx="6858000" cy="9144000"/>
@@ -5420,6 +5421,66 @@
 </p:sld>
 </file>
 
+<file path=ppt/slides/slide19.xml><?xml version="1.0" encoding="utf-8"?>
+<p:sld xmlns:a="http://schemas.openxmlformats.org/drawingml/2006/main" xmlns:r="http://schemas.openxmlformats.org/officeDocument/2006/relationships" xmlns:p="http://schemas.openxmlformats.org/presentationml/2006/main">
+  <p:cSld>
+    <p:spTree>
+      <p:nvGrpSpPr>
+        <p:cNvPr id="1" name=""/>
+        <p:cNvGrpSpPr/>
+        <p:nvPr/>
+      </p:nvGrpSpPr>
+      <p:grpSpPr>
+        <a:xfrm>
+          <a:off x="0" y="0"/>
+          <a:ext cx="0" cy="0"/>
+          <a:chOff x="0" y="0"/>
+          <a:chExt cx="0" cy="0"/>
+        </a:xfrm>
+      </p:grpSpPr>
+      <p:pic>
+        <p:nvPicPr>
+          <p:cNvPr id="4" name="Picture 3"/>
+          <p:cNvPicPr>
+            <a:picLocks noChangeAspect="1"/>
+          </p:cNvPicPr>
+          <p:nvPr/>
+        </p:nvPicPr>
+        <p:blipFill>
+          <a:blip r:embed="rId2">
+            <a:extLst>
+              <a:ext uri="{28A0092B-C50C-407E-A947-70E740481C1C}">
+                <a14:useLocalDpi xmlns:a14="http://schemas.microsoft.com/office/drawing/2010/main" val="0"/>
+              </a:ext>
+            </a:extLst>
+          </a:blip>
+          <a:stretch>
+            <a:fillRect/>
+          </a:stretch>
+        </p:blipFill>
+        <p:spPr>
+          <a:xfrm>
+            <a:off x="-76724" y="-775"/>
+            <a:ext cx="12268724" cy="6553976"/>
+          </a:xfrm>
+          <a:prstGeom prst="rect">
+            <a:avLst/>
+          </a:prstGeom>
+        </p:spPr>
+      </p:pic>
+    </p:spTree>
+    <p:extLst>
+      <p:ext uri="{BB962C8B-B14F-4D97-AF65-F5344CB8AC3E}">
+        <p14:creationId xmlns:p14="http://schemas.microsoft.com/office/powerpoint/2010/main" val="179306388"/>
+      </p:ext>
+    </p:extLst>
+  </p:cSld>
+  <p:clrMapOvr>
+    <a:masterClrMapping/>
+  </p:clrMapOvr>
+</p:sld>
+</file>
+
 <file path=ppt/slides/slide2.xml><?xml version="1.0" encoding="utf-8"?>
 <p:sld xmlns:a="http://schemas.openxmlformats.org/drawingml/2006/main" xmlns:r="http://schemas.openxmlformats.org/officeDocument/2006/relationships" xmlns:p="http://schemas.openxmlformats.org/presentationml/2006/main">
   <p:cSld>
@@ -5555,10 +5616,10 @@
           <p:cNvPr id="9" name="Rectangle 8">
             <a:extLst>
               <a:ext uri="{FF2B5EF4-FFF2-40B4-BE49-F238E27FC236}">
-                <a16:creationId xmlns="" xmlns:a16="http://schemas.microsoft.com/office/drawing/2014/main" id="{32BC26D8-82FB-445E-AA49-62A77D7C1EE0}"/>
+                <a16:creationId xmlns:a16="http://schemas.microsoft.com/office/drawing/2014/main" xmlns="" id="{32BC26D8-82FB-445E-AA49-62A77D7C1EE0}"/>
               </a:ext>
               <a:ext uri="{C183D7F6-B498-43B3-948B-1728B52AA6E4}">
-                <adec:decorative xmlns="" xmlns:adec="http://schemas.microsoft.com/office/drawing/2017/decorative" val="1"/>
+                <adec:decorative xmlns:adec="http://schemas.microsoft.com/office/drawing/2017/decorative" xmlns="" val="1"/>
               </a:ext>
             </a:extLst>
           </p:cNvPr>
@@ -5618,10 +5679,10 @@
           <p:cNvPr id="11" name="Rectangle 10">
             <a:extLst>
               <a:ext uri="{FF2B5EF4-FFF2-40B4-BE49-F238E27FC236}">
-                <a16:creationId xmlns="" xmlns:a16="http://schemas.microsoft.com/office/drawing/2014/main" id="{CB44330D-EA18-4254-AA95-EB49948539B8}"/>
+                <a16:creationId xmlns:a16="http://schemas.microsoft.com/office/drawing/2014/main" xmlns="" id="{CB44330D-EA18-4254-AA95-EB49948539B8}"/>
               </a:ext>
               <a:ext uri="{C183D7F6-B498-43B3-948B-1728B52AA6E4}">
-                <adec:decorative xmlns="" xmlns:adec="http://schemas.microsoft.com/office/drawing/2017/decorative" val="1"/>
+                <adec:decorative xmlns:adec="http://schemas.microsoft.com/office/drawing/2017/decorative" xmlns="" val="1"/>
               </a:ext>
             </a:extLst>
           </p:cNvPr>

--- a/2018/2018-05-Tsugi-Tech.pptx
+++ b/2018/2018-05-Tsugi-Tech.pptx
@@ -5,7 +5,7 @@
     <p:sldMasterId id="2147483648" r:id="rId1"/>
   </p:sldMasterIdLst>
   <p:notesMasterIdLst>
-    <p:notesMasterId r:id="rId21"/>
+    <p:notesMasterId r:id="rId25"/>
   </p:notesMasterIdLst>
   <p:sldIdLst>
     <p:sldId id="256" r:id="rId2"/>
@@ -14,19 +14,23 @@
     <p:sldId id="259" r:id="rId5"/>
     <p:sldId id="260" r:id="rId6"/>
     <p:sldId id="275" r:id="rId7"/>
-    <p:sldId id="269" r:id="rId8"/>
-    <p:sldId id="258" r:id="rId9"/>
-    <p:sldId id="265" r:id="rId10"/>
-    <p:sldId id="261" r:id="rId11"/>
-    <p:sldId id="262" r:id="rId12"/>
-    <p:sldId id="263" r:id="rId13"/>
-    <p:sldId id="264" r:id="rId14"/>
-    <p:sldId id="268" r:id="rId15"/>
-    <p:sldId id="266" r:id="rId16"/>
-    <p:sldId id="267" r:id="rId17"/>
-    <p:sldId id="273" r:id="rId18"/>
-    <p:sldId id="274" r:id="rId19"/>
-    <p:sldId id="276" r:id="rId20"/>
+    <p:sldId id="277" r:id="rId8"/>
+    <p:sldId id="269" r:id="rId9"/>
+    <p:sldId id="258" r:id="rId10"/>
+    <p:sldId id="265" r:id="rId11"/>
+    <p:sldId id="261" r:id="rId12"/>
+    <p:sldId id="262" r:id="rId13"/>
+    <p:sldId id="263" r:id="rId14"/>
+    <p:sldId id="264" r:id="rId15"/>
+    <p:sldId id="268" r:id="rId16"/>
+    <p:sldId id="266" r:id="rId17"/>
+    <p:sldId id="267" r:id="rId18"/>
+    <p:sldId id="273" r:id="rId19"/>
+    <p:sldId id="278" r:id="rId20"/>
+    <p:sldId id="279" r:id="rId21"/>
+    <p:sldId id="280" r:id="rId22"/>
+    <p:sldId id="276" r:id="rId23"/>
+    <p:sldId id="274" r:id="rId24"/>
   </p:sldIdLst>
   <p:sldSz cx="12192000" cy="6858000"/>
   <p:notesSz cx="6858000" cy="9144000"/>
@@ -215,7 +219,7 @@
           <a:p>
             <a:fld id="{D650D422-2557-934F-9E21-3FE751B36BEF}" type="datetimeFigureOut">
               <a:rPr lang="en-US" smtClean="0"/>
-              <a:t>5/22/18</a:t>
+              <a:t>6/3/18</a:t>
             </a:fld>
             <a:endParaRPr lang="en-US"/>
           </a:p>
@@ -548,7 +552,7 @@
           <a:p>
             <a:fld id="{62ABD1DD-85B7-1A4E-8CDE-50088CCF2F1A}" type="slidenum">
               <a:rPr lang="en-US" smtClean="0"/>
-              <a:t>9</a:t>
+              <a:t>10</a:t>
             </a:fld>
             <a:endParaRPr lang="en-US"/>
           </a:p>
@@ -698,7 +702,7 @@
           <a:p>
             <a:fld id="{50E71CC6-F3CB-324F-8DDE-3A13A687B94B}" type="datetimeFigureOut">
               <a:rPr lang="en-US" smtClean="0"/>
-              <a:t>5/22/18</a:t>
+              <a:t>6/3/18</a:t>
             </a:fld>
             <a:endParaRPr lang="en-US"/>
           </a:p>
@@ -868,7 +872,7 @@
           <a:p>
             <a:fld id="{50E71CC6-F3CB-324F-8DDE-3A13A687B94B}" type="datetimeFigureOut">
               <a:rPr lang="en-US" smtClean="0"/>
-              <a:t>5/22/18</a:t>
+              <a:t>6/3/18</a:t>
             </a:fld>
             <a:endParaRPr lang="en-US"/>
           </a:p>
@@ -1048,7 +1052,7 @@
           <a:p>
             <a:fld id="{50E71CC6-F3CB-324F-8DDE-3A13A687B94B}" type="datetimeFigureOut">
               <a:rPr lang="en-US" smtClean="0"/>
-              <a:t>5/22/18</a:t>
+              <a:t>6/3/18</a:t>
             </a:fld>
             <a:endParaRPr lang="en-US"/>
           </a:p>
@@ -1218,7 +1222,7 @@
           <a:p>
             <a:fld id="{50E71CC6-F3CB-324F-8DDE-3A13A687B94B}" type="datetimeFigureOut">
               <a:rPr lang="en-US" smtClean="0"/>
-              <a:t>5/22/18</a:t>
+              <a:t>6/3/18</a:t>
             </a:fld>
             <a:endParaRPr lang="en-US"/>
           </a:p>
@@ -1464,7 +1468,7 @@
           <a:p>
             <a:fld id="{50E71CC6-F3CB-324F-8DDE-3A13A687B94B}" type="datetimeFigureOut">
               <a:rPr lang="en-US" smtClean="0"/>
-              <a:t>5/22/18</a:t>
+              <a:t>6/3/18</a:t>
             </a:fld>
             <a:endParaRPr lang="en-US"/>
           </a:p>
@@ -1696,7 +1700,7 @@
           <a:p>
             <a:fld id="{50E71CC6-F3CB-324F-8DDE-3A13A687B94B}" type="datetimeFigureOut">
               <a:rPr lang="en-US" smtClean="0"/>
-              <a:t>5/22/18</a:t>
+              <a:t>6/3/18</a:t>
             </a:fld>
             <a:endParaRPr lang="en-US"/>
           </a:p>
@@ -2063,7 +2067,7 @@
           <a:p>
             <a:fld id="{50E71CC6-F3CB-324F-8DDE-3A13A687B94B}" type="datetimeFigureOut">
               <a:rPr lang="en-US" smtClean="0"/>
-              <a:t>5/22/18</a:t>
+              <a:t>6/3/18</a:t>
             </a:fld>
             <a:endParaRPr lang="en-US"/>
           </a:p>
@@ -2181,7 +2185,7 @@
           <a:p>
             <a:fld id="{50E71CC6-F3CB-324F-8DDE-3A13A687B94B}" type="datetimeFigureOut">
               <a:rPr lang="en-US" smtClean="0"/>
-              <a:t>5/22/18</a:t>
+              <a:t>6/3/18</a:t>
             </a:fld>
             <a:endParaRPr lang="en-US"/>
           </a:p>
@@ -2276,7 +2280,7 @@
           <a:p>
             <a:fld id="{50E71CC6-F3CB-324F-8DDE-3A13A687B94B}" type="datetimeFigureOut">
               <a:rPr lang="en-US" smtClean="0"/>
-              <a:t>5/22/18</a:t>
+              <a:t>6/3/18</a:t>
             </a:fld>
             <a:endParaRPr lang="en-US"/>
           </a:p>
@@ -2553,7 +2557,7 @@
           <a:p>
             <a:fld id="{50E71CC6-F3CB-324F-8DDE-3A13A687B94B}" type="datetimeFigureOut">
               <a:rPr lang="en-US" smtClean="0"/>
-              <a:t>5/22/18</a:t>
+              <a:t>6/3/18</a:t>
             </a:fld>
             <a:endParaRPr lang="en-US"/>
           </a:p>
@@ -2806,7 +2810,7 @@
           <a:p>
             <a:fld id="{50E71CC6-F3CB-324F-8DDE-3A13A687B94B}" type="datetimeFigureOut">
               <a:rPr lang="en-US" smtClean="0"/>
-              <a:t>5/22/18</a:t>
+              <a:t>6/3/18</a:t>
             </a:fld>
             <a:endParaRPr lang="en-US"/>
           </a:p>
@@ -3019,7 +3023,7 @@
           <a:p>
             <a:fld id="{50E71CC6-F3CB-324F-8DDE-3A13A687B94B}" type="datetimeFigureOut">
               <a:rPr lang="en-US" smtClean="0"/>
-              <a:t>5/22/18</a:t>
+              <a:t>6/3/18</a:t>
             </a:fld>
             <a:endParaRPr lang="en-US"/>
           </a:p>
@@ -3502,14 +3506,14 @@
       </p:grpSpPr>
       <p:pic>
         <p:nvPicPr>
-          <p:cNvPr id="5" name="Picture 4"/>
+          <p:cNvPr id="4" name="Picture 3" descr="Untitled 2.png"/>
           <p:cNvPicPr>
             <a:picLocks noChangeAspect="1"/>
           </p:cNvPicPr>
           <p:nvPr/>
         </p:nvPicPr>
         <p:blipFill>
-          <a:blip r:embed="rId2">
+          <a:blip r:embed="rId3">
             <a:extLst>
               <a:ext uri="{28A0092B-C50C-407E-A947-70E740481C1C}">
                 <a14:useLocalDpi xmlns:a14="http://schemas.microsoft.com/office/drawing/2010/main" val="0"/>
@@ -3522,18 +3526,375 @@
         </p:blipFill>
         <p:spPr>
           <a:xfrm>
-            <a:off x="1879600" y="0"/>
-            <a:ext cx="8432405" cy="6858000"/>
+            <a:off x="1524000" y="873121"/>
+            <a:ext cx="9144000" cy="5319820"/>
           </a:xfrm>
           <a:prstGeom prst="rect">
             <a:avLst/>
           </a:prstGeom>
         </p:spPr>
       </p:pic>
+      <p:sp>
+        <p:nvSpPr>
+          <p:cNvPr id="5" name="TextBox 4"/>
+          <p:cNvSpPr txBox="1"/>
+          <p:nvPr/>
+        </p:nvSpPr>
+        <p:spPr>
+          <a:xfrm>
+            <a:off x="9144305" y="236689"/>
+            <a:ext cx="763351" cy="461665"/>
+          </a:xfrm>
+          <a:prstGeom prst="rect">
+            <a:avLst/>
+          </a:prstGeom>
+          <a:noFill/>
+        </p:spPr>
+        <p:txBody>
+          <a:bodyPr wrap="none" rtlCol="0">
+            <a:spAutoFit/>
+          </a:bodyPr>
+          <a:lstStyle/>
+          <a:p>
+            <a:r>
+              <a:rPr lang="en-US" sz="2400" dirty="0">
+                <a:solidFill>
+                  <a:srgbClr val="FF00FF"/>
+                </a:solidFill>
+              </a:rPr>
+              <a:t>User</a:t>
+            </a:r>
+          </a:p>
+        </p:txBody>
+      </p:sp>
+      <p:cxnSp>
+        <p:nvCxnSpPr>
+          <p:cNvPr id="8" name="Straight Arrow Connector 7"/>
+          <p:cNvCxnSpPr>
+            <a:stCxn id="5" idx="2"/>
+          </p:cNvCxnSpPr>
+          <p:nvPr/>
+        </p:nvCxnSpPr>
+        <p:spPr>
+          <a:xfrm>
+            <a:off x="9525981" y="698354"/>
+            <a:ext cx="173059" cy="980561"/>
+          </a:xfrm>
+          <a:prstGeom prst="straightConnector1">
+            <a:avLst/>
+          </a:prstGeom>
+          <a:ln>
+            <a:solidFill>
+              <a:srgbClr val="FF00FF"/>
+            </a:solidFill>
+            <a:tailEnd type="arrow"/>
+          </a:ln>
+        </p:spPr>
+        <p:style>
+          <a:lnRef idx="2">
+            <a:schemeClr val="accent1"/>
+          </a:lnRef>
+          <a:fillRef idx="0">
+            <a:schemeClr val="accent1"/>
+          </a:fillRef>
+          <a:effectRef idx="1">
+            <a:schemeClr val="accent1"/>
+          </a:effectRef>
+          <a:fontRef idx="minor">
+            <a:schemeClr val="tx1"/>
+          </a:fontRef>
+        </p:style>
+      </p:cxnSp>
+      <p:sp>
+        <p:nvSpPr>
+          <p:cNvPr id="11" name="TextBox 10"/>
+          <p:cNvSpPr txBox="1"/>
+          <p:nvPr/>
+        </p:nvSpPr>
+        <p:spPr>
+          <a:xfrm>
+            <a:off x="3676365" y="191921"/>
+            <a:ext cx="1033296" cy="461665"/>
+          </a:xfrm>
+          <a:prstGeom prst="rect">
+            <a:avLst/>
+          </a:prstGeom>
+          <a:noFill/>
+        </p:spPr>
+        <p:txBody>
+          <a:bodyPr wrap="none" rtlCol="0">
+            <a:spAutoFit/>
+          </a:bodyPr>
+          <a:lstStyle/>
+          <a:p>
+            <a:r>
+              <a:rPr lang="en-US" sz="2400">
+                <a:solidFill>
+                  <a:srgbClr val="FF00FF"/>
+                </a:solidFill>
+              </a:rPr>
+              <a:t>Tenant</a:t>
+            </a:r>
+            <a:endParaRPr lang="en-US" sz="2400" dirty="0">
+              <a:solidFill>
+                <a:srgbClr val="FF00FF"/>
+              </a:solidFill>
+            </a:endParaRPr>
+          </a:p>
+        </p:txBody>
+      </p:sp>
+      <p:cxnSp>
+        <p:nvCxnSpPr>
+          <p:cNvPr id="12" name="Straight Arrow Connector 11"/>
+          <p:cNvCxnSpPr>
+            <a:stCxn id="11" idx="2"/>
+          </p:cNvCxnSpPr>
+          <p:nvPr/>
+        </p:nvCxnSpPr>
+        <p:spPr>
+          <a:xfrm flipH="1">
+            <a:off x="3924541" y="653586"/>
+            <a:ext cx="268472" cy="631149"/>
+          </a:xfrm>
+          <a:prstGeom prst="straightConnector1">
+            <a:avLst/>
+          </a:prstGeom>
+          <a:ln>
+            <a:solidFill>
+              <a:srgbClr val="FF00FF"/>
+            </a:solidFill>
+            <a:tailEnd type="arrow"/>
+          </a:ln>
+        </p:spPr>
+        <p:style>
+          <a:lnRef idx="2">
+            <a:schemeClr val="accent1"/>
+          </a:lnRef>
+          <a:fillRef idx="0">
+            <a:schemeClr val="accent1"/>
+          </a:fillRef>
+          <a:effectRef idx="1">
+            <a:schemeClr val="accent1"/>
+          </a:effectRef>
+          <a:fontRef idx="minor">
+            <a:schemeClr val="tx1"/>
+          </a:fontRef>
+        </p:style>
+      </p:cxnSp>
+      <p:sp>
+        <p:nvSpPr>
+          <p:cNvPr id="15" name="TextBox 14"/>
+          <p:cNvSpPr txBox="1"/>
+          <p:nvPr/>
+        </p:nvSpPr>
+        <p:spPr>
+          <a:xfrm>
+            <a:off x="5779748" y="236689"/>
+            <a:ext cx="1154290" cy="461665"/>
+          </a:xfrm>
+          <a:prstGeom prst="rect">
+            <a:avLst/>
+          </a:prstGeom>
+          <a:noFill/>
+        </p:spPr>
+        <p:txBody>
+          <a:bodyPr wrap="none" rtlCol="0">
+            <a:spAutoFit/>
+          </a:bodyPr>
+          <a:lstStyle/>
+          <a:p>
+            <a:r>
+              <a:rPr lang="en-US" sz="2400" dirty="0">
+                <a:solidFill>
+                  <a:srgbClr val="FF00FF"/>
+                </a:solidFill>
+              </a:rPr>
+              <a:t>Context</a:t>
+            </a:r>
+          </a:p>
+        </p:txBody>
+      </p:sp>
+      <p:cxnSp>
+        <p:nvCxnSpPr>
+          <p:cNvPr id="16" name="Straight Arrow Connector 15"/>
+          <p:cNvCxnSpPr>
+            <a:stCxn id="15" idx="2"/>
+          </p:cNvCxnSpPr>
+          <p:nvPr/>
+        </p:nvCxnSpPr>
+        <p:spPr>
+          <a:xfrm>
+            <a:off x="6356893" y="698354"/>
+            <a:ext cx="282206" cy="586381"/>
+          </a:xfrm>
+          <a:prstGeom prst="straightConnector1">
+            <a:avLst/>
+          </a:prstGeom>
+          <a:ln>
+            <a:solidFill>
+              <a:srgbClr val="FF00FF"/>
+            </a:solidFill>
+            <a:tailEnd type="arrow"/>
+          </a:ln>
+        </p:spPr>
+        <p:style>
+          <a:lnRef idx="2">
+            <a:schemeClr val="accent1"/>
+          </a:lnRef>
+          <a:fillRef idx="0">
+            <a:schemeClr val="accent1"/>
+          </a:fillRef>
+          <a:effectRef idx="1">
+            <a:schemeClr val="accent1"/>
+          </a:effectRef>
+          <a:fontRef idx="minor">
+            <a:schemeClr val="tx1"/>
+          </a:fontRef>
+        </p:style>
+      </p:cxnSp>
+      <p:cxnSp>
+        <p:nvCxnSpPr>
+          <p:cNvPr id="18" name="Straight Arrow Connector 17"/>
+          <p:cNvCxnSpPr>
+            <a:stCxn id="15" idx="2"/>
+          </p:cNvCxnSpPr>
+          <p:nvPr/>
+        </p:nvCxnSpPr>
+        <p:spPr>
+          <a:xfrm flipH="1">
+            <a:off x="4356071" y="698354"/>
+            <a:ext cx="2000822" cy="980561"/>
+          </a:xfrm>
+          <a:prstGeom prst="straightConnector1">
+            <a:avLst/>
+          </a:prstGeom>
+          <a:ln>
+            <a:solidFill>
+              <a:srgbClr val="FF00FF"/>
+            </a:solidFill>
+            <a:tailEnd type="arrow"/>
+          </a:ln>
+        </p:spPr>
+        <p:style>
+          <a:lnRef idx="2">
+            <a:schemeClr val="accent1"/>
+          </a:lnRef>
+          <a:fillRef idx="0">
+            <a:schemeClr val="accent1"/>
+          </a:fillRef>
+          <a:effectRef idx="1">
+            <a:schemeClr val="accent1"/>
+          </a:effectRef>
+          <a:fontRef idx="minor">
+            <a:schemeClr val="tx1"/>
+          </a:fontRef>
+        </p:style>
+      </p:cxnSp>
+      <p:sp>
+        <p:nvSpPr>
+          <p:cNvPr id="27" name="TextBox 26"/>
+          <p:cNvSpPr txBox="1"/>
+          <p:nvPr/>
+        </p:nvSpPr>
+        <p:spPr>
+          <a:xfrm>
+            <a:off x="6764904" y="6337940"/>
+            <a:ext cx="1647502" cy="461665"/>
+          </a:xfrm>
+          <a:prstGeom prst="rect">
+            <a:avLst/>
+          </a:prstGeom>
+          <a:noFill/>
+        </p:spPr>
+        <p:txBody>
+          <a:bodyPr wrap="none" rtlCol="0">
+            <a:spAutoFit/>
+          </a:bodyPr>
+          <a:lstStyle/>
+          <a:p>
+            <a:r>
+              <a:rPr lang="en-US" sz="2400" dirty="0">
+                <a:solidFill>
+                  <a:srgbClr val="FF00FF"/>
+                </a:solidFill>
+              </a:rPr>
+              <a:t>Link (Many)</a:t>
+            </a:r>
+          </a:p>
+        </p:txBody>
+      </p:sp>
+      <p:cxnSp>
+        <p:nvCxnSpPr>
+          <p:cNvPr id="28" name="Straight Arrow Connector 27"/>
+          <p:cNvCxnSpPr>
+            <a:stCxn id="27" idx="0"/>
+          </p:cNvCxnSpPr>
+          <p:nvPr/>
+        </p:nvCxnSpPr>
+        <p:spPr>
+          <a:xfrm flipH="1" flipV="1">
+            <a:off x="6362455" y="5349739"/>
+            <a:ext cx="1226200" cy="988201"/>
+          </a:xfrm>
+          <a:prstGeom prst="straightConnector1">
+            <a:avLst/>
+          </a:prstGeom>
+          <a:ln>
+            <a:solidFill>
+              <a:srgbClr val="FF00FF"/>
+            </a:solidFill>
+            <a:tailEnd type="arrow"/>
+          </a:ln>
+        </p:spPr>
+        <p:style>
+          <a:lnRef idx="2">
+            <a:schemeClr val="accent1"/>
+          </a:lnRef>
+          <a:fillRef idx="0">
+            <a:schemeClr val="accent1"/>
+          </a:fillRef>
+          <a:effectRef idx="1">
+            <a:schemeClr val="accent1"/>
+          </a:effectRef>
+          <a:fontRef idx="minor">
+            <a:schemeClr val="tx1"/>
+          </a:fontRef>
+        </p:style>
+      </p:cxnSp>
+      <p:sp>
+        <p:nvSpPr>
+          <p:cNvPr id="2" name="TextBox 1"/>
+          <p:cNvSpPr txBox="1"/>
+          <p:nvPr/>
+        </p:nvSpPr>
+        <p:spPr>
+          <a:xfrm>
+            <a:off x="10668000" y="6337940"/>
+            <a:ext cx="1282723" cy="369332"/>
+          </a:xfrm>
+          <a:prstGeom prst="rect">
+            <a:avLst/>
+          </a:prstGeom>
+          <a:noFill/>
+        </p:spPr>
+        <p:txBody>
+          <a:bodyPr wrap="none" rtlCol="0">
+            <a:spAutoFit/>
+          </a:bodyPr>
+          <a:lstStyle/>
+          <a:p>
+            <a:r>
+              <a:rPr lang="en-US" smtClean="0"/>
+              <a:t>Data Model</a:t>
+            </a:r>
+            <a:endParaRPr lang="en-US"/>
+          </a:p>
+        </p:txBody>
+      </p:sp>
     </p:spTree>
     <p:extLst>
       <p:ext uri="{BB962C8B-B14F-4D97-AF65-F5344CB8AC3E}">
-        <p14:creationId xmlns:p14="http://schemas.microsoft.com/office/powerpoint/2010/main" val="693030752"/>
+        <p14:creationId xmlns:p14="http://schemas.microsoft.com/office/powerpoint/2010/main" val="1360697503"/>
       </p:ext>
     </p:extLst>
   </p:cSld>
@@ -3589,84 +3950,24 @@
         </p:blipFill>
         <p:spPr>
           <a:xfrm>
-            <a:off x="-3108537" y="0"/>
-            <a:ext cx="15300537" cy="12443791"/>
+            <a:off x="1879600" y="0"/>
+            <a:ext cx="8432405" cy="6858000"/>
           </a:xfrm>
           <a:prstGeom prst="rect">
             <a:avLst/>
           </a:prstGeom>
         </p:spPr>
       </p:pic>
-      <p:sp>
-        <p:nvSpPr>
-          <p:cNvPr id="2" name="Rectangle 1"/>
-          <p:cNvSpPr/>
-          <p:nvPr/>
-        </p:nvSpPr>
-        <p:spPr>
-          <a:xfrm>
-            <a:off x="0" y="0"/>
-            <a:ext cx="12192000" cy="6858000"/>
-          </a:xfrm>
-          <a:prstGeom prst="rect">
-            <a:avLst/>
-          </a:prstGeom>
-          <a:noFill/>
-          <a:ln>
-            <a:solidFill>
-              <a:schemeClr val="bg1">
-                <a:lumMod val="50000"/>
-              </a:schemeClr>
-            </a:solidFill>
-          </a:ln>
-        </p:spPr>
-        <p:style>
-          <a:lnRef idx="2">
-            <a:schemeClr val="accent1">
-              <a:shade val="50000"/>
-            </a:schemeClr>
-          </a:lnRef>
-          <a:fillRef idx="1">
-            <a:schemeClr val="accent1"/>
-          </a:fillRef>
-          <a:effectRef idx="0">
-            <a:schemeClr val="accent1"/>
-          </a:effectRef>
-          <a:fontRef idx="minor">
-            <a:schemeClr val="lt1"/>
-          </a:fontRef>
-        </p:style>
-        <p:txBody>
-          <a:bodyPr rtlCol="0" anchor="ctr"/>
-          <a:lstStyle/>
-          <a:p>
-            <a:pPr algn="ctr"/>
-            <a:endParaRPr lang="en-US"/>
-          </a:p>
-        </p:txBody>
-      </p:sp>
     </p:spTree>
     <p:extLst>
       <p:ext uri="{BB962C8B-B14F-4D97-AF65-F5344CB8AC3E}">
-        <p14:creationId xmlns:p14="http://schemas.microsoft.com/office/powerpoint/2010/main" val="1408805468"/>
+        <p14:creationId xmlns:p14="http://schemas.microsoft.com/office/powerpoint/2010/main" val="693030752"/>
       </p:ext>
     </p:extLst>
   </p:cSld>
   <p:clrMapOvr>
     <a:masterClrMapping/>
   </p:clrMapOvr>
-  <mc:AlternateContent xmlns:mc="http://schemas.openxmlformats.org/markup-compatibility/2006" xmlns:p159="http://schemas.microsoft.com/office/powerpoint/2015/09/main">
-    <mc:Choice Requires="p159">
-      <p:transition xmlns:p14="http://schemas.microsoft.com/office/powerpoint/2010/main" spd="slow" p14:dur="2000">
-        <p159:morph option="byObject"/>
-      </p:transition>
-    </mc:Choice>
-    <mc:Fallback xmlns="">
-      <p:transition spd="slow">
-        <p:fade/>
-      </p:transition>
-    </mc:Fallback>
-  </mc:AlternateContent>
   <p:timing>
     <p:tnLst>
       <p:par>
@@ -3716,7 +4017,7 @@
         </p:blipFill>
         <p:spPr>
           <a:xfrm>
-            <a:off x="-3108537" y="-5585791"/>
+            <a:off x="-3108537" y="0"/>
             <a:ext cx="15300537" cy="12443791"/>
           </a:xfrm>
           <a:prstGeom prst="rect">
@@ -3775,7 +4076,7 @@
     </p:spTree>
     <p:extLst>
       <p:ext uri="{BB962C8B-B14F-4D97-AF65-F5344CB8AC3E}">
-        <p14:creationId xmlns:p14="http://schemas.microsoft.com/office/powerpoint/2010/main" val="1786292501"/>
+        <p14:creationId xmlns:p14="http://schemas.microsoft.com/office/powerpoint/2010/main" val="1408805468"/>
       </p:ext>
     </p:extLst>
   </p:cSld>
@@ -3843,18 +4144,66 @@
         </p:blipFill>
         <p:spPr>
           <a:xfrm>
-            <a:off x="1879600" y="0"/>
-            <a:ext cx="8432405" cy="6858000"/>
+            <a:off x="-3108537" y="-5585791"/>
+            <a:ext cx="15300537" cy="12443791"/>
           </a:xfrm>
           <a:prstGeom prst="rect">
             <a:avLst/>
           </a:prstGeom>
         </p:spPr>
       </p:pic>
+      <p:sp>
+        <p:nvSpPr>
+          <p:cNvPr id="2" name="Rectangle 1"/>
+          <p:cNvSpPr/>
+          <p:nvPr/>
+        </p:nvSpPr>
+        <p:spPr>
+          <a:xfrm>
+            <a:off x="0" y="0"/>
+            <a:ext cx="12192000" cy="6858000"/>
+          </a:xfrm>
+          <a:prstGeom prst="rect">
+            <a:avLst/>
+          </a:prstGeom>
+          <a:noFill/>
+          <a:ln>
+            <a:solidFill>
+              <a:schemeClr val="bg1">
+                <a:lumMod val="50000"/>
+              </a:schemeClr>
+            </a:solidFill>
+          </a:ln>
+        </p:spPr>
+        <p:style>
+          <a:lnRef idx="2">
+            <a:schemeClr val="accent1">
+              <a:shade val="50000"/>
+            </a:schemeClr>
+          </a:lnRef>
+          <a:fillRef idx="1">
+            <a:schemeClr val="accent1"/>
+          </a:fillRef>
+          <a:effectRef idx="0">
+            <a:schemeClr val="accent1"/>
+          </a:effectRef>
+          <a:fontRef idx="minor">
+            <a:schemeClr val="lt1"/>
+          </a:fontRef>
+        </p:style>
+        <p:txBody>
+          <a:bodyPr rtlCol="0" anchor="ctr"/>
+          <a:lstStyle/>
+          <a:p>
+            <a:pPr algn="ctr"/>
+            <a:endParaRPr lang="en-US"/>
+          </a:p>
+        </p:txBody>
+      </p:sp>
     </p:spTree>
     <p:extLst>
       <p:ext uri="{BB962C8B-B14F-4D97-AF65-F5344CB8AC3E}">
-        <p14:creationId xmlns:p14="http://schemas.microsoft.com/office/powerpoint/2010/main" val="396679247"/>
+        <p14:creationId xmlns:p14="http://schemas.microsoft.com/office/powerpoint/2010/main" val="1786292501"/>
       </p:ext>
     </p:extLst>
   </p:cSld>
@@ -3902,7 +4251,7 @@
       </p:grpSpPr>
       <p:pic>
         <p:nvPicPr>
-          <p:cNvPr id="4" name="Picture 3"/>
+          <p:cNvPr id="5" name="Picture 4"/>
           <p:cNvPicPr>
             <a:picLocks noChangeAspect="1"/>
           </p:cNvPicPr>
@@ -3922,8 +4271,8 @@
         </p:blipFill>
         <p:spPr>
           <a:xfrm>
-            <a:off x="0" y="101600"/>
-            <a:ext cx="12192000" cy="6654047"/>
+            <a:off x="1879600" y="0"/>
+            <a:ext cx="8432405" cy="6858000"/>
           </a:xfrm>
           <a:prstGeom prst="rect">
             <a:avLst/>
@@ -3933,13 +4282,32 @@
     </p:spTree>
     <p:extLst>
       <p:ext uri="{BB962C8B-B14F-4D97-AF65-F5344CB8AC3E}">
-        <p14:creationId xmlns:p14="http://schemas.microsoft.com/office/powerpoint/2010/main" val="1904758262"/>
+        <p14:creationId xmlns:p14="http://schemas.microsoft.com/office/powerpoint/2010/main" val="396679247"/>
       </p:ext>
     </p:extLst>
   </p:cSld>
   <p:clrMapOvr>
     <a:masterClrMapping/>
   </p:clrMapOvr>
+  <mc:AlternateContent xmlns:mc="http://schemas.openxmlformats.org/markup-compatibility/2006" xmlns:p159="http://schemas.microsoft.com/office/powerpoint/2015/09/main">
+    <mc:Choice Requires="p159">
+      <p:transition xmlns:p14="http://schemas.microsoft.com/office/powerpoint/2010/main" spd="slow" p14:dur="2000">
+        <p159:morph option="byObject"/>
+      </p:transition>
+    </mc:Choice>
+    <mc:Fallback xmlns="">
+      <p:transition spd="slow">
+        <p:fade/>
+      </p:transition>
+    </mc:Fallback>
+  </mc:AlternateContent>
+  <p:timing>
+    <p:tnLst>
+      <p:par>
+        <p:cTn id="1" dur="indefinite" restart="never" nodeType="tmRoot"/>
+      </p:par>
+    </p:tnLst>
+  </p:timing>
 </p:sld>
 </file>
 
@@ -3982,8 +4350,8 @@
         </p:blipFill>
         <p:spPr>
           <a:xfrm>
-            <a:off x="0" y="76200"/>
-            <a:ext cx="12192000" cy="6696263"/>
+            <a:off x="0" y="101600"/>
+            <a:ext cx="12192000" cy="6654047"/>
           </a:xfrm>
           <a:prstGeom prst="rect">
             <a:avLst/>
@@ -3993,7 +4361,7 @@
     </p:spTree>
     <p:extLst>
       <p:ext uri="{BB962C8B-B14F-4D97-AF65-F5344CB8AC3E}">
-        <p14:creationId xmlns:p14="http://schemas.microsoft.com/office/powerpoint/2010/main" val="1809722028"/>
+        <p14:creationId xmlns:p14="http://schemas.microsoft.com/office/powerpoint/2010/main" val="1904758262"/>
       </p:ext>
     </p:extLst>
   </p:cSld>
@@ -4042,8 +4410,8 @@
         </p:blipFill>
         <p:spPr>
           <a:xfrm>
-            <a:off x="0" y="101600"/>
-            <a:ext cx="12192000" cy="6639208"/>
+            <a:off x="0" y="76200"/>
+            <a:ext cx="12192000" cy="6696263"/>
           </a:xfrm>
           <a:prstGeom prst="rect">
             <a:avLst/>
@@ -4053,7 +4421,7 @@
     </p:spTree>
     <p:extLst>
       <p:ext uri="{BB962C8B-B14F-4D97-AF65-F5344CB8AC3E}">
-        <p14:creationId xmlns:p14="http://schemas.microsoft.com/office/powerpoint/2010/main" val="1539928668"/>
+        <p14:creationId xmlns:p14="http://schemas.microsoft.com/office/powerpoint/2010/main" val="1809722028"/>
       </p:ext>
     </p:extLst>
   </p:cSld>
@@ -4064,1234 +4432,6 @@
 </file>
 
 <file path=ppt/slides/slide17.xml><?xml version="1.0" encoding="utf-8"?>
-<p:sld xmlns:a="http://schemas.openxmlformats.org/drawingml/2006/main" xmlns:r="http://schemas.openxmlformats.org/officeDocument/2006/relationships" xmlns:p="http://schemas.openxmlformats.org/presentationml/2006/main">
-  <p:cSld>
-    <p:spTree>
-      <p:nvGrpSpPr>
-        <p:cNvPr id="1" name=""/>
-        <p:cNvGrpSpPr/>
-        <p:nvPr/>
-      </p:nvGrpSpPr>
-      <p:grpSpPr>
-        <a:xfrm>
-          <a:off x="0" y="0"/>
-          <a:ext cx="0" cy="0"/>
-          <a:chOff x="0" y="0"/>
-          <a:chExt cx="0" cy="0"/>
-        </a:xfrm>
-      </p:grpSpPr>
-      <p:sp>
-        <p:nvSpPr>
-          <p:cNvPr id="4" name="Rectangle 3"/>
-          <p:cNvSpPr/>
-          <p:nvPr/>
-        </p:nvSpPr>
-        <p:spPr>
-          <a:xfrm>
-            <a:off x="1917368" y="512462"/>
-            <a:ext cx="496389" cy="5018908"/>
-          </a:xfrm>
-          <a:prstGeom prst="rect">
-            <a:avLst/>
-          </a:prstGeom>
-        </p:spPr>
-        <p:style>
-          <a:lnRef idx="2">
-            <a:schemeClr val="accent1">
-              <a:shade val="50000"/>
-            </a:schemeClr>
-          </a:lnRef>
-          <a:fillRef idx="1">
-            <a:schemeClr val="accent1"/>
-          </a:fillRef>
-          <a:effectRef idx="0">
-            <a:schemeClr val="accent1"/>
-          </a:effectRef>
-          <a:fontRef idx="minor">
-            <a:schemeClr val="lt1"/>
-          </a:fontRef>
-        </p:style>
-        <p:txBody>
-          <a:bodyPr rtlCol="0" anchor="ctr"/>
-          <a:lstStyle/>
-          <a:p>
-            <a:pPr algn="ctr"/>
-            <a:r>
-              <a:rPr lang="en-US" dirty="0" smtClean="0"/>
-              <a:t>C</a:t>
-            </a:r>
-          </a:p>
-          <a:p>
-            <a:pPr algn="ctr"/>
-            <a:r>
-              <a:rPr lang="en-US" dirty="0" smtClean="0"/>
-              <a:t>l</a:t>
-            </a:r>
-          </a:p>
-          <a:p>
-            <a:pPr algn="ctr"/>
-            <a:r>
-              <a:rPr lang="en-US" dirty="0" smtClean="0"/>
-              <a:t>o</a:t>
-            </a:r>
-          </a:p>
-          <a:p>
-            <a:pPr algn="ctr"/>
-            <a:r>
-              <a:rPr lang="en-US" dirty="0" smtClean="0"/>
-              <a:t>u</a:t>
-            </a:r>
-          </a:p>
-          <a:p>
-            <a:pPr algn="ctr"/>
-            <a:r>
-              <a:rPr lang="en-US" dirty="0" smtClean="0"/>
-              <a:t>d</a:t>
-            </a:r>
-          </a:p>
-          <a:p>
-            <a:pPr algn="ctr"/>
-            <a:r>
-              <a:rPr lang="en-US" dirty="0" smtClean="0"/>
-              <a:t>f</a:t>
-            </a:r>
-          </a:p>
-          <a:p>
-            <a:pPr algn="ctr"/>
-            <a:r>
-              <a:rPr lang="en-US" dirty="0" smtClean="0"/>
-              <a:t>l</a:t>
-            </a:r>
-          </a:p>
-          <a:p>
-            <a:pPr algn="ctr"/>
-            <a:r>
-              <a:rPr lang="en-US" dirty="0" smtClean="0"/>
-              <a:t>a</a:t>
-            </a:r>
-          </a:p>
-          <a:p>
-            <a:pPr algn="ctr"/>
-            <a:r>
-              <a:rPr lang="en-US" dirty="0" smtClean="0"/>
-              <a:t>r</a:t>
-            </a:r>
-          </a:p>
-          <a:p>
-            <a:pPr algn="ctr"/>
-            <a:r>
-              <a:rPr lang="en-US" dirty="0"/>
-              <a:t>e</a:t>
-            </a:r>
-            <a:endParaRPr lang="en-US" dirty="0" smtClean="0"/>
-          </a:p>
-        </p:txBody>
-      </p:sp>
-      <p:sp>
-        <p:nvSpPr>
-          <p:cNvPr id="5" name="Rectangle 4"/>
-          <p:cNvSpPr/>
-          <p:nvPr/>
-        </p:nvSpPr>
-        <p:spPr>
-          <a:xfrm>
-            <a:off x="2766311" y="512462"/>
-            <a:ext cx="7262949" cy="2335204"/>
-          </a:xfrm>
-          <a:prstGeom prst="rect">
-            <a:avLst/>
-          </a:prstGeom>
-        </p:spPr>
-        <p:style>
-          <a:lnRef idx="2">
-            <a:schemeClr val="accent1">
-              <a:shade val="50000"/>
-            </a:schemeClr>
-          </a:lnRef>
-          <a:fillRef idx="1">
-            <a:schemeClr val="accent1"/>
-          </a:fillRef>
-          <a:effectRef idx="0">
-            <a:schemeClr val="accent1"/>
-          </a:effectRef>
-          <a:fontRef idx="minor">
-            <a:schemeClr val="lt1"/>
-          </a:fontRef>
-        </p:style>
-        <p:txBody>
-          <a:bodyPr rtlCol="0" anchor="t"/>
-          <a:lstStyle/>
-          <a:p>
-            <a:r>
-              <a:rPr lang="en-US" dirty="0" smtClean="0"/>
-              <a:t>Amazon – </a:t>
-            </a:r>
-            <a:r>
-              <a:rPr lang="en-US" dirty="0" err="1" smtClean="0"/>
-              <a:t>www.tsugicloud.org</a:t>
-            </a:r>
-            <a:endParaRPr lang="en-US" dirty="0"/>
-          </a:p>
-        </p:txBody>
-      </p:sp>
-      <p:sp>
-        <p:nvSpPr>
-          <p:cNvPr id="6" name="Rectangle 5"/>
-          <p:cNvSpPr/>
-          <p:nvPr/>
-        </p:nvSpPr>
-        <p:spPr>
-          <a:xfrm>
-            <a:off x="4073993" y="996216"/>
-            <a:ext cx="1239576" cy="1619796"/>
-          </a:xfrm>
-          <a:prstGeom prst="rect">
-            <a:avLst/>
-          </a:prstGeom>
-          <a:solidFill>
-            <a:schemeClr val="accent2"/>
-          </a:solidFill>
-        </p:spPr>
-        <p:style>
-          <a:lnRef idx="2">
-            <a:schemeClr val="accent1">
-              <a:shade val="50000"/>
-            </a:schemeClr>
-          </a:lnRef>
-          <a:fillRef idx="1">
-            <a:schemeClr val="accent1"/>
-          </a:fillRef>
-          <a:effectRef idx="0">
-            <a:schemeClr val="accent1"/>
-          </a:effectRef>
-          <a:fontRef idx="minor">
-            <a:schemeClr val="lt1"/>
-          </a:fontRef>
-        </p:style>
-        <p:txBody>
-          <a:bodyPr rtlCol="0" anchor="ctr"/>
-          <a:lstStyle/>
-          <a:p>
-            <a:pPr algn="ctr"/>
-            <a:r>
-              <a:rPr lang="en-US" smtClean="0"/>
-              <a:t>Application</a:t>
-            </a:r>
-          </a:p>
-          <a:p>
-            <a:pPr algn="ctr"/>
-            <a:r>
-              <a:rPr lang="en-US" dirty="0" smtClean="0"/>
-              <a:t>Load</a:t>
-            </a:r>
-          </a:p>
-          <a:p>
-            <a:pPr algn="ctr"/>
-            <a:r>
-              <a:rPr lang="en-US" dirty="0" smtClean="0"/>
-              <a:t>Balancer</a:t>
-            </a:r>
-            <a:endParaRPr lang="en-US" dirty="0"/>
-          </a:p>
-        </p:txBody>
-      </p:sp>
-      <p:sp>
-        <p:nvSpPr>
-          <p:cNvPr id="7" name="Rectangle 6"/>
-          <p:cNvSpPr/>
-          <p:nvPr/>
-        </p:nvSpPr>
-        <p:spPr>
-          <a:xfrm>
-            <a:off x="5844791" y="1081124"/>
-            <a:ext cx="1149532" cy="424544"/>
-          </a:xfrm>
-          <a:prstGeom prst="rect">
-            <a:avLst/>
-          </a:prstGeom>
-          <a:solidFill>
-            <a:schemeClr val="accent2"/>
-          </a:solidFill>
-        </p:spPr>
-        <p:style>
-          <a:lnRef idx="2">
-            <a:schemeClr val="accent1">
-              <a:shade val="50000"/>
-            </a:schemeClr>
-          </a:lnRef>
-          <a:fillRef idx="1">
-            <a:schemeClr val="accent1"/>
-          </a:fillRef>
-          <a:effectRef idx="0">
-            <a:schemeClr val="accent1"/>
-          </a:effectRef>
-          <a:fontRef idx="minor">
-            <a:schemeClr val="lt1"/>
-          </a:fontRef>
-        </p:style>
-        <p:txBody>
-          <a:bodyPr rtlCol="0" anchor="ctr"/>
-          <a:lstStyle/>
-          <a:p>
-            <a:pPr algn="ctr"/>
-            <a:r>
-              <a:rPr lang="en-US" smtClean="0"/>
-              <a:t>EC2</a:t>
-            </a:r>
-            <a:endParaRPr lang="en-US" dirty="0"/>
-          </a:p>
-        </p:txBody>
-      </p:sp>
-      <p:sp>
-        <p:nvSpPr>
-          <p:cNvPr id="8" name="Rectangle 7"/>
-          <p:cNvSpPr/>
-          <p:nvPr/>
-        </p:nvSpPr>
-        <p:spPr>
-          <a:xfrm>
-            <a:off x="5844791" y="1590574"/>
-            <a:ext cx="1149532" cy="424544"/>
-          </a:xfrm>
-          <a:prstGeom prst="rect">
-            <a:avLst/>
-          </a:prstGeom>
-          <a:solidFill>
-            <a:schemeClr val="accent2"/>
-          </a:solidFill>
-        </p:spPr>
-        <p:style>
-          <a:lnRef idx="2">
-            <a:schemeClr val="accent1">
-              <a:shade val="50000"/>
-            </a:schemeClr>
-          </a:lnRef>
-          <a:fillRef idx="1">
-            <a:schemeClr val="accent1"/>
-          </a:fillRef>
-          <a:effectRef idx="0">
-            <a:schemeClr val="accent1"/>
-          </a:effectRef>
-          <a:fontRef idx="minor">
-            <a:schemeClr val="lt1"/>
-          </a:fontRef>
-        </p:style>
-        <p:txBody>
-          <a:bodyPr rtlCol="0" anchor="ctr"/>
-          <a:lstStyle/>
-          <a:p>
-            <a:pPr algn="ctr"/>
-            <a:r>
-              <a:rPr lang="en-US" smtClean="0"/>
-              <a:t>EC2</a:t>
-            </a:r>
-            <a:endParaRPr lang="en-US" dirty="0"/>
-          </a:p>
-        </p:txBody>
-      </p:sp>
-      <p:sp>
-        <p:nvSpPr>
-          <p:cNvPr id="9" name="Rectangle 8"/>
-          <p:cNvSpPr/>
-          <p:nvPr/>
-        </p:nvSpPr>
-        <p:spPr>
-          <a:xfrm>
-            <a:off x="5831614" y="2211366"/>
-            <a:ext cx="1149532" cy="424544"/>
-          </a:xfrm>
-          <a:prstGeom prst="rect">
-            <a:avLst/>
-          </a:prstGeom>
-          <a:solidFill>
-            <a:schemeClr val="accent2"/>
-          </a:solidFill>
-        </p:spPr>
-        <p:style>
-          <a:lnRef idx="2">
-            <a:schemeClr val="accent1">
-              <a:shade val="50000"/>
-            </a:schemeClr>
-          </a:lnRef>
-          <a:fillRef idx="1">
-            <a:schemeClr val="accent1"/>
-          </a:fillRef>
-          <a:effectRef idx="0">
-            <a:schemeClr val="accent1"/>
-          </a:effectRef>
-          <a:fontRef idx="minor">
-            <a:schemeClr val="lt1"/>
-          </a:fontRef>
-        </p:style>
-        <p:txBody>
-          <a:bodyPr rtlCol="0" anchor="ctr"/>
-          <a:lstStyle/>
-          <a:p>
-            <a:pPr algn="ctr"/>
-            <a:r>
-              <a:rPr lang="en-US" smtClean="0"/>
-              <a:t>EC2</a:t>
-            </a:r>
-            <a:endParaRPr lang="en-US" dirty="0"/>
-          </a:p>
-        </p:txBody>
-      </p:sp>
-      <p:sp>
-        <p:nvSpPr>
-          <p:cNvPr id="10" name="TextBox 9"/>
-          <p:cNvSpPr txBox="1"/>
-          <p:nvPr/>
-        </p:nvSpPr>
-        <p:spPr>
-          <a:xfrm>
-            <a:off x="6254095" y="1910613"/>
-            <a:ext cx="343364" cy="369332"/>
-          </a:xfrm>
-          <a:prstGeom prst="rect">
-            <a:avLst/>
-          </a:prstGeom>
-          <a:noFill/>
-        </p:spPr>
-        <p:txBody>
-          <a:bodyPr wrap="none" rtlCol="0">
-            <a:spAutoFit/>
-          </a:bodyPr>
-          <a:lstStyle/>
-          <a:p>
-            <a:r>
-              <a:rPr lang="is-IS" smtClean="0">
-                <a:solidFill>
-                  <a:schemeClr val="bg1"/>
-                </a:solidFill>
-              </a:rPr>
-              <a:t>…</a:t>
-            </a:r>
-            <a:endParaRPr lang="en-US" dirty="0">
-              <a:solidFill>
-                <a:schemeClr val="bg1"/>
-              </a:solidFill>
-            </a:endParaRPr>
-          </a:p>
-        </p:txBody>
-      </p:sp>
-      <p:sp>
-        <p:nvSpPr>
-          <p:cNvPr id="11" name="Rectangle 10"/>
-          <p:cNvSpPr/>
-          <p:nvPr/>
-        </p:nvSpPr>
-        <p:spPr>
-          <a:xfrm>
-            <a:off x="8323152" y="2145191"/>
-            <a:ext cx="1282339" cy="478859"/>
-          </a:xfrm>
-          <a:prstGeom prst="rect">
-            <a:avLst/>
-          </a:prstGeom>
-          <a:solidFill>
-            <a:schemeClr val="accent2"/>
-          </a:solidFill>
-        </p:spPr>
-        <p:style>
-          <a:lnRef idx="2">
-            <a:schemeClr val="accent1">
-              <a:shade val="50000"/>
-            </a:schemeClr>
-          </a:lnRef>
-          <a:fillRef idx="1">
-            <a:schemeClr val="accent1"/>
-          </a:fillRef>
-          <a:effectRef idx="0">
-            <a:schemeClr val="accent1"/>
-          </a:effectRef>
-          <a:fontRef idx="minor">
-            <a:schemeClr val="lt1"/>
-          </a:fontRef>
-        </p:style>
-        <p:txBody>
-          <a:bodyPr rtlCol="0" anchor="ctr"/>
-          <a:lstStyle/>
-          <a:p>
-            <a:pPr algn="ctr"/>
-            <a:r>
-              <a:rPr lang="en-US" dirty="0" err="1" smtClean="0"/>
-              <a:t>DynamoDB</a:t>
-            </a:r>
-            <a:endParaRPr lang="en-US" dirty="0"/>
-          </a:p>
-        </p:txBody>
-      </p:sp>
-      <p:sp>
-        <p:nvSpPr>
-          <p:cNvPr id="12" name="Rectangle 11"/>
-          <p:cNvSpPr/>
-          <p:nvPr/>
-        </p:nvSpPr>
-        <p:spPr>
-          <a:xfrm>
-            <a:off x="8323152" y="1063486"/>
-            <a:ext cx="1282339" cy="478859"/>
-          </a:xfrm>
-          <a:prstGeom prst="rect">
-            <a:avLst/>
-          </a:prstGeom>
-          <a:solidFill>
-            <a:schemeClr val="accent2"/>
-          </a:solidFill>
-        </p:spPr>
-        <p:style>
-          <a:lnRef idx="2">
-            <a:schemeClr val="accent1">
-              <a:shade val="50000"/>
-            </a:schemeClr>
-          </a:lnRef>
-          <a:fillRef idx="1">
-            <a:schemeClr val="accent1"/>
-          </a:fillRef>
-          <a:effectRef idx="0">
-            <a:schemeClr val="accent1"/>
-          </a:effectRef>
-          <a:fontRef idx="minor">
-            <a:schemeClr val="lt1"/>
-          </a:fontRef>
-        </p:style>
-        <p:txBody>
-          <a:bodyPr rtlCol="0" anchor="ctr"/>
-          <a:lstStyle/>
-          <a:p>
-            <a:pPr algn="ctr"/>
-            <a:r>
-              <a:rPr lang="en-US" smtClean="0"/>
-              <a:t>Aurora</a:t>
-            </a:r>
-            <a:endParaRPr lang="en-US" dirty="0"/>
-          </a:p>
-        </p:txBody>
-      </p:sp>
-      <p:sp>
-        <p:nvSpPr>
-          <p:cNvPr id="13" name="Rectangle 12"/>
-          <p:cNvSpPr/>
-          <p:nvPr/>
-        </p:nvSpPr>
-        <p:spPr>
-          <a:xfrm>
-            <a:off x="8323152" y="1604338"/>
-            <a:ext cx="1282339" cy="478859"/>
-          </a:xfrm>
-          <a:prstGeom prst="rect">
-            <a:avLst/>
-          </a:prstGeom>
-          <a:solidFill>
-            <a:schemeClr val="accent2"/>
-          </a:solidFill>
-        </p:spPr>
-        <p:style>
-          <a:lnRef idx="2">
-            <a:schemeClr val="accent1">
-              <a:shade val="50000"/>
-            </a:schemeClr>
-          </a:lnRef>
-          <a:fillRef idx="1">
-            <a:schemeClr val="accent1"/>
-          </a:fillRef>
-          <a:effectRef idx="0">
-            <a:schemeClr val="accent1"/>
-          </a:effectRef>
-          <a:fontRef idx="minor">
-            <a:schemeClr val="lt1"/>
-          </a:fontRef>
-        </p:style>
-        <p:txBody>
-          <a:bodyPr rtlCol="0" anchor="ctr"/>
-          <a:lstStyle/>
-          <a:p>
-            <a:pPr algn="ctr"/>
-            <a:r>
-              <a:rPr lang="en-US" dirty="0" smtClean="0"/>
-              <a:t>EFS</a:t>
-            </a:r>
-            <a:endParaRPr lang="en-US" dirty="0"/>
-          </a:p>
-        </p:txBody>
-      </p:sp>
-      <p:sp>
-        <p:nvSpPr>
-          <p:cNvPr id="14" name="Rectangle 13"/>
-          <p:cNvSpPr/>
-          <p:nvPr/>
-        </p:nvSpPr>
-        <p:spPr>
-          <a:xfrm>
-            <a:off x="2766311" y="3039622"/>
-            <a:ext cx="7262949" cy="2491748"/>
-          </a:xfrm>
-          <a:prstGeom prst="rect">
-            <a:avLst/>
-          </a:prstGeom>
-        </p:spPr>
-        <p:style>
-          <a:lnRef idx="2">
-            <a:schemeClr val="accent1">
-              <a:shade val="50000"/>
-            </a:schemeClr>
-          </a:lnRef>
-          <a:fillRef idx="1">
-            <a:schemeClr val="accent1"/>
-          </a:fillRef>
-          <a:effectRef idx="0">
-            <a:schemeClr val="accent1"/>
-          </a:effectRef>
-          <a:fontRef idx="minor">
-            <a:schemeClr val="lt1"/>
-          </a:fontRef>
-        </p:style>
-        <p:txBody>
-          <a:bodyPr rtlCol="0" anchor="t"/>
-          <a:lstStyle/>
-          <a:p>
-            <a:r>
-              <a:rPr lang="en-US" dirty="0" smtClean="0"/>
-              <a:t>Google – </a:t>
-            </a:r>
-            <a:r>
-              <a:rPr lang="en-US" dirty="0" err="1" smtClean="0"/>
-              <a:t>dev.tsugicloud.org</a:t>
-            </a:r>
-            <a:endParaRPr lang="en-US" dirty="0"/>
-          </a:p>
-        </p:txBody>
-      </p:sp>
-      <p:sp>
-        <p:nvSpPr>
-          <p:cNvPr id="24" name="Left-Right Arrow 23"/>
-          <p:cNvSpPr/>
-          <p:nvPr/>
-        </p:nvSpPr>
-        <p:spPr>
-          <a:xfrm>
-            <a:off x="7294770" y="1664169"/>
-            <a:ext cx="640079" cy="460767"/>
-          </a:xfrm>
-          <a:prstGeom prst="leftRightArrow">
-            <a:avLst>
-              <a:gd name="adj1" fmla="val 42472"/>
-              <a:gd name="adj2" fmla="val 50000"/>
-            </a:avLst>
-          </a:prstGeom>
-          <a:solidFill>
-            <a:srgbClr val="FFFF00"/>
-          </a:solidFill>
-        </p:spPr>
-        <p:style>
-          <a:lnRef idx="2">
-            <a:schemeClr val="accent1">
-              <a:shade val="50000"/>
-            </a:schemeClr>
-          </a:lnRef>
-          <a:fillRef idx="1">
-            <a:schemeClr val="accent1"/>
-          </a:fillRef>
-          <a:effectRef idx="0">
-            <a:schemeClr val="accent1"/>
-          </a:effectRef>
-          <a:fontRef idx="minor">
-            <a:schemeClr val="lt1"/>
-          </a:fontRef>
-        </p:style>
-        <p:txBody>
-          <a:bodyPr rtlCol="0" anchor="ctr"/>
-          <a:lstStyle/>
-          <a:p>
-            <a:pPr algn="ctr"/>
-            <a:endParaRPr lang="en-US"/>
-          </a:p>
-        </p:txBody>
-      </p:sp>
-      <p:sp>
-        <p:nvSpPr>
-          <p:cNvPr id="25" name="Rectangle 24"/>
-          <p:cNvSpPr/>
-          <p:nvPr/>
-        </p:nvSpPr>
-        <p:spPr>
-          <a:xfrm>
-            <a:off x="3171290" y="989683"/>
-            <a:ext cx="410784" cy="1626329"/>
-          </a:xfrm>
-          <a:prstGeom prst="rect">
-            <a:avLst/>
-          </a:prstGeom>
-          <a:solidFill>
-            <a:schemeClr val="accent2"/>
-          </a:solidFill>
-        </p:spPr>
-        <p:style>
-          <a:lnRef idx="2">
-            <a:schemeClr val="accent1">
-              <a:shade val="50000"/>
-            </a:schemeClr>
-          </a:lnRef>
-          <a:fillRef idx="1">
-            <a:schemeClr val="accent1"/>
-          </a:fillRef>
-          <a:effectRef idx="0">
-            <a:schemeClr val="accent1"/>
-          </a:effectRef>
-          <a:fontRef idx="minor">
-            <a:schemeClr val="lt1"/>
-          </a:fontRef>
-        </p:style>
-        <p:txBody>
-          <a:bodyPr rtlCol="0" anchor="ctr"/>
-          <a:lstStyle/>
-          <a:p>
-            <a:pPr algn="ctr"/>
-            <a:r>
-              <a:rPr lang="en-US" sz="1200" dirty="0" smtClean="0"/>
-              <a:t>F</a:t>
-            </a:r>
-          </a:p>
-          <a:p>
-            <a:pPr algn="ctr"/>
-            <a:r>
-              <a:rPr lang="en-US" sz="1200" dirty="0" smtClean="0"/>
-              <a:t>I</a:t>
-            </a:r>
-          </a:p>
-          <a:p>
-            <a:pPr algn="ctr"/>
-            <a:r>
-              <a:rPr lang="en-US" sz="1200" dirty="0" smtClean="0"/>
-              <a:t>r</a:t>
-            </a:r>
-          </a:p>
-          <a:p>
-            <a:pPr algn="ctr"/>
-            <a:r>
-              <a:rPr lang="en-US" sz="1200" dirty="0" smtClean="0"/>
-              <a:t>e</a:t>
-            </a:r>
-          </a:p>
-          <a:p>
-            <a:pPr algn="ctr"/>
-            <a:r>
-              <a:rPr lang="en-US" sz="1200" dirty="0" smtClean="0"/>
-              <a:t>w</a:t>
-            </a:r>
-          </a:p>
-          <a:p>
-            <a:pPr algn="ctr"/>
-            <a:r>
-              <a:rPr lang="en-US" sz="1200" dirty="0" smtClean="0"/>
-              <a:t>a</a:t>
-            </a:r>
-          </a:p>
-          <a:p>
-            <a:pPr algn="ctr"/>
-            <a:r>
-              <a:rPr lang="en-US" sz="1200" dirty="0" smtClean="0"/>
-              <a:t>l</a:t>
-            </a:r>
-          </a:p>
-          <a:p>
-            <a:pPr algn="ctr"/>
-            <a:r>
-              <a:rPr lang="en-US" sz="1200" dirty="0"/>
-              <a:t>l</a:t>
-            </a:r>
-          </a:p>
-        </p:txBody>
-      </p:sp>
-      <p:sp>
-        <p:nvSpPr>
-          <p:cNvPr id="27" name="Rectangle 26"/>
-          <p:cNvSpPr/>
-          <p:nvPr/>
-        </p:nvSpPr>
-        <p:spPr>
-          <a:xfrm>
-            <a:off x="3458643" y="3502999"/>
-            <a:ext cx="4585064" cy="1756510"/>
-          </a:xfrm>
-          <a:prstGeom prst="rect">
-            <a:avLst/>
-          </a:prstGeom>
-          <a:solidFill>
-            <a:srgbClr val="7030A0"/>
-          </a:solidFill>
-        </p:spPr>
-        <p:style>
-          <a:lnRef idx="2">
-            <a:schemeClr val="accent1">
-              <a:shade val="50000"/>
-            </a:schemeClr>
-          </a:lnRef>
-          <a:fillRef idx="1">
-            <a:schemeClr val="accent1"/>
-          </a:fillRef>
-          <a:effectRef idx="0">
-            <a:schemeClr val="accent1"/>
-          </a:effectRef>
-          <a:fontRef idx="minor">
-            <a:schemeClr val="lt1"/>
-          </a:fontRef>
-        </p:style>
-        <p:txBody>
-          <a:bodyPr rtlCol="0" anchor="t"/>
-          <a:lstStyle/>
-          <a:p>
-            <a:r>
-              <a:rPr lang="en-US" dirty="0" smtClean="0"/>
-              <a:t>Kubernetes</a:t>
-            </a:r>
-            <a:endParaRPr lang="en-US" dirty="0"/>
-          </a:p>
-        </p:txBody>
-      </p:sp>
-      <p:sp>
-        <p:nvSpPr>
-          <p:cNvPr id="15" name="Rectangle 14"/>
-          <p:cNvSpPr/>
-          <p:nvPr/>
-        </p:nvSpPr>
-        <p:spPr>
-          <a:xfrm>
-            <a:off x="5132169" y="3815863"/>
-            <a:ext cx="1149532" cy="1352204"/>
-          </a:xfrm>
-          <a:prstGeom prst="rect">
-            <a:avLst/>
-          </a:prstGeom>
-          <a:solidFill>
-            <a:schemeClr val="accent2"/>
-          </a:solidFill>
-        </p:spPr>
-        <p:style>
-          <a:lnRef idx="2">
-            <a:schemeClr val="accent1">
-              <a:shade val="50000"/>
-            </a:schemeClr>
-          </a:lnRef>
-          <a:fillRef idx="1">
-            <a:schemeClr val="accent1"/>
-          </a:fillRef>
-          <a:effectRef idx="0">
-            <a:schemeClr val="accent1"/>
-          </a:effectRef>
-          <a:fontRef idx="minor">
-            <a:schemeClr val="lt1"/>
-          </a:fontRef>
-        </p:style>
-        <p:txBody>
-          <a:bodyPr rtlCol="0" anchor="ctr"/>
-          <a:lstStyle/>
-          <a:p>
-            <a:pPr algn="ctr"/>
-            <a:r>
-              <a:rPr lang="en-US" dirty="0" smtClean="0"/>
-              <a:t>Service</a:t>
-            </a:r>
-          </a:p>
-          <a:p>
-            <a:pPr algn="ctr"/>
-            <a:r>
-              <a:rPr lang="en-US" dirty="0" smtClean="0"/>
-              <a:t>Load</a:t>
-            </a:r>
-          </a:p>
-          <a:p>
-            <a:pPr algn="ctr"/>
-            <a:r>
-              <a:rPr lang="en-US" dirty="0" smtClean="0"/>
-              <a:t>Balancer</a:t>
-            </a:r>
-            <a:endParaRPr lang="en-US" dirty="0"/>
-          </a:p>
-        </p:txBody>
-      </p:sp>
-      <p:sp>
-        <p:nvSpPr>
-          <p:cNvPr id="16" name="Rectangle 15"/>
-          <p:cNvSpPr/>
-          <p:nvPr/>
-        </p:nvSpPr>
-        <p:spPr>
-          <a:xfrm>
-            <a:off x="6682263" y="3956708"/>
-            <a:ext cx="1149532" cy="424544"/>
-          </a:xfrm>
-          <a:prstGeom prst="rect">
-            <a:avLst/>
-          </a:prstGeom>
-          <a:solidFill>
-            <a:schemeClr val="accent2"/>
-          </a:solidFill>
-        </p:spPr>
-        <p:style>
-          <a:lnRef idx="2">
-            <a:schemeClr val="accent1">
-              <a:shade val="50000"/>
-            </a:schemeClr>
-          </a:lnRef>
-          <a:fillRef idx="1">
-            <a:schemeClr val="accent1"/>
-          </a:fillRef>
-          <a:effectRef idx="0">
-            <a:schemeClr val="accent1"/>
-          </a:effectRef>
-          <a:fontRef idx="minor">
-            <a:schemeClr val="lt1"/>
-          </a:fontRef>
-        </p:style>
-        <p:txBody>
-          <a:bodyPr rtlCol="0" anchor="ctr"/>
-          <a:lstStyle/>
-          <a:p>
-            <a:pPr algn="ctr"/>
-            <a:r>
-              <a:rPr lang="en-US" dirty="0" smtClean="0"/>
-              <a:t>Docker</a:t>
-            </a:r>
-            <a:endParaRPr lang="en-US" dirty="0"/>
-          </a:p>
-        </p:txBody>
-      </p:sp>
-      <p:sp>
-        <p:nvSpPr>
-          <p:cNvPr id="18" name="Rectangle 17"/>
-          <p:cNvSpPr/>
-          <p:nvPr/>
-        </p:nvSpPr>
-        <p:spPr>
-          <a:xfrm>
-            <a:off x="6711295" y="4743523"/>
-            <a:ext cx="1149532" cy="424544"/>
-          </a:xfrm>
-          <a:prstGeom prst="rect">
-            <a:avLst/>
-          </a:prstGeom>
-          <a:solidFill>
-            <a:srgbClr val="C00000"/>
-          </a:solidFill>
-        </p:spPr>
-        <p:style>
-          <a:lnRef idx="2">
-            <a:schemeClr val="accent1">
-              <a:shade val="50000"/>
-            </a:schemeClr>
-          </a:lnRef>
-          <a:fillRef idx="1">
-            <a:schemeClr val="accent1"/>
-          </a:fillRef>
-          <a:effectRef idx="0">
-            <a:schemeClr val="accent1"/>
-          </a:effectRef>
-          <a:fontRef idx="minor">
-            <a:schemeClr val="lt1"/>
-          </a:fontRef>
-        </p:style>
-        <p:txBody>
-          <a:bodyPr rtlCol="0" anchor="ctr"/>
-          <a:lstStyle/>
-          <a:p>
-            <a:pPr algn="ctr"/>
-            <a:r>
-              <a:rPr lang="en-US" dirty="0" smtClean="0"/>
-              <a:t>Docker</a:t>
-            </a:r>
-            <a:endParaRPr lang="en-US" dirty="0"/>
-          </a:p>
-        </p:txBody>
-      </p:sp>
-      <p:sp>
-        <p:nvSpPr>
-          <p:cNvPr id="19" name="TextBox 18"/>
-          <p:cNvSpPr txBox="1"/>
-          <p:nvPr/>
-        </p:nvSpPr>
-        <p:spPr>
-          <a:xfrm>
-            <a:off x="7120599" y="4361435"/>
-            <a:ext cx="343364" cy="369332"/>
-          </a:xfrm>
-          <a:prstGeom prst="rect">
-            <a:avLst/>
-          </a:prstGeom>
-          <a:noFill/>
-        </p:spPr>
-        <p:txBody>
-          <a:bodyPr wrap="none" rtlCol="0">
-            <a:spAutoFit/>
-          </a:bodyPr>
-          <a:lstStyle/>
-          <a:p>
-            <a:r>
-              <a:rPr lang="is-IS" dirty="0" smtClean="0">
-                <a:solidFill>
-                  <a:schemeClr val="bg1"/>
-                </a:solidFill>
-              </a:rPr>
-              <a:t>…</a:t>
-            </a:r>
-            <a:endParaRPr lang="en-US" dirty="0">
-              <a:solidFill>
-                <a:schemeClr val="bg1"/>
-              </a:solidFill>
-            </a:endParaRPr>
-          </a:p>
-        </p:txBody>
-      </p:sp>
-      <p:sp>
-        <p:nvSpPr>
-          <p:cNvPr id="20" name="Rectangle 19"/>
-          <p:cNvSpPr/>
-          <p:nvPr/>
-        </p:nvSpPr>
-        <p:spPr>
-          <a:xfrm>
-            <a:off x="8323152" y="4780649"/>
-            <a:ext cx="1282339" cy="478859"/>
-          </a:xfrm>
-          <a:prstGeom prst="rect">
-            <a:avLst/>
-          </a:prstGeom>
-          <a:solidFill>
-            <a:srgbClr val="C00000"/>
-          </a:solidFill>
-        </p:spPr>
-        <p:style>
-          <a:lnRef idx="2">
-            <a:schemeClr val="accent1">
-              <a:shade val="50000"/>
-            </a:schemeClr>
-          </a:lnRef>
-          <a:fillRef idx="1">
-            <a:schemeClr val="accent1"/>
-          </a:fillRef>
-          <a:effectRef idx="0">
-            <a:schemeClr val="accent1"/>
-          </a:effectRef>
-          <a:fontRef idx="minor">
-            <a:schemeClr val="lt1"/>
-          </a:fontRef>
-        </p:style>
-        <p:txBody>
-          <a:bodyPr rtlCol="0" anchor="ctr"/>
-          <a:lstStyle/>
-          <a:p>
-            <a:pPr algn="ctr"/>
-            <a:r>
-              <a:rPr lang="en-US" dirty="0" err="1" smtClean="0"/>
-              <a:t>DataStore</a:t>
-            </a:r>
-            <a:endParaRPr lang="en-US" dirty="0"/>
-          </a:p>
-        </p:txBody>
-      </p:sp>
-      <p:sp>
-        <p:nvSpPr>
-          <p:cNvPr id="21" name="Rectangle 20"/>
-          <p:cNvSpPr/>
-          <p:nvPr/>
-        </p:nvSpPr>
-        <p:spPr>
-          <a:xfrm>
-            <a:off x="8323152" y="3502999"/>
-            <a:ext cx="1282339" cy="478859"/>
-          </a:xfrm>
-          <a:prstGeom prst="rect">
-            <a:avLst/>
-          </a:prstGeom>
-          <a:solidFill>
-            <a:schemeClr val="accent2"/>
-          </a:solidFill>
-        </p:spPr>
-        <p:style>
-          <a:lnRef idx="2">
-            <a:schemeClr val="accent1">
-              <a:shade val="50000"/>
-            </a:schemeClr>
-          </a:lnRef>
-          <a:fillRef idx="1">
-            <a:schemeClr val="accent1"/>
-          </a:fillRef>
-          <a:effectRef idx="0">
-            <a:schemeClr val="accent1"/>
-          </a:effectRef>
-          <a:fontRef idx="minor">
-            <a:schemeClr val="lt1"/>
-          </a:fontRef>
-        </p:style>
-        <p:txBody>
-          <a:bodyPr rtlCol="0" anchor="ctr"/>
-          <a:lstStyle/>
-          <a:p>
-            <a:pPr algn="ctr"/>
-            <a:r>
-              <a:rPr lang="en-US" dirty="0" err="1" smtClean="0"/>
-              <a:t>CloudSQL</a:t>
-            </a:r>
-            <a:endParaRPr lang="en-US" dirty="0"/>
-          </a:p>
-        </p:txBody>
-      </p:sp>
-      <p:sp>
-        <p:nvSpPr>
-          <p:cNvPr id="22" name="Rectangle 21"/>
-          <p:cNvSpPr/>
-          <p:nvPr/>
-        </p:nvSpPr>
-        <p:spPr>
-          <a:xfrm>
-            <a:off x="8323152" y="4141824"/>
-            <a:ext cx="1282339" cy="478859"/>
-          </a:xfrm>
-          <a:prstGeom prst="rect">
-            <a:avLst/>
-          </a:prstGeom>
-          <a:solidFill>
-            <a:srgbClr val="C00000"/>
-          </a:solidFill>
-        </p:spPr>
-        <p:style>
-          <a:lnRef idx="2">
-            <a:schemeClr val="accent1">
-              <a:shade val="50000"/>
-            </a:schemeClr>
-          </a:lnRef>
-          <a:fillRef idx="1">
-            <a:schemeClr val="accent1"/>
-          </a:fillRef>
-          <a:effectRef idx="0">
-            <a:schemeClr val="accent1"/>
-          </a:effectRef>
-          <a:fontRef idx="minor">
-            <a:schemeClr val="lt1"/>
-          </a:fontRef>
-        </p:style>
-        <p:txBody>
-          <a:bodyPr rtlCol="0" anchor="ctr"/>
-          <a:lstStyle/>
-          <a:p>
-            <a:pPr algn="ctr"/>
-            <a:r>
-              <a:rPr lang="en-US" dirty="0" smtClean="0"/>
-              <a:t>NFS</a:t>
-            </a:r>
-            <a:endParaRPr lang="en-US" dirty="0"/>
-          </a:p>
-        </p:txBody>
-      </p:sp>
-      <p:sp>
-        <p:nvSpPr>
-          <p:cNvPr id="23" name="Rectangle 22"/>
-          <p:cNvSpPr/>
-          <p:nvPr/>
-        </p:nvSpPr>
-        <p:spPr>
-          <a:xfrm>
-            <a:off x="3698214" y="3815864"/>
-            <a:ext cx="1149532" cy="1352204"/>
-          </a:xfrm>
-          <a:prstGeom prst="rect">
-            <a:avLst/>
-          </a:prstGeom>
-          <a:solidFill>
-            <a:schemeClr val="accent2"/>
-          </a:solidFill>
-        </p:spPr>
-        <p:style>
-          <a:lnRef idx="2">
-            <a:schemeClr val="accent1">
-              <a:shade val="50000"/>
-            </a:schemeClr>
-          </a:lnRef>
-          <a:fillRef idx="1">
-            <a:schemeClr val="accent1"/>
-          </a:fillRef>
-          <a:effectRef idx="0">
-            <a:schemeClr val="accent1"/>
-          </a:effectRef>
-          <a:fontRef idx="minor">
-            <a:schemeClr val="lt1"/>
-          </a:fontRef>
-        </p:style>
-        <p:txBody>
-          <a:bodyPr rtlCol="0" anchor="ctr"/>
-          <a:lstStyle/>
-          <a:p>
-            <a:pPr algn="ctr"/>
-            <a:r>
-              <a:rPr lang="en-US" dirty="0" smtClean="0"/>
-              <a:t>Ingress</a:t>
-            </a:r>
-            <a:endParaRPr lang="en-US" dirty="0"/>
-          </a:p>
-        </p:txBody>
-      </p:sp>
-      <p:sp>
-        <p:nvSpPr>
-          <p:cNvPr id="17" name="Rectangle 16"/>
-          <p:cNvSpPr/>
-          <p:nvPr/>
-        </p:nvSpPr>
-        <p:spPr>
-          <a:xfrm>
-            <a:off x="7059299" y="5893641"/>
-            <a:ext cx="4599977" cy="523220"/>
-          </a:xfrm>
-          <a:prstGeom prst="rect">
-            <a:avLst/>
-          </a:prstGeom>
-        </p:spPr>
-        <p:txBody>
-          <a:bodyPr wrap="none">
-            <a:spAutoFit/>
-          </a:bodyPr>
-          <a:lstStyle/>
-          <a:p>
-            <a:r>
-              <a:rPr lang="en-US" sz="2800" dirty="0" smtClean="0"/>
-              <a:t>https://</a:t>
-            </a:r>
-            <a:r>
-              <a:rPr lang="en-US" sz="2800" dirty="0" err="1" smtClean="0"/>
-              <a:t>github.com</a:t>
-            </a:r>
-            <a:r>
-              <a:rPr lang="en-US" sz="2800" dirty="0" smtClean="0"/>
-              <a:t>/</a:t>
-            </a:r>
-            <a:r>
-              <a:rPr lang="en-US" sz="2800" dirty="0" err="1" smtClean="0"/>
-              <a:t>tsugicloud</a:t>
-            </a:r>
-            <a:endParaRPr lang="en-US" sz="2800" dirty="0"/>
-          </a:p>
-        </p:txBody>
-      </p:sp>
-    </p:spTree>
-    <p:extLst>
-      <p:ext uri="{BB962C8B-B14F-4D97-AF65-F5344CB8AC3E}">
-        <p14:creationId xmlns:p14="http://schemas.microsoft.com/office/powerpoint/2010/main" val="131047265"/>
-      </p:ext>
-    </p:extLst>
-  </p:cSld>
-  <p:clrMapOvr>
-    <a:masterClrMapping/>
-  </p:clrMapOvr>
-  <p:timing>
-    <p:tnLst>
-      <p:par>
-        <p:cTn id="1" dur="indefinite" restart="never" nodeType="tmRoot"/>
-      </p:par>
-    </p:tnLst>
-  </p:timing>
-</p:sld>
-</file>
-
-<file path=ppt/slides/slide18.xml><?xml version="1.0" encoding="utf-8"?>
 <p:sld xmlns:a="http://schemas.openxmlformats.org/drawingml/2006/main" xmlns:r="http://schemas.openxmlformats.org/officeDocument/2006/relationships" xmlns:p="http://schemas.openxmlformats.org/presentationml/2006/main">
   <p:cSld>
     <p:spTree>
@@ -5330,24 +4470,410 @@
         </p:blipFill>
         <p:spPr>
           <a:xfrm>
-            <a:off x="541867" y="0"/>
-            <a:ext cx="10266948" cy="6858000"/>
+            <a:off x="0" y="101600"/>
+            <a:ext cx="12192000" cy="6639208"/>
           </a:xfrm>
           <a:prstGeom prst="rect">
             <a:avLst/>
           </a:prstGeom>
         </p:spPr>
       </p:pic>
-      <p:sp>
-        <p:nvSpPr>
-          <p:cNvPr id="5" name="TextBox 4"/>
+    </p:spTree>
+    <p:extLst>
+      <p:ext uri="{BB962C8B-B14F-4D97-AF65-F5344CB8AC3E}">
+        <p14:creationId xmlns:p14="http://schemas.microsoft.com/office/powerpoint/2010/main" val="1539928668"/>
+      </p:ext>
+    </p:extLst>
+  </p:cSld>
+  <p:clrMapOvr>
+    <a:masterClrMapping/>
+  </p:clrMapOvr>
+</p:sld>
+</file>
+
+<file path=ppt/slides/slide18.xml><?xml version="1.0" encoding="utf-8"?>
+<p:sld xmlns:a="http://schemas.openxmlformats.org/drawingml/2006/main" xmlns:r="http://schemas.openxmlformats.org/officeDocument/2006/relationships" xmlns:p="http://schemas.openxmlformats.org/presentationml/2006/main">
+  <p:cSld>
+    <p:spTree>
+      <p:nvGrpSpPr>
+        <p:cNvPr id="1" name=""/>
+        <p:cNvGrpSpPr/>
+        <p:nvPr/>
+      </p:nvGrpSpPr>
+      <p:grpSpPr>
+        <a:xfrm>
+          <a:off x="0" y="0"/>
+          <a:ext cx="0" cy="0"/>
+          <a:chOff x="0" y="0"/>
+          <a:chExt cx="0" cy="0"/>
+        </a:xfrm>
+      </p:grpSpPr>
+      <p:sp>
+        <p:nvSpPr>
+          <p:cNvPr id="4" name="Rectangle 3"/>
+          <p:cNvSpPr/>
+          <p:nvPr/>
+        </p:nvSpPr>
+        <p:spPr>
+          <a:xfrm>
+            <a:off x="1917368" y="512462"/>
+            <a:ext cx="496389" cy="5018908"/>
+          </a:xfrm>
+          <a:prstGeom prst="rect">
+            <a:avLst/>
+          </a:prstGeom>
+        </p:spPr>
+        <p:style>
+          <a:lnRef idx="2">
+            <a:schemeClr val="accent1">
+              <a:shade val="50000"/>
+            </a:schemeClr>
+          </a:lnRef>
+          <a:fillRef idx="1">
+            <a:schemeClr val="accent1"/>
+          </a:fillRef>
+          <a:effectRef idx="0">
+            <a:schemeClr val="accent1"/>
+          </a:effectRef>
+          <a:fontRef idx="minor">
+            <a:schemeClr val="lt1"/>
+          </a:fontRef>
+        </p:style>
+        <p:txBody>
+          <a:bodyPr rtlCol="0" anchor="ctr"/>
+          <a:lstStyle/>
+          <a:p>
+            <a:pPr algn="ctr"/>
+            <a:r>
+              <a:rPr lang="en-US" dirty="0" smtClean="0"/>
+              <a:t>C</a:t>
+            </a:r>
+          </a:p>
+          <a:p>
+            <a:pPr algn="ctr"/>
+            <a:r>
+              <a:rPr lang="en-US" dirty="0" smtClean="0"/>
+              <a:t>l</a:t>
+            </a:r>
+          </a:p>
+          <a:p>
+            <a:pPr algn="ctr"/>
+            <a:r>
+              <a:rPr lang="en-US" dirty="0" smtClean="0"/>
+              <a:t>o</a:t>
+            </a:r>
+          </a:p>
+          <a:p>
+            <a:pPr algn="ctr"/>
+            <a:r>
+              <a:rPr lang="en-US" dirty="0" smtClean="0"/>
+              <a:t>u</a:t>
+            </a:r>
+          </a:p>
+          <a:p>
+            <a:pPr algn="ctr"/>
+            <a:r>
+              <a:rPr lang="en-US" dirty="0" smtClean="0"/>
+              <a:t>d</a:t>
+            </a:r>
+          </a:p>
+          <a:p>
+            <a:pPr algn="ctr"/>
+            <a:r>
+              <a:rPr lang="en-US" dirty="0" smtClean="0"/>
+              <a:t>f</a:t>
+            </a:r>
+          </a:p>
+          <a:p>
+            <a:pPr algn="ctr"/>
+            <a:r>
+              <a:rPr lang="en-US" dirty="0" smtClean="0"/>
+              <a:t>l</a:t>
+            </a:r>
+          </a:p>
+          <a:p>
+            <a:pPr algn="ctr"/>
+            <a:r>
+              <a:rPr lang="en-US" dirty="0" smtClean="0"/>
+              <a:t>a</a:t>
+            </a:r>
+          </a:p>
+          <a:p>
+            <a:pPr algn="ctr"/>
+            <a:r>
+              <a:rPr lang="en-US" dirty="0" smtClean="0"/>
+              <a:t>r</a:t>
+            </a:r>
+          </a:p>
+          <a:p>
+            <a:pPr algn="ctr"/>
+            <a:r>
+              <a:rPr lang="en-US" dirty="0"/>
+              <a:t>e</a:t>
+            </a:r>
+            <a:endParaRPr lang="en-US" dirty="0" smtClean="0"/>
+          </a:p>
+        </p:txBody>
+      </p:sp>
+      <p:sp>
+        <p:nvSpPr>
+          <p:cNvPr id="5" name="Rectangle 4"/>
+          <p:cNvSpPr/>
+          <p:nvPr/>
+        </p:nvSpPr>
+        <p:spPr>
+          <a:xfrm>
+            <a:off x="2766311" y="512462"/>
+            <a:ext cx="7262949" cy="2335204"/>
+          </a:xfrm>
+          <a:prstGeom prst="rect">
+            <a:avLst/>
+          </a:prstGeom>
+        </p:spPr>
+        <p:style>
+          <a:lnRef idx="2">
+            <a:schemeClr val="accent1">
+              <a:shade val="50000"/>
+            </a:schemeClr>
+          </a:lnRef>
+          <a:fillRef idx="1">
+            <a:schemeClr val="accent1"/>
+          </a:fillRef>
+          <a:effectRef idx="0">
+            <a:schemeClr val="accent1"/>
+          </a:effectRef>
+          <a:fontRef idx="minor">
+            <a:schemeClr val="lt1"/>
+          </a:fontRef>
+        </p:style>
+        <p:txBody>
+          <a:bodyPr rtlCol="0" anchor="t"/>
+          <a:lstStyle/>
+          <a:p>
+            <a:r>
+              <a:rPr lang="en-US" dirty="0" smtClean="0"/>
+              <a:t>Amazon – </a:t>
+            </a:r>
+            <a:r>
+              <a:rPr lang="en-US" dirty="0" err="1" smtClean="0"/>
+              <a:t>www.tsugicloud.org</a:t>
+            </a:r>
+            <a:endParaRPr lang="en-US" dirty="0"/>
+          </a:p>
+        </p:txBody>
+      </p:sp>
+      <p:sp>
+        <p:nvSpPr>
+          <p:cNvPr id="6" name="Rectangle 5"/>
+          <p:cNvSpPr/>
+          <p:nvPr/>
+        </p:nvSpPr>
+        <p:spPr>
+          <a:xfrm>
+            <a:off x="4073993" y="996216"/>
+            <a:ext cx="1239576" cy="1619796"/>
+          </a:xfrm>
+          <a:prstGeom prst="rect">
+            <a:avLst/>
+          </a:prstGeom>
+          <a:solidFill>
+            <a:schemeClr val="accent2"/>
+          </a:solidFill>
+        </p:spPr>
+        <p:style>
+          <a:lnRef idx="2">
+            <a:schemeClr val="accent1">
+              <a:shade val="50000"/>
+            </a:schemeClr>
+          </a:lnRef>
+          <a:fillRef idx="1">
+            <a:schemeClr val="accent1"/>
+          </a:fillRef>
+          <a:effectRef idx="0">
+            <a:schemeClr val="accent1"/>
+          </a:effectRef>
+          <a:fontRef idx="minor">
+            <a:schemeClr val="lt1"/>
+          </a:fontRef>
+        </p:style>
+        <p:txBody>
+          <a:bodyPr rtlCol="0" anchor="ctr"/>
+          <a:lstStyle/>
+          <a:p>
+            <a:pPr algn="ctr"/>
+            <a:r>
+              <a:rPr lang="en-US" smtClean="0"/>
+              <a:t>Application</a:t>
+            </a:r>
+          </a:p>
+          <a:p>
+            <a:pPr algn="ctr"/>
+            <a:r>
+              <a:rPr lang="en-US" dirty="0" smtClean="0"/>
+              <a:t>Load</a:t>
+            </a:r>
+          </a:p>
+          <a:p>
+            <a:pPr algn="ctr"/>
+            <a:r>
+              <a:rPr lang="en-US" dirty="0" smtClean="0"/>
+              <a:t>Balancer</a:t>
+            </a:r>
+            <a:endParaRPr lang="en-US" dirty="0"/>
+          </a:p>
+        </p:txBody>
+      </p:sp>
+      <p:sp>
+        <p:nvSpPr>
+          <p:cNvPr id="7" name="Rectangle 6"/>
+          <p:cNvSpPr/>
+          <p:nvPr/>
+        </p:nvSpPr>
+        <p:spPr>
+          <a:xfrm>
+            <a:off x="5844791" y="1081124"/>
+            <a:ext cx="1149532" cy="424544"/>
+          </a:xfrm>
+          <a:prstGeom prst="rect">
+            <a:avLst/>
+          </a:prstGeom>
+          <a:solidFill>
+            <a:schemeClr val="accent2"/>
+          </a:solidFill>
+        </p:spPr>
+        <p:style>
+          <a:lnRef idx="2">
+            <a:schemeClr val="accent1">
+              <a:shade val="50000"/>
+            </a:schemeClr>
+          </a:lnRef>
+          <a:fillRef idx="1">
+            <a:schemeClr val="accent1"/>
+          </a:fillRef>
+          <a:effectRef idx="0">
+            <a:schemeClr val="accent1"/>
+          </a:effectRef>
+          <a:fontRef idx="minor">
+            <a:schemeClr val="lt1"/>
+          </a:fontRef>
+        </p:style>
+        <p:txBody>
+          <a:bodyPr rtlCol="0" anchor="ctr"/>
+          <a:lstStyle/>
+          <a:p>
+            <a:pPr algn="ctr"/>
+            <a:r>
+              <a:rPr lang="en-US" smtClean="0"/>
+              <a:t>EC2</a:t>
+            </a:r>
+            <a:endParaRPr lang="en-US" dirty="0"/>
+          </a:p>
+        </p:txBody>
+      </p:sp>
+      <p:sp>
+        <p:nvSpPr>
+          <p:cNvPr id="8" name="Rectangle 7"/>
+          <p:cNvSpPr/>
+          <p:nvPr/>
+        </p:nvSpPr>
+        <p:spPr>
+          <a:xfrm>
+            <a:off x="5844791" y="1590574"/>
+            <a:ext cx="1149532" cy="424544"/>
+          </a:xfrm>
+          <a:prstGeom prst="rect">
+            <a:avLst/>
+          </a:prstGeom>
+          <a:solidFill>
+            <a:schemeClr val="accent2"/>
+          </a:solidFill>
+        </p:spPr>
+        <p:style>
+          <a:lnRef idx="2">
+            <a:schemeClr val="accent1">
+              <a:shade val="50000"/>
+            </a:schemeClr>
+          </a:lnRef>
+          <a:fillRef idx="1">
+            <a:schemeClr val="accent1"/>
+          </a:fillRef>
+          <a:effectRef idx="0">
+            <a:schemeClr val="accent1"/>
+          </a:effectRef>
+          <a:fontRef idx="minor">
+            <a:schemeClr val="lt1"/>
+          </a:fontRef>
+        </p:style>
+        <p:txBody>
+          <a:bodyPr rtlCol="0" anchor="ctr"/>
+          <a:lstStyle/>
+          <a:p>
+            <a:pPr algn="ctr"/>
+            <a:r>
+              <a:rPr lang="en-US" smtClean="0"/>
+              <a:t>EC2</a:t>
+            </a:r>
+            <a:endParaRPr lang="en-US" dirty="0"/>
+          </a:p>
+        </p:txBody>
+      </p:sp>
+      <p:sp>
+        <p:nvSpPr>
+          <p:cNvPr id="9" name="Rectangle 8"/>
+          <p:cNvSpPr/>
+          <p:nvPr/>
+        </p:nvSpPr>
+        <p:spPr>
+          <a:xfrm>
+            <a:off x="5831614" y="2211366"/>
+            <a:ext cx="1149532" cy="424544"/>
+          </a:xfrm>
+          <a:prstGeom prst="rect">
+            <a:avLst/>
+          </a:prstGeom>
+          <a:solidFill>
+            <a:schemeClr val="accent2"/>
+          </a:solidFill>
+        </p:spPr>
+        <p:style>
+          <a:lnRef idx="2">
+            <a:schemeClr val="accent1">
+              <a:shade val="50000"/>
+            </a:schemeClr>
+          </a:lnRef>
+          <a:fillRef idx="1">
+            <a:schemeClr val="accent1"/>
+          </a:fillRef>
+          <a:effectRef idx="0">
+            <a:schemeClr val="accent1"/>
+          </a:effectRef>
+          <a:fontRef idx="minor">
+            <a:schemeClr val="lt1"/>
+          </a:fontRef>
+        </p:style>
+        <p:txBody>
+          <a:bodyPr rtlCol="0" anchor="ctr"/>
+          <a:lstStyle/>
+          <a:p>
+            <a:pPr algn="ctr"/>
+            <a:r>
+              <a:rPr lang="en-US" smtClean="0"/>
+              <a:t>EC2</a:t>
+            </a:r>
+            <a:endParaRPr lang="en-US" dirty="0"/>
+          </a:p>
+        </p:txBody>
+      </p:sp>
+      <p:sp>
+        <p:nvSpPr>
+          <p:cNvPr id="10" name="TextBox 9"/>
           <p:cNvSpPr txBox="1"/>
           <p:nvPr/>
         </p:nvSpPr>
         <p:spPr>
           <a:xfrm>
-            <a:off x="972898" y="6145261"/>
-            <a:ext cx="2620141" cy="461665"/>
+            <a:off x="6254095" y="1910613"/>
+            <a:ext cx="343364" cy="369332"/>
           </a:xfrm>
           <a:prstGeom prst="rect">
             <a:avLst/>
@@ -5361,50 +4887,822 @@
           <a:lstStyle/>
           <a:p>
             <a:r>
-              <a:rPr lang="en-US" sz="2400" dirty="0">
+              <a:rPr lang="is-IS" smtClean="0">
                 <a:solidFill>
                   <a:schemeClr val="bg1"/>
                 </a:solidFill>
               </a:rPr>
-              <a:t>Source: Ian Dolphin</a:t>
-            </a:r>
-          </a:p>
-        </p:txBody>
-      </p:sp>
-      <p:pic>
-        <p:nvPicPr>
-          <p:cNvPr id="6" name="Picture 5"/>
-          <p:cNvPicPr>
-            <a:picLocks noChangeAspect="1"/>
-          </p:cNvPicPr>
+              <a:t>…</a:t>
+            </a:r>
+            <a:endParaRPr lang="en-US" dirty="0">
+              <a:solidFill>
+                <a:schemeClr val="bg1"/>
+              </a:solidFill>
+            </a:endParaRPr>
+          </a:p>
+        </p:txBody>
+      </p:sp>
+      <p:sp>
+        <p:nvSpPr>
+          <p:cNvPr id="11" name="Rectangle 10"/>
+          <p:cNvSpPr/>
           <p:nvPr/>
-        </p:nvPicPr>
-        <p:blipFill>
-          <a:blip r:embed="rId3">
-            <a:extLst>
-              <a:ext uri="{28A0092B-C50C-407E-A947-70E740481C1C}">
-                <a14:useLocalDpi xmlns:a14="http://schemas.microsoft.com/office/drawing/2010/main" val="0"/>
-              </a:ext>
-            </a:extLst>
-          </a:blip>
-          <a:stretch>
-            <a:fillRect/>
-          </a:stretch>
-        </p:blipFill>
-        <p:spPr>
-          <a:xfrm>
-            <a:off x="6331082" y="248574"/>
-            <a:ext cx="3021263" cy="895669"/>
+        </p:nvSpPr>
+        <p:spPr>
+          <a:xfrm>
+            <a:off x="8323152" y="2145191"/>
+            <a:ext cx="1282339" cy="478859"/>
           </a:xfrm>
           <a:prstGeom prst="rect">
             <a:avLst/>
           </a:prstGeom>
-        </p:spPr>
-      </p:pic>
+          <a:solidFill>
+            <a:schemeClr val="accent2"/>
+          </a:solidFill>
+        </p:spPr>
+        <p:style>
+          <a:lnRef idx="2">
+            <a:schemeClr val="accent1">
+              <a:shade val="50000"/>
+            </a:schemeClr>
+          </a:lnRef>
+          <a:fillRef idx="1">
+            <a:schemeClr val="accent1"/>
+          </a:fillRef>
+          <a:effectRef idx="0">
+            <a:schemeClr val="accent1"/>
+          </a:effectRef>
+          <a:fontRef idx="minor">
+            <a:schemeClr val="lt1"/>
+          </a:fontRef>
+        </p:style>
+        <p:txBody>
+          <a:bodyPr rtlCol="0" anchor="ctr"/>
+          <a:lstStyle/>
+          <a:p>
+            <a:pPr algn="ctr"/>
+            <a:r>
+              <a:rPr lang="en-US" dirty="0" err="1" smtClean="0"/>
+              <a:t>DynamoDB</a:t>
+            </a:r>
+            <a:endParaRPr lang="en-US" dirty="0"/>
+          </a:p>
+        </p:txBody>
+      </p:sp>
+      <p:sp>
+        <p:nvSpPr>
+          <p:cNvPr id="12" name="Rectangle 11"/>
+          <p:cNvSpPr/>
+          <p:nvPr/>
+        </p:nvSpPr>
+        <p:spPr>
+          <a:xfrm>
+            <a:off x="8323152" y="1063486"/>
+            <a:ext cx="1282339" cy="478859"/>
+          </a:xfrm>
+          <a:prstGeom prst="rect">
+            <a:avLst/>
+          </a:prstGeom>
+          <a:solidFill>
+            <a:schemeClr val="accent2"/>
+          </a:solidFill>
+        </p:spPr>
+        <p:style>
+          <a:lnRef idx="2">
+            <a:schemeClr val="accent1">
+              <a:shade val="50000"/>
+            </a:schemeClr>
+          </a:lnRef>
+          <a:fillRef idx="1">
+            <a:schemeClr val="accent1"/>
+          </a:fillRef>
+          <a:effectRef idx="0">
+            <a:schemeClr val="accent1"/>
+          </a:effectRef>
+          <a:fontRef idx="minor">
+            <a:schemeClr val="lt1"/>
+          </a:fontRef>
+        </p:style>
+        <p:txBody>
+          <a:bodyPr rtlCol="0" anchor="ctr"/>
+          <a:lstStyle/>
+          <a:p>
+            <a:pPr algn="ctr"/>
+            <a:r>
+              <a:rPr lang="en-US" smtClean="0"/>
+              <a:t>Aurora</a:t>
+            </a:r>
+            <a:endParaRPr lang="en-US" dirty="0"/>
+          </a:p>
+        </p:txBody>
+      </p:sp>
+      <p:sp>
+        <p:nvSpPr>
+          <p:cNvPr id="13" name="Rectangle 12"/>
+          <p:cNvSpPr/>
+          <p:nvPr/>
+        </p:nvSpPr>
+        <p:spPr>
+          <a:xfrm>
+            <a:off x="8323152" y="1604338"/>
+            <a:ext cx="1282339" cy="478859"/>
+          </a:xfrm>
+          <a:prstGeom prst="rect">
+            <a:avLst/>
+          </a:prstGeom>
+          <a:solidFill>
+            <a:schemeClr val="accent2"/>
+          </a:solidFill>
+        </p:spPr>
+        <p:style>
+          <a:lnRef idx="2">
+            <a:schemeClr val="accent1">
+              <a:shade val="50000"/>
+            </a:schemeClr>
+          </a:lnRef>
+          <a:fillRef idx="1">
+            <a:schemeClr val="accent1"/>
+          </a:fillRef>
+          <a:effectRef idx="0">
+            <a:schemeClr val="accent1"/>
+          </a:effectRef>
+          <a:fontRef idx="minor">
+            <a:schemeClr val="lt1"/>
+          </a:fontRef>
+        </p:style>
+        <p:txBody>
+          <a:bodyPr rtlCol="0" anchor="ctr"/>
+          <a:lstStyle/>
+          <a:p>
+            <a:pPr algn="ctr"/>
+            <a:r>
+              <a:rPr lang="en-US" dirty="0" smtClean="0"/>
+              <a:t>EFS</a:t>
+            </a:r>
+            <a:endParaRPr lang="en-US" dirty="0"/>
+          </a:p>
+        </p:txBody>
+      </p:sp>
+      <p:sp>
+        <p:nvSpPr>
+          <p:cNvPr id="14" name="Rectangle 13"/>
+          <p:cNvSpPr/>
+          <p:nvPr/>
+        </p:nvSpPr>
+        <p:spPr>
+          <a:xfrm>
+            <a:off x="2766311" y="3039622"/>
+            <a:ext cx="7262949" cy="2491748"/>
+          </a:xfrm>
+          <a:prstGeom prst="rect">
+            <a:avLst/>
+          </a:prstGeom>
+        </p:spPr>
+        <p:style>
+          <a:lnRef idx="2">
+            <a:schemeClr val="accent1">
+              <a:shade val="50000"/>
+            </a:schemeClr>
+          </a:lnRef>
+          <a:fillRef idx="1">
+            <a:schemeClr val="accent1"/>
+          </a:fillRef>
+          <a:effectRef idx="0">
+            <a:schemeClr val="accent1"/>
+          </a:effectRef>
+          <a:fontRef idx="minor">
+            <a:schemeClr val="lt1"/>
+          </a:fontRef>
+        </p:style>
+        <p:txBody>
+          <a:bodyPr rtlCol="0" anchor="t"/>
+          <a:lstStyle/>
+          <a:p>
+            <a:r>
+              <a:rPr lang="en-US" dirty="0" smtClean="0"/>
+              <a:t>Google – </a:t>
+            </a:r>
+            <a:r>
+              <a:rPr lang="en-US" dirty="0" err="1" smtClean="0"/>
+              <a:t>dev.tsugicloud.org</a:t>
+            </a:r>
+            <a:endParaRPr lang="en-US" dirty="0"/>
+          </a:p>
+        </p:txBody>
+      </p:sp>
+      <p:sp>
+        <p:nvSpPr>
+          <p:cNvPr id="24" name="Left-Right Arrow 23"/>
+          <p:cNvSpPr/>
+          <p:nvPr/>
+        </p:nvSpPr>
+        <p:spPr>
+          <a:xfrm>
+            <a:off x="7294770" y="1664169"/>
+            <a:ext cx="640079" cy="460767"/>
+          </a:xfrm>
+          <a:prstGeom prst="leftRightArrow">
+            <a:avLst>
+              <a:gd name="adj1" fmla="val 42472"/>
+              <a:gd name="adj2" fmla="val 50000"/>
+            </a:avLst>
+          </a:prstGeom>
+          <a:solidFill>
+            <a:srgbClr val="FFFF00"/>
+          </a:solidFill>
+        </p:spPr>
+        <p:style>
+          <a:lnRef idx="2">
+            <a:schemeClr val="accent1">
+              <a:shade val="50000"/>
+            </a:schemeClr>
+          </a:lnRef>
+          <a:fillRef idx="1">
+            <a:schemeClr val="accent1"/>
+          </a:fillRef>
+          <a:effectRef idx="0">
+            <a:schemeClr val="accent1"/>
+          </a:effectRef>
+          <a:fontRef idx="minor">
+            <a:schemeClr val="lt1"/>
+          </a:fontRef>
+        </p:style>
+        <p:txBody>
+          <a:bodyPr rtlCol="0" anchor="ctr"/>
+          <a:lstStyle/>
+          <a:p>
+            <a:pPr algn="ctr"/>
+            <a:endParaRPr lang="en-US"/>
+          </a:p>
+        </p:txBody>
+      </p:sp>
+      <p:sp>
+        <p:nvSpPr>
+          <p:cNvPr id="25" name="Rectangle 24"/>
+          <p:cNvSpPr/>
+          <p:nvPr/>
+        </p:nvSpPr>
+        <p:spPr>
+          <a:xfrm>
+            <a:off x="3171290" y="989683"/>
+            <a:ext cx="410784" cy="1626329"/>
+          </a:xfrm>
+          <a:prstGeom prst="rect">
+            <a:avLst/>
+          </a:prstGeom>
+          <a:solidFill>
+            <a:schemeClr val="accent2"/>
+          </a:solidFill>
+        </p:spPr>
+        <p:style>
+          <a:lnRef idx="2">
+            <a:schemeClr val="accent1">
+              <a:shade val="50000"/>
+            </a:schemeClr>
+          </a:lnRef>
+          <a:fillRef idx="1">
+            <a:schemeClr val="accent1"/>
+          </a:fillRef>
+          <a:effectRef idx="0">
+            <a:schemeClr val="accent1"/>
+          </a:effectRef>
+          <a:fontRef idx="minor">
+            <a:schemeClr val="lt1"/>
+          </a:fontRef>
+        </p:style>
+        <p:txBody>
+          <a:bodyPr rtlCol="0" anchor="ctr"/>
+          <a:lstStyle/>
+          <a:p>
+            <a:pPr algn="ctr"/>
+            <a:r>
+              <a:rPr lang="en-US" sz="1200" dirty="0" smtClean="0"/>
+              <a:t>F</a:t>
+            </a:r>
+          </a:p>
+          <a:p>
+            <a:pPr algn="ctr"/>
+            <a:r>
+              <a:rPr lang="en-US" sz="1200" dirty="0" smtClean="0"/>
+              <a:t>I</a:t>
+            </a:r>
+          </a:p>
+          <a:p>
+            <a:pPr algn="ctr"/>
+            <a:r>
+              <a:rPr lang="en-US" sz="1200" dirty="0" smtClean="0"/>
+              <a:t>r</a:t>
+            </a:r>
+          </a:p>
+          <a:p>
+            <a:pPr algn="ctr"/>
+            <a:r>
+              <a:rPr lang="en-US" sz="1200" dirty="0" smtClean="0"/>
+              <a:t>e</a:t>
+            </a:r>
+          </a:p>
+          <a:p>
+            <a:pPr algn="ctr"/>
+            <a:r>
+              <a:rPr lang="en-US" sz="1200" dirty="0" smtClean="0"/>
+              <a:t>w</a:t>
+            </a:r>
+          </a:p>
+          <a:p>
+            <a:pPr algn="ctr"/>
+            <a:r>
+              <a:rPr lang="en-US" sz="1200" dirty="0" smtClean="0"/>
+              <a:t>a</a:t>
+            </a:r>
+          </a:p>
+          <a:p>
+            <a:pPr algn="ctr"/>
+            <a:r>
+              <a:rPr lang="en-US" sz="1200" dirty="0" smtClean="0"/>
+              <a:t>l</a:t>
+            </a:r>
+          </a:p>
+          <a:p>
+            <a:pPr algn="ctr"/>
+            <a:r>
+              <a:rPr lang="en-US" sz="1200" dirty="0"/>
+              <a:t>l</a:t>
+            </a:r>
+          </a:p>
+        </p:txBody>
+      </p:sp>
+      <p:sp>
+        <p:nvSpPr>
+          <p:cNvPr id="27" name="Rectangle 26"/>
+          <p:cNvSpPr/>
+          <p:nvPr/>
+        </p:nvSpPr>
+        <p:spPr>
+          <a:xfrm>
+            <a:off x="3458643" y="3502999"/>
+            <a:ext cx="4585064" cy="1756510"/>
+          </a:xfrm>
+          <a:prstGeom prst="rect">
+            <a:avLst/>
+          </a:prstGeom>
+          <a:solidFill>
+            <a:srgbClr val="7030A0"/>
+          </a:solidFill>
+        </p:spPr>
+        <p:style>
+          <a:lnRef idx="2">
+            <a:schemeClr val="accent1">
+              <a:shade val="50000"/>
+            </a:schemeClr>
+          </a:lnRef>
+          <a:fillRef idx="1">
+            <a:schemeClr val="accent1"/>
+          </a:fillRef>
+          <a:effectRef idx="0">
+            <a:schemeClr val="accent1"/>
+          </a:effectRef>
+          <a:fontRef idx="minor">
+            <a:schemeClr val="lt1"/>
+          </a:fontRef>
+        </p:style>
+        <p:txBody>
+          <a:bodyPr rtlCol="0" anchor="t"/>
+          <a:lstStyle/>
+          <a:p>
+            <a:r>
+              <a:rPr lang="en-US" dirty="0" smtClean="0"/>
+              <a:t>Kubernetes</a:t>
+            </a:r>
+            <a:endParaRPr lang="en-US" dirty="0"/>
+          </a:p>
+        </p:txBody>
+      </p:sp>
+      <p:sp>
+        <p:nvSpPr>
+          <p:cNvPr id="15" name="Rectangle 14"/>
+          <p:cNvSpPr/>
+          <p:nvPr/>
+        </p:nvSpPr>
+        <p:spPr>
+          <a:xfrm>
+            <a:off x="5132169" y="3815863"/>
+            <a:ext cx="1149532" cy="1352204"/>
+          </a:xfrm>
+          <a:prstGeom prst="rect">
+            <a:avLst/>
+          </a:prstGeom>
+          <a:solidFill>
+            <a:schemeClr val="accent2"/>
+          </a:solidFill>
+        </p:spPr>
+        <p:style>
+          <a:lnRef idx="2">
+            <a:schemeClr val="accent1">
+              <a:shade val="50000"/>
+            </a:schemeClr>
+          </a:lnRef>
+          <a:fillRef idx="1">
+            <a:schemeClr val="accent1"/>
+          </a:fillRef>
+          <a:effectRef idx="0">
+            <a:schemeClr val="accent1"/>
+          </a:effectRef>
+          <a:fontRef idx="minor">
+            <a:schemeClr val="lt1"/>
+          </a:fontRef>
+        </p:style>
+        <p:txBody>
+          <a:bodyPr rtlCol="0" anchor="ctr"/>
+          <a:lstStyle/>
+          <a:p>
+            <a:pPr algn="ctr"/>
+            <a:r>
+              <a:rPr lang="en-US" dirty="0" smtClean="0"/>
+              <a:t>Service</a:t>
+            </a:r>
+          </a:p>
+          <a:p>
+            <a:pPr algn="ctr"/>
+            <a:r>
+              <a:rPr lang="en-US" dirty="0" smtClean="0"/>
+              <a:t>Load</a:t>
+            </a:r>
+          </a:p>
+          <a:p>
+            <a:pPr algn="ctr"/>
+            <a:r>
+              <a:rPr lang="en-US" dirty="0" smtClean="0"/>
+              <a:t>Balancer</a:t>
+            </a:r>
+            <a:endParaRPr lang="en-US" dirty="0"/>
+          </a:p>
+        </p:txBody>
+      </p:sp>
+      <p:sp>
+        <p:nvSpPr>
+          <p:cNvPr id="16" name="Rectangle 15"/>
+          <p:cNvSpPr/>
+          <p:nvPr/>
+        </p:nvSpPr>
+        <p:spPr>
+          <a:xfrm>
+            <a:off x="6682263" y="3956708"/>
+            <a:ext cx="1149532" cy="424544"/>
+          </a:xfrm>
+          <a:prstGeom prst="rect">
+            <a:avLst/>
+          </a:prstGeom>
+          <a:solidFill>
+            <a:schemeClr val="accent2"/>
+          </a:solidFill>
+        </p:spPr>
+        <p:style>
+          <a:lnRef idx="2">
+            <a:schemeClr val="accent1">
+              <a:shade val="50000"/>
+            </a:schemeClr>
+          </a:lnRef>
+          <a:fillRef idx="1">
+            <a:schemeClr val="accent1"/>
+          </a:fillRef>
+          <a:effectRef idx="0">
+            <a:schemeClr val="accent1"/>
+          </a:effectRef>
+          <a:fontRef idx="minor">
+            <a:schemeClr val="lt1"/>
+          </a:fontRef>
+        </p:style>
+        <p:txBody>
+          <a:bodyPr rtlCol="0" anchor="ctr"/>
+          <a:lstStyle/>
+          <a:p>
+            <a:pPr algn="ctr"/>
+            <a:r>
+              <a:rPr lang="en-US" dirty="0" smtClean="0"/>
+              <a:t>Docker</a:t>
+            </a:r>
+            <a:endParaRPr lang="en-US" dirty="0"/>
+          </a:p>
+        </p:txBody>
+      </p:sp>
+      <p:sp>
+        <p:nvSpPr>
+          <p:cNvPr id="18" name="Rectangle 17"/>
+          <p:cNvSpPr/>
+          <p:nvPr/>
+        </p:nvSpPr>
+        <p:spPr>
+          <a:xfrm>
+            <a:off x="6711295" y="4743523"/>
+            <a:ext cx="1149532" cy="424544"/>
+          </a:xfrm>
+          <a:prstGeom prst="rect">
+            <a:avLst/>
+          </a:prstGeom>
+          <a:solidFill>
+            <a:srgbClr val="C00000"/>
+          </a:solidFill>
+        </p:spPr>
+        <p:style>
+          <a:lnRef idx="2">
+            <a:schemeClr val="accent1">
+              <a:shade val="50000"/>
+            </a:schemeClr>
+          </a:lnRef>
+          <a:fillRef idx="1">
+            <a:schemeClr val="accent1"/>
+          </a:fillRef>
+          <a:effectRef idx="0">
+            <a:schemeClr val="accent1"/>
+          </a:effectRef>
+          <a:fontRef idx="minor">
+            <a:schemeClr val="lt1"/>
+          </a:fontRef>
+        </p:style>
+        <p:txBody>
+          <a:bodyPr rtlCol="0" anchor="ctr"/>
+          <a:lstStyle/>
+          <a:p>
+            <a:pPr algn="ctr"/>
+            <a:r>
+              <a:rPr lang="en-US" dirty="0" smtClean="0"/>
+              <a:t>Docker</a:t>
+            </a:r>
+            <a:endParaRPr lang="en-US" dirty="0"/>
+          </a:p>
+        </p:txBody>
+      </p:sp>
+      <p:sp>
+        <p:nvSpPr>
+          <p:cNvPr id="19" name="TextBox 18"/>
+          <p:cNvSpPr txBox="1"/>
+          <p:nvPr/>
+        </p:nvSpPr>
+        <p:spPr>
+          <a:xfrm>
+            <a:off x="7120599" y="4361435"/>
+            <a:ext cx="343364" cy="369332"/>
+          </a:xfrm>
+          <a:prstGeom prst="rect">
+            <a:avLst/>
+          </a:prstGeom>
+          <a:noFill/>
+        </p:spPr>
+        <p:txBody>
+          <a:bodyPr wrap="none" rtlCol="0">
+            <a:spAutoFit/>
+          </a:bodyPr>
+          <a:lstStyle/>
+          <a:p>
+            <a:r>
+              <a:rPr lang="is-IS" dirty="0" smtClean="0">
+                <a:solidFill>
+                  <a:schemeClr val="bg1"/>
+                </a:solidFill>
+              </a:rPr>
+              <a:t>…</a:t>
+            </a:r>
+            <a:endParaRPr lang="en-US" dirty="0">
+              <a:solidFill>
+                <a:schemeClr val="bg1"/>
+              </a:solidFill>
+            </a:endParaRPr>
+          </a:p>
+        </p:txBody>
+      </p:sp>
+      <p:sp>
+        <p:nvSpPr>
+          <p:cNvPr id="20" name="Rectangle 19"/>
+          <p:cNvSpPr/>
+          <p:nvPr/>
+        </p:nvSpPr>
+        <p:spPr>
+          <a:xfrm>
+            <a:off x="8323152" y="4780649"/>
+            <a:ext cx="1282339" cy="478859"/>
+          </a:xfrm>
+          <a:prstGeom prst="rect">
+            <a:avLst/>
+          </a:prstGeom>
+          <a:solidFill>
+            <a:srgbClr val="C00000"/>
+          </a:solidFill>
+        </p:spPr>
+        <p:style>
+          <a:lnRef idx="2">
+            <a:schemeClr val="accent1">
+              <a:shade val="50000"/>
+            </a:schemeClr>
+          </a:lnRef>
+          <a:fillRef idx="1">
+            <a:schemeClr val="accent1"/>
+          </a:fillRef>
+          <a:effectRef idx="0">
+            <a:schemeClr val="accent1"/>
+          </a:effectRef>
+          <a:fontRef idx="minor">
+            <a:schemeClr val="lt1"/>
+          </a:fontRef>
+        </p:style>
+        <p:txBody>
+          <a:bodyPr rtlCol="0" anchor="ctr"/>
+          <a:lstStyle/>
+          <a:p>
+            <a:pPr algn="ctr"/>
+            <a:r>
+              <a:rPr lang="en-US" dirty="0" err="1" smtClean="0"/>
+              <a:t>DataStore</a:t>
+            </a:r>
+            <a:endParaRPr lang="en-US" dirty="0"/>
+          </a:p>
+        </p:txBody>
+      </p:sp>
+      <p:sp>
+        <p:nvSpPr>
+          <p:cNvPr id="21" name="Rectangle 20"/>
+          <p:cNvSpPr/>
+          <p:nvPr/>
+        </p:nvSpPr>
+        <p:spPr>
+          <a:xfrm>
+            <a:off x="8323152" y="3502999"/>
+            <a:ext cx="1282339" cy="478859"/>
+          </a:xfrm>
+          <a:prstGeom prst="rect">
+            <a:avLst/>
+          </a:prstGeom>
+          <a:solidFill>
+            <a:schemeClr val="accent2"/>
+          </a:solidFill>
+        </p:spPr>
+        <p:style>
+          <a:lnRef idx="2">
+            <a:schemeClr val="accent1">
+              <a:shade val="50000"/>
+            </a:schemeClr>
+          </a:lnRef>
+          <a:fillRef idx="1">
+            <a:schemeClr val="accent1"/>
+          </a:fillRef>
+          <a:effectRef idx="0">
+            <a:schemeClr val="accent1"/>
+          </a:effectRef>
+          <a:fontRef idx="minor">
+            <a:schemeClr val="lt1"/>
+          </a:fontRef>
+        </p:style>
+        <p:txBody>
+          <a:bodyPr rtlCol="0" anchor="ctr"/>
+          <a:lstStyle/>
+          <a:p>
+            <a:pPr algn="ctr"/>
+            <a:r>
+              <a:rPr lang="en-US" dirty="0" err="1" smtClean="0"/>
+              <a:t>CloudSQL</a:t>
+            </a:r>
+            <a:endParaRPr lang="en-US" dirty="0"/>
+          </a:p>
+        </p:txBody>
+      </p:sp>
+      <p:sp>
+        <p:nvSpPr>
+          <p:cNvPr id="22" name="Rectangle 21"/>
+          <p:cNvSpPr/>
+          <p:nvPr/>
+        </p:nvSpPr>
+        <p:spPr>
+          <a:xfrm>
+            <a:off x="8323152" y="4141824"/>
+            <a:ext cx="1282339" cy="478859"/>
+          </a:xfrm>
+          <a:prstGeom prst="rect">
+            <a:avLst/>
+          </a:prstGeom>
+          <a:solidFill>
+            <a:srgbClr val="C00000"/>
+          </a:solidFill>
+        </p:spPr>
+        <p:style>
+          <a:lnRef idx="2">
+            <a:schemeClr val="accent1">
+              <a:shade val="50000"/>
+            </a:schemeClr>
+          </a:lnRef>
+          <a:fillRef idx="1">
+            <a:schemeClr val="accent1"/>
+          </a:fillRef>
+          <a:effectRef idx="0">
+            <a:schemeClr val="accent1"/>
+          </a:effectRef>
+          <a:fontRef idx="minor">
+            <a:schemeClr val="lt1"/>
+          </a:fontRef>
+        </p:style>
+        <p:txBody>
+          <a:bodyPr rtlCol="0" anchor="ctr"/>
+          <a:lstStyle/>
+          <a:p>
+            <a:pPr algn="ctr"/>
+            <a:r>
+              <a:rPr lang="en-US" dirty="0" smtClean="0"/>
+              <a:t>NFS</a:t>
+            </a:r>
+            <a:endParaRPr lang="en-US" dirty="0"/>
+          </a:p>
+        </p:txBody>
+      </p:sp>
+      <p:sp>
+        <p:nvSpPr>
+          <p:cNvPr id="23" name="Rectangle 22"/>
+          <p:cNvSpPr/>
+          <p:nvPr/>
+        </p:nvSpPr>
+        <p:spPr>
+          <a:xfrm>
+            <a:off x="3698214" y="3815864"/>
+            <a:ext cx="1149532" cy="1352204"/>
+          </a:xfrm>
+          <a:prstGeom prst="rect">
+            <a:avLst/>
+          </a:prstGeom>
+          <a:solidFill>
+            <a:schemeClr val="accent2"/>
+          </a:solidFill>
+        </p:spPr>
+        <p:style>
+          <a:lnRef idx="2">
+            <a:schemeClr val="accent1">
+              <a:shade val="50000"/>
+            </a:schemeClr>
+          </a:lnRef>
+          <a:fillRef idx="1">
+            <a:schemeClr val="accent1"/>
+          </a:fillRef>
+          <a:effectRef idx="0">
+            <a:schemeClr val="accent1"/>
+          </a:effectRef>
+          <a:fontRef idx="minor">
+            <a:schemeClr val="lt1"/>
+          </a:fontRef>
+        </p:style>
+        <p:txBody>
+          <a:bodyPr rtlCol="0" anchor="ctr"/>
+          <a:lstStyle/>
+          <a:p>
+            <a:pPr algn="ctr"/>
+            <a:r>
+              <a:rPr lang="en-US" dirty="0" smtClean="0"/>
+              <a:t>Ingress</a:t>
+            </a:r>
+            <a:endParaRPr lang="en-US" dirty="0"/>
+          </a:p>
+        </p:txBody>
+      </p:sp>
+      <p:sp>
+        <p:nvSpPr>
+          <p:cNvPr id="17" name="Rectangle 16"/>
+          <p:cNvSpPr/>
+          <p:nvPr/>
+        </p:nvSpPr>
+        <p:spPr>
+          <a:xfrm>
+            <a:off x="7059299" y="5893641"/>
+            <a:ext cx="4599977" cy="523220"/>
+          </a:xfrm>
+          <a:prstGeom prst="rect">
+            <a:avLst/>
+          </a:prstGeom>
+        </p:spPr>
+        <p:txBody>
+          <a:bodyPr wrap="none">
+            <a:spAutoFit/>
+          </a:bodyPr>
+          <a:lstStyle/>
+          <a:p>
+            <a:r>
+              <a:rPr lang="en-US" sz="2800" dirty="0" smtClean="0"/>
+              <a:t>https://</a:t>
+            </a:r>
+            <a:r>
+              <a:rPr lang="en-US" sz="2800" dirty="0" err="1" smtClean="0"/>
+              <a:t>github.com</a:t>
+            </a:r>
+            <a:r>
+              <a:rPr lang="en-US" sz="2800" dirty="0" smtClean="0"/>
+              <a:t>/</a:t>
+            </a:r>
+            <a:r>
+              <a:rPr lang="en-US" sz="2800" dirty="0" err="1" smtClean="0"/>
+              <a:t>tsugicloud</a:t>
+            </a:r>
+            <a:endParaRPr lang="en-US" sz="2800" dirty="0"/>
+          </a:p>
+        </p:txBody>
+      </p:sp>
     </p:spTree>
     <p:extLst>
       <p:ext uri="{BB962C8B-B14F-4D97-AF65-F5344CB8AC3E}">
-        <p14:creationId xmlns:p14="http://schemas.microsoft.com/office/powerpoint/2010/main" val="692876231"/>
+        <p14:creationId xmlns:p14="http://schemas.microsoft.com/office/powerpoint/2010/main" val="131047265"/>
       </p:ext>
     </p:extLst>
   </p:cSld>
@@ -5438,40 +5736,134 @@
           <a:chExt cx="0" cy="0"/>
         </a:xfrm>
       </p:grpSpPr>
-      <p:pic>
-        <p:nvPicPr>
-          <p:cNvPr id="4" name="Picture 3"/>
-          <p:cNvPicPr>
-            <a:picLocks noChangeAspect="1"/>
-          </p:cNvPicPr>
-          <p:nvPr/>
-        </p:nvPicPr>
-        <p:blipFill>
-          <a:blip r:embed="rId2">
-            <a:extLst>
-              <a:ext uri="{28A0092B-C50C-407E-A947-70E740481C1C}">
-                <a14:useLocalDpi xmlns:a14="http://schemas.microsoft.com/office/drawing/2010/main" val="0"/>
-              </a:ext>
-            </a:extLst>
-          </a:blip>
-          <a:stretch>
-            <a:fillRect/>
-          </a:stretch>
-        </p:blipFill>
-        <p:spPr>
-          <a:xfrm>
-            <a:off x="-76724" y="-775"/>
-            <a:ext cx="12268724" cy="6553976"/>
-          </a:xfrm>
-          <a:prstGeom prst="rect">
-            <a:avLst/>
-          </a:prstGeom>
-        </p:spPr>
-      </p:pic>
+      <p:sp>
+        <p:nvSpPr>
+          <p:cNvPr id="2" name="Title 1"/>
+          <p:cNvSpPr>
+            <a:spLocks noGrp="1"/>
+          </p:cNvSpPr>
+          <p:nvPr>
+            <p:ph type="title"/>
+          </p:nvPr>
+        </p:nvSpPr>
+        <p:spPr/>
+        <p:txBody>
+          <a:bodyPr/>
+          <a:lstStyle/>
+          <a:p>
+            <a:r>
+              <a:rPr lang="en-US" dirty="0" smtClean="0"/>
+              <a:t>Summer Project: </a:t>
+            </a:r>
+            <a:r>
+              <a:rPr lang="en-US" dirty="0" err="1" smtClean="0"/>
+              <a:t>TBlocks</a:t>
+            </a:r>
+            <a:endParaRPr lang="en-US" dirty="0"/>
+          </a:p>
+        </p:txBody>
+      </p:sp>
+      <p:sp>
+        <p:nvSpPr>
+          <p:cNvPr id="3" name="Content Placeholder 2"/>
+          <p:cNvSpPr>
+            <a:spLocks noGrp="1"/>
+          </p:cNvSpPr>
+          <p:nvPr>
+            <p:ph idx="1"/>
+          </p:nvPr>
+        </p:nvSpPr>
+        <p:spPr/>
+        <p:txBody>
+          <a:bodyPr/>
+          <a:lstStyle/>
+          <a:p>
+            <a:r>
+              <a:rPr lang="en-US" dirty="0" err="1" smtClean="0"/>
+              <a:t>Tsugi</a:t>
+            </a:r>
+            <a:r>
+              <a:rPr lang="en-US" dirty="0" smtClean="0"/>
+              <a:t> PHP Tools in post-GDPR world</a:t>
+            </a:r>
+          </a:p>
+          <a:p>
+            <a:endParaRPr lang="en-US" dirty="0"/>
+          </a:p>
+          <a:p>
+            <a:r>
+              <a:rPr lang="en-US" dirty="0" err="1" smtClean="0"/>
+              <a:t>TBlock</a:t>
+            </a:r>
+            <a:r>
+              <a:rPr lang="en-US" dirty="0" smtClean="0"/>
+              <a:t> model</a:t>
+            </a:r>
+          </a:p>
+          <a:p>
+            <a:pPr lvl="1"/>
+            <a:r>
+              <a:rPr lang="en-US" dirty="0" smtClean="0"/>
+              <a:t>Each tool is a container</a:t>
+            </a:r>
+          </a:p>
+          <a:p>
+            <a:pPr lvl="1"/>
+            <a:r>
+              <a:rPr lang="en-US" dirty="0" smtClean="0"/>
+              <a:t>No direct access to the database</a:t>
+            </a:r>
+          </a:p>
+          <a:p>
+            <a:pPr lvl="1"/>
+            <a:r>
+              <a:rPr lang="en-US" dirty="0" smtClean="0"/>
+              <a:t>Interacts with Core </a:t>
+            </a:r>
+            <a:r>
+              <a:rPr lang="en-US" dirty="0" err="1" smtClean="0"/>
+              <a:t>Tsugi</a:t>
+            </a:r>
+            <a:r>
+              <a:rPr lang="en-US" dirty="0" smtClean="0"/>
+              <a:t> using a local API backed by a REST web service </a:t>
+            </a:r>
+          </a:p>
+          <a:p>
+            <a:pPr lvl="1"/>
+            <a:r>
+              <a:rPr lang="en-US" dirty="0" smtClean="0"/>
+              <a:t>Launch data – Course / User / Link / Result</a:t>
+            </a:r>
+          </a:p>
+          <a:p>
+            <a:pPr lvl="1"/>
+            <a:r>
+              <a:rPr lang="en-US" dirty="0" smtClean="0"/>
+              <a:t>Uses Link / Result scoped JSON</a:t>
+            </a:r>
+          </a:p>
+          <a:p>
+            <a:pPr lvl="1"/>
+            <a:r>
+              <a:rPr lang="en-US" dirty="0" smtClean="0"/>
+              <a:t>Accesses a Link scoped scoped key / value store </a:t>
+            </a:r>
+          </a:p>
+          <a:p>
+            <a:pPr lvl="1"/>
+            <a:r>
+              <a:rPr lang="en-US" dirty="0" smtClean="0"/>
+              <a:t>Can support more than PHP easily (i.e. Python / Django / Node)</a:t>
+            </a:r>
+            <a:endParaRPr lang="en-US" dirty="0"/>
+          </a:p>
+        </p:txBody>
+      </p:sp>
     </p:spTree>
     <p:extLst>
       <p:ext uri="{BB962C8B-B14F-4D97-AF65-F5344CB8AC3E}">
-        <p14:creationId xmlns:p14="http://schemas.microsoft.com/office/powerpoint/2010/main" val="179306388"/>
+        <p14:creationId xmlns:p14="http://schemas.microsoft.com/office/powerpoint/2010/main" val="500394171"/>
       </p:ext>
     </p:extLst>
   </p:cSld>
@@ -5586,6 +5978,894 @@
 </p:sld>
 </file>
 
+<file path=ppt/slides/slide20.xml><?xml version="1.0" encoding="utf-8"?>
+<p:sld xmlns:a="http://schemas.openxmlformats.org/drawingml/2006/main" xmlns:r="http://schemas.openxmlformats.org/officeDocument/2006/relationships" xmlns:p="http://schemas.openxmlformats.org/presentationml/2006/main">
+  <p:cSld>
+    <p:spTree>
+      <p:nvGrpSpPr>
+        <p:cNvPr id="1" name=""/>
+        <p:cNvGrpSpPr/>
+        <p:nvPr/>
+      </p:nvGrpSpPr>
+      <p:grpSpPr>
+        <a:xfrm>
+          <a:off x="0" y="0"/>
+          <a:ext cx="0" cy="0"/>
+          <a:chOff x="0" y="0"/>
+          <a:chExt cx="0" cy="0"/>
+        </a:xfrm>
+      </p:grpSpPr>
+      <p:sp>
+        <p:nvSpPr>
+          <p:cNvPr id="2" name="Rectangle 1"/>
+          <p:cNvSpPr/>
+          <p:nvPr/>
+        </p:nvSpPr>
+        <p:spPr>
+          <a:xfrm>
+            <a:off x="2953059" y="1948720"/>
+            <a:ext cx="3507698" cy="4062334"/>
+          </a:xfrm>
+          <a:prstGeom prst="rect">
+            <a:avLst/>
+          </a:prstGeom>
+        </p:spPr>
+        <p:style>
+          <a:lnRef idx="2">
+            <a:schemeClr val="accent1">
+              <a:shade val="50000"/>
+            </a:schemeClr>
+          </a:lnRef>
+          <a:fillRef idx="1">
+            <a:schemeClr val="accent1"/>
+          </a:fillRef>
+          <a:effectRef idx="0">
+            <a:schemeClr val="accent1"/>
+          </a:effectRef>
+          <a:fontRef idx="minor">
+            <a:schemeClr val="lt1"/>
+          </a:fontRef>
+        </p:style>
+        <p:txBody>
+          <a:bodyPr rtlCol="0" anchor="t"/>
+          <a:lstStyle/>
+          <a:p>
+            <a:r>
+              <a:rPr lang="en-US" sz="3600" dirty="0" err="1" smtClean="0"/>
+              <a:t>Tsugi</a:t>
+            </a:r>
+            <a:r>
+              <a:rPr lang="en-US" sz="3600" dirty="0" smtClean="0"/>
+              <a:t> PHP</a:t>
+            </a:r>
+            <a:endParaRPr lang="en-US" sz="3600" dirty="0"/>
+          </a:p>
+        </p:txBody>
+      </p:sp>
+      <p:sp>
+        <p:nvSpPr>
+          <p:cNvPr id="26" name="Rectangle 25"/>
+          <p:cNvSpPr/>
+          <p:nvPr/>
+        </p:nvSpPr>
+        <p:spPr>
+          <a:xfrm>
+            <a:off x="7737421" y="257330"/>
+            <a:ext cx="3507698" cy="3852472"/>
+          </a:xfrm>
+          <a:prstGeom prst="rect">
+            <a:avLst/>
+          </a:prstGeom>
+          <a:ln w="38100">
+            <a:solidFill>
+              <a:schemeClr val="bg1"/>
+            </a:solidFill>
+          </a:ln>
+        </p:spPr>
+        <p:style>
+          <a:lnRef idx="2">
+            <a:schemeClr val="accent1">
+              <a:shade val="50000"/>
+            </a:schemeClr>
+          </a:lnRef>
+          <a:fillRef idx="1">
+            <a:schemeClr val="accent1"/>
+          </a:fillRef>
+          <a:effectRef idx="0">
+            <a:schemeClr val="accent1"/>
+          </a:effectRef>
+          <a:fontRef idx="minor">
+            <a:schemeClr val="lt1"/>
+          </a:fontRef>
+        </p:style>
+        <p:txBody>
+          <a:bodyPr rtlCol="0" anchor="t"/>
+          <a:lstStyle/>
+          <a:p>
+            <a:r>
+              <a:rPr lang="en-US" sz="3600" dirty="0" smtClean="0"/>
+              <a:t>Docker</a:t>
+            </a:r>
+            <a:endParaRPr lang="en-US" sz="3600" dirty="0"/>
+          </a:p>
+        </p:txBody>
+      </p:sp>
+      <p:sp>
+        <p:nvSpPr>
+          <p:cNvPr id="28" name="Rectangle 27"/>
+          <p:cNvSpPr/>
+          <p:nvPr/>
+        </p:nvSpPr>
+        <p:spPr>
+          <a:xfrm>
+            <a:off x="3272848" y="4578244"/>
+            <a:ext cx="1583961" cy="669562"/>
+          </a:xfrm>
+          <a:prstGeom prst="rect">
+            <a:avLst/>
+          </a:prstGeom>
+          <a:ln w="38100">
+            <a:solidFill>
+              <a:schemeClr val="bg1"/>
+            </a:solidFill>
+          </a:ln>
+        </p:spPr>
+        <p:style>
+          <a:lnRef idx="2">
+            <a:schemeClr val="accent1">
+              <a:shade val="50000"/>
+            </a:schemeClr>
+          </a:lnRef>
+          <a:fillRef idx="1">
+            <a:schemeClr val="accent1"/>
+          </a:fillRef>
+          <a:effectRef idx="0">
+            <a:schemeClr val="accent1"/>
+          </a:effectRef>
+          <a:fontRef idx="minor">
+            <a:schemeClr val="lt1"/>
+          </a:fontRef>
+        </p:style>
+        <p:txBody>
+          <a:bodyPr rtlCol="0" anchor="t"/>
+          <a:lstStyle/>
+          <a:p>
+            <a:r>
+              <a:rPr lang="en-US" sz="3600" smtClean="0"/>
+              <a:t>Tool</a:t>
+            </a:r>
+            <a:endParaRPr lang="en-US" sz="3600" dirty="0"/>
+          </a:p>
+        </p:txBody>
+      </p:sp>
+      <p:sp>
+        <p:nvSpPr>
+          <p:cNvPr id="30" name="Rectangle 29"/>
+          <p:cNvSpPr/>
+          <p:nvPr/>
+        </p:nvSpPr>
+        <p:spPr>
+          <a:xfrm>
+            <a:off x="3425248" y="4730644"/>
+            <a:ext cx="1583961" cy="669562"/>
+          </a:xfrm>
+          <a:prstGeom prst="rect">
+            <a:avLst/>
+          </a:prstGeom>
+          <a:ln w="38100">
+            <a:solidFill>
+              <a:schemeClr val="bg1"/>
+            </a:solidFill>
+          </a:ln>
+        </p:spPr>
+        <p:style>
+          <a:lnRef idx="2">
+            <a:schemeClr val="accent1">
+              <a:shade val="50000"/>
+            </a:schemeClr>
+          </a:lnRef>
+          <a:fillRef idx="1">
+            <a:schemeClr val="accent1"/>
+          </a:fillRef>
+          <a:effectRef idx="0">
+            <a:schemeClr val="accent1"/>
+          </a:effectRef>
+          <a:fontRef idx="minor">
+            <a:schemeClr val="lt1"/>
+          </a:fontRef>
+        </p:style>
+        <p:txBody>
+          <a:bodyPr rtlCol="0" anchor="t"/>
+          <a:lstStyle/>
+          <a:p>
+            <a:r>
+              <a:rPr lang="en-US" sz="3600" smtClean="0"/>
+              <a:t>Tool</a:t>
+            </a:r>
+            <a:endParaRPr lang="en-US" sz="3600" dirty="0"/>
+          </a:p>
+        </p:txBody>
+      </p:sp>
+      <p:sp>
+        <p:nvSpPr>
+          <p:cNvPr id="3" name="Can 2"/>
+          <p:cNvSpPr/>
+          <p:nvPr/>
+        </p:nvSpPr>
+        <p:spPr>
+          <a:xfrm>
+            <a:off x="7944783" y="4730644"/>
+            <a:ext cx="1573968" cy="1455395"/>
+          </a:xfrm>
+          <a:prstGeom prst="can">
+            <a:avLst/>
+          </a:prstGeom>
+        </p:spPr>
+        <p:style>
+          <a:lnRef idx="2">
+            <a:schemeClr val="accent1">
+              <a:shade val="50000"/>
+            </a:schemeClr>
+          </a:lnRef>
+          <a:fillRef idx="1">
+            <a:schemeClr val="accent1"/>
+          </a:fillRef>
+          <a:effectRef idx="0">
+            <a:schemeClr val="accent1"/>
+          </a:effectRef>
+          <a:fontRef idx="minor">
+            <a:schemeClr val="lt1"/>
+          </a:fontRef>
+        </p:style>
+        <p:txBody>
+          <a:bodyPr rtlCol="0" anchor="ctr"/>
+          <a:lstStyle/>
+          <a:p>
+            <a:pPr algn="ctr"/>
+            <a:r>
+              <a:rPr lang="en-US" dirty="0" smtClean="0"/>
+              <a:t>Database</a:t>
+            </a:r>
+            <a:endParaRPr lang="en-US" dirty="0"/>
+          </a:p>
+        </p:txBody>
+      </p:sp>
+      <p:sp>
+        <p:nvSpPr>
+          <p:cNvPr id="31" name="Rectangle 30"/>
+          <p:cNvSpPr/>
+          <p:nvPr/>
+        </p:nvSpPr>
+        <p:spPr>
+          <a:xfrm>
+            <a:off x="5506380" y="3221322"/>
+            <a:ext cx="604602" cy="1776960"/>
+          </a:xfrm>
+          <a:prstGeom prst="rect">
+            <a:avLst/>
+          </a:prstGeom>
+          <a:ln w="38100">
+            <a:solidFill>
+              <a:schemeClr val="bg1"/>
+            </a:solidFill>
+          </a:ln>
+        </p:spPr>
+        <p:style>
+          <a:lnRef idx="2">
+            <a:schemeClr val="accent1">
+              <a:shade val="50000"/>
+            </a:schemeClr>
+          </a:lnRef>
+          <a:fillRef idx="1">
+            <a:schemeClr val="accent1"/>
+          </a:fillRef>
+          <a:effectRef idx="0">
+            <a:schemeClr val="accent1"/>
+          </a:effectRef>
+          <a:fontRef idx="minor">
+            <a:schemeClr val="lt1"/>
+          </a:fontRef>
+        </p:style>
+        <p:txBody>
+          <a:bodyPr rtlCol="0" anchor="t"/>
+          <a:lstStyle/>
+          <a:p>
+            <a:pPr algn="ctr"/>
+            <a:r>
+              <a:rPr lang="en-US" sz="3600" dirty="0" smtClean="0"/>
+              <a:t>A</a:t>
+            </a:r>
+          </a:p>
+          <a:p>
+            <a:pPr algn="ctr"/>
+            <a:r>
+              <a:rPr lang="en-US" sz="3600" dirty="0" smtClean="0"/>
+              <a:t>P</a:t>
+            </a:r>
+          </a:p>
+          <a:p>
+            <a:pPr algn="ctr"/>
+            <a:r>
+              <a:rPr lang="en-US" sz="3600" dirty="0" smtClean="0"/>
+              <a:t>I</a:t>
+            </a:r>
+            <a:endParaRPr lang="en-US" sz="3600" dirty="0"/>
+          </a:p>
+        </p:txBody>
+      </p:sp>
+      <p:cxnSp>
+        <p:nvCxnSpPr>
+          <p:cNvPr id="33" name="Straight Arrow Connector 32"/>
+          <p:cNvCxnSpPr>
+            <a:endCxn id="3" idx="2"/>
+          </p:cNvCxnSpPr>
+          <p:nvPr/>
+        </p:nvCxnSpPr>
+        <p:spPr>
+          <a:xfrm>
+            <a:off x="6460757" y="5458341"/>
+            <a:ext cx="1484026" cy="1"/>
+          </a:xfrm>
+          <a:prstGeom prst="straightConnector1">
+            <a:avLst/>
+          </a:prstGeom>
+          <a:ln w="57150">
+            <a:solidFill>
+              <a:srgbClr val="00B050"/>
+            </a:solidFill>
+            <a:headEnd type="arrow" w="med" len="med"/>
+            <a:tailEnd type="arrow" w="med" len="med"/>
+          </a:ln>
+        </p:spPr>
+        <p:style>
+          <a:lnRef idx="1">
+            <a:schemeClr val="accent1"/>
+          </a:lnRef>
+          <a:fillRef idx="0">
+            <a:schemeClr val="accent1"/>
+          </a:fillRef>
+          <a:effectRef idx="0">
+            <a:schemeClr val="accent1"/>
+          </a:effectRef>
+          <a:fontRef idx="minor">
+            <a:schemeClr val="tx1"/>
+          </a:fontRef>
+        </p:style>
+      </p:cxnSp>
+      <p:sp>
+        <p:nvSpPr>
+          <p:cNvPr id="34" name="Rectangle 33"/>
+          <p:cNvSpPr/>
+          <p:nvPr/>
+        </p:nvSpPr>
+        <p:spPr>
+          <a:xfrm>
+            <a:off x="1038068" y="92902"/>
+            <a:ext cx="1129258" cy="6664691"/>
+          </a:xfrm>
+          <a:prstGeom prst="rect">
+            <a:avLst/>
+          </a:prstGeom>
+          <a:ln w="38100">
+            <a:solidFill>
+              <a:schemeClr val="bg1"/>
+            </a:solidFill>
+          </a:ln>
+        </p:spPr>
+        <p:style>
+          <a:lnRef idx="2">
+            <a:schemeClr val="accent1">
+              <a:shade val="50000"/>
+            </a:schemeClr>
+          </a:lnRef>
+          <a:fillRef idx="1">
+            <a:schemeClr val="accent1"/>
+          </a:fillRef>
+          <a:effectRef idx="0">
+            <a:schemeClr val="accent1"/>
+          </a:effectRef>
+          <a:fontRef idx="minor">
+            <a:schemeClr val="lt1"/>
+          </a:fontRef>
+        </p:style>
+        <p:txBody>
+          <a:bodyPr rtlCol="0" anchor="t"/>
+          <a:lstStyle/>
+          <a:p>
+            <a:r>
+              <a:rPr lang="en-US" sz="3600" dirty="0" smtClean="0"/>
+              <a:t>End</a:t>
+            </a:r>
+          </a:p>
+          <a:p>
+            <a:r>
+              <a:rPr lang="en-US" sz="3600" dirty="0" smtClean="0"/>
+              <a:t>User</a:t>
+            </a:r>
+          </a:p>
+        </p:txBody>
+      </p:sp>
+      <p:sp>
+        <p:nvSpPr>
+          <p:cNvPr id="35" name="Rectangle 34"/>
+          <p:cNvSpPr/>
+          <p:nvPr/>
+        </p:nvSpPr>
+        <p:spPr>
+          <a:xfrm>
+            <a:off x="3210389" y="3585610"/>
+            <a:ext cx="1583961" cy="669562"/>
+          </a:xfrm>
+          <a:prstGeom prst="rect">
+            <a:avLst/>
+          </a:prstGeom>
+          <a:ln w="38100">
+            <a:solidFill>
+              <a:schemeClr val="bg1"/>
+            </a:solidFill>
+          </a:ln>
+        </p:spPr>
+        <p:style>
+          <a:lnRef idx="2">
+            <a:schemeClr val="accent1">
+              <a:shade val="50000"/>
+            </a:schemeClr>
+          </a:lnRef>
+          <a:fillRef idx="1">
+            <a:schemeClr val="accent1"/>
+          </a:fillRef>
+          <a:effectRef idx="0">
+            <a:schemeClr val="accent1"/>
+          </a:effectRef>
+          <a:fontRef idx="minor">
+            <a:schemeClr val="lt1"/>
+          </a:fontRef>
+        </p:style>
+        <p:txBody>
+          <a:bodyPr rtlCol="0" anchor="t"/>
+          <a:lstStyle/>
+          <a:p>
+            <a:r>
+              <a:rPr lang="en-US" sz="2400" dirty="0" smtClean="0"/>
+              <a:t>App Store</a:t>
+            </a:r>
+            <a:endParaRPr lang="en-US" sz="2400" dirty="0"/>
+          </a:p>
+        </p:txBody>
+      </p:sp>
+      <p:sp>
+        <p:nvSpPr>
+          <p:cNvPr id="36" name="Rectangle 35"/>
+          <p:cNvSpPr/>
+          <p:nvPr/>
+        </p:nvSpPr>
+        <p:spPr>
+          <a:xfrm>
+            <a:off x="3230373" y="2629205"/>
+            <a:ext cx="1583961" cy="669562"/>
+          </a:xfrm>
+          <a:prstGeom prst="rect">
+            <a:avLst/>
+          </a:prstGeom>
+          <a:ln w="38100">
+            <a:solidFill>
+              <a:schemeClr val="bg1"/>
+            </a:solidFill>
+          </a:ln>
+        </p:spPr>
+        <p:style>
+          <a:lnRef idx="2">
+            <a:schemeClr val="accent1">
+              <a:shade val="50000"/>
+            </a:schemeClr>
+          </a:lnRef>
+          <a:fillRef idx="1">
+            <a:schemeClr val="accent1"/>
+          </a:fillRef>
+          <a:effectRef idx="0">
+            <a:schemeClr val="accent1"/>
+          </a:effectRef>
+          <a:fontRef idx="minor">
+            <a:schemeClr val="lt1"/>
+          </a:fontRef>
+        </p:style>
+        <p:txBody>
+          <a:bodyPr rtlCol="0" anchor="t"/>
+          <a:lstStyle/>
+          <a:p>
+            <a:r>
+              <a:rPr lang="en-US" sz="3600" dirty="0" smtClean="0"/>
+              <a:t>Launch</a:t>
+            </a:r>
+            <a:endParaRPr lang="en-US" sz="3600" dirty="0"/>
+          </a:p>
+        </p:txBody>
+      </p:sp>
+      <p:sp>
+        <p:nvSpPr>
+          <p:cNvPr id="37" name="Rectangle 36"/>
+          <p:cNvSpPr/>
+          <p:nvPr/>
+        </p:nvSpPr>
+        <p:spPr>
+          <a:xfrm>
+            <a:off x="9971550" y="6136170"/>
+            <a:ext cx="1815049" cy="461665"/>
+          </a:xfrm>
+          <a:prstGeom prst="rect">
+            <a:avLst/>
+          </a:prstGeom>
+        </p:spPr>
+        <p:txBody>
+          <a:bodyPr wrap="none">
+            <a:spAutoFit/>
+          </a:bodyPr>
+          <a:lstStyle/>
+          <a:p>
+            <a:r>
+              <a:rPr lang="en-US" sz="2400" dirty="0" err="1" smtClean="0"/>
+              <a:t>Tsugi</a:t>
+            </a:r>
+            <a:r>
+              <a:rPr lang="en-US" sz="2400" dirty="0" smtClean="0"/>
+              <a:t> </a:t>
+            </a:r>
+            <a:r>
+              <a:rPr lang="en-US" sz="2400" dirty="0" err="1" smtClean="0"/>
+              <a:t>TBlocks</a:t>
+            </a:r>
+            <a:endParaRPr lang="en-US" sz="2400" dirty="0"/>
+          </a:p>
+        </p:txBody>
+      </p:sp>
+    </p:spTree>
+    <p:extLst>
+      <p:ext uri="{BB962C8B-B14F-4D97-AF65-F5344CB8AC3E}">
+        <p14:creationId xmlns:p14="http://schemas.microsoft.com/office/powerpoint/2010/main" val="419252433"/>
+      </p:ext>
+    </p:extLst>
+  </p:cSld>
+  <p:clrMapOvr>
+    <a:masterClrMapping/>
+  </p:clrMapOvr>
+  <p:timing>
+    <p:tnLst>
+      <p:par>
+        <p:cTn id="1" dur="indefinite" restart="never" nodeType="tmRoot"/>
+      </p:par>
+    </p:tnLst>
+  </p:timing>
+</p:sld>
+</file>
+
+<file path=ppt/slides/slide21.xml><?xml version="1.0" encoding="utf-8"?>
+<p:sld xmlns:a="http://schemas.openxmlformats.org/drawingml/2006/main" xmlns:r="http://schemas.openxmlformats.org/officeDocument/2006/relationships" xmlns:p="http://schemas.openxmlformats.org/presentationml/2006/main">
+  <p:cSld>
+    <p:spTree>
+      <p:nvGrpSpPr>
+        <p:cNvPr id="1" name=""/>
+        <p:cNvGrpSpPr/>
+        <p:nvPr/>
+      </p:nvGrpSpPr>
+      <p:grpSpPr>
+        <a:xfrm>
+          <a:off x="0" y="0"/>
+          <a:ext cx="0" cy="0"/>
+          <a:chOff x="0" y="0"/>
+          <a:chExt cx="0" cy="0"/>
+        </a:xfrm>
+      </p:grpSpPr>
+      <p:sp>
+        <p:nvSpPr>
+          <p:cNvPr id="2" name="Title 1"/>
+          <p:cNvSpPr>
+            <a:spLocks noGrp="1"/>
+          </p:cNvSpPr>
+          <p:nvPr>
+            <p:ph type="title"/>
+          </p:nvPr>
+        </p:nvSpPr>
+        <p:spPr/>
+        <p:txBody>
+          <a:bodyPr/>
+          <a:lstStyle/>
+          <a:p>
+            <a:r>
+              <a:rPr lang="en-US" dirty="0" smtClean="0"/>
+              <a:t>Summer Project: LTI 1.3</a:t>
+            </a:r>
+            <a:endParaRPr lang="en-US" dirty="0"/>
+          </a:p>
+        </p:txBody>
+      </p:sp>
+      <p:sp>
+        <p:nvSpPr>
+          <p:cNvPr id="3" name="Content Placeholder 2"/>
+          <p:cNvSpPr>
+            <a:spLocks noGrp="1"/>
+          </p:cNvSpPr>
+          <p:nvPr>
+            <p:ph idx="1"/>
+          </p:nvPr>
+        </p:nvSpPr>
+        <p:spPr/>
+        <p:txBody>
+          <a:bodyPr>
+            <a:normAutofit/>
+          </a:bodyPr>
+          <a:lstStyle/>
+          <a:p>
+            <a:r>
+              <a:rPr lang="en-US" dirty="0" smtClean="0"/>
+              <a:t>LTI 1.3</a:t>
+            </a:r>
+          </a:p>
+          <a:p>
+            <a:pPr lvl="1"/>
+            <a:r>
+              <a:rPr lang="en-US" dirty="0"/>
+              <a:t>Java Web Tokens for </a:t>
+            </a:r>
+            <a:r>
+              <a:rPr lang="en-US" dirty="0" smtClean="0"/>
+              <a:t>Signing</a:t>
+            </a:r>
+          </a:p>
+          <a:p>
+            <a:pPr lvl="1"/>
+            <a:r>
+              <a:rPr lang="en-US" dirty="0" smtClean="0"/>
+              <a:t>OAuth 2.0</a:t>
+            </a:r>
+          </a:p>
+          <a:p>
+            <a:pPr lvl="1"/>
+            <a:r>
+              <a:rPr lang="en-US" dirty="0" smtClean="0"/>
+              <a:t>Public / Private Keys</a:t>
+            </a:r>
+          </a:p>
+          <a:p>
+            <a:pPr lvl="1"/>
+            <a:r>
+              <a:rPr lang="en-US" dirty="0" smtClean="0"/>
+              <a:t>More complex – but better library support</a:t>
+            </a:r>
+          </a:p>
+          <a:p>
+            <a:pPr lvl="1"/>
+            <a:endParaRPr lang="en-US" dirty="0" smtClean="0"/>
+          </a:p>
+          <a:p>
+            <a:r>
+              <a:rPr lang="en-US" dirty="0" err="1" smtClean="0"/>
+              <a:t>Tsugi</a:t>
+            </a:r>
+            <a:r>
+              <a:rPr lang="en-US" dirty="0" smtClean="0"/>
+              <a:t> PHP already "supports" LTI 1.3 launches</a:t>
+            </a:r>
+          </a:p>
+          <a:p>
+            <a:pPr lvl="1"/>
+            <a:r>
+              <a:rPr lang="en-US" dirty="0" smtClean="0"/>
+              <a:t>Prototyped at 2018 </a:t>
+            </a:r>
+            <a:r>
+              <a:rPr lang="en-US" smtClean="0"/>
+              <a:t>Learning Impact – May 2018</a:t>
+            </a:r>
+            <a:endParaRPr lang="en-US" dirty="0" smtClean="0"/>
+          </a:p>
+          <a:p>
+            <a:endParaRPr lang="en-US" dirty="0"/>
+          </a:p>
+        </p:txBody>
+      </p:sp>
+    </p:spTree>
+    <p:extLst>
+      <p:ext uri="{BB962C8B-B14F-4D97-AF65-F5344CB8AC3E}">
+        <p14:creationId xmlns:p14="http://schemas.microsoft.com/office/powerpoint/2010/main" val="553862412"/>
+      </p:ext>
+    </p:extLst>
+  </p:cSld>
+  <p:clrMapOvr>
+    <a:masterClrMapping/>
+  </p:clrMapOvr>
+</p:sld>
+</file>
+
+<file path=ppt/slides/slide22.xml><?xml version="1.0" encoding="utf-8"?>
+<p:sld xmlns:a="http://schemas.openxmlformats.org/drawingml/2006/main" xmlns:r="http://schemas.openxmlformats.org/officeDocument/2006/relationships" xmlns:p="http://schemas.openxmlformats.org/presentationml/2006/main">
+  <p:cSld>
+    <p:spTree>
+      <p:nvGrpSpPr>
+        <p:cNvPr id="1" name=""/>
+        <p:cNvGrpSpPr/>
+        <p:nvPr/>
+      </p:nvGrpSpPr>
+      <p:grpSpPr>
+        <a:xfrm>
+          <a:off x="0" y="0"/>
+          <a:ext cx="0" cy="0"/>
+          <a:chOff x="0" y="0"/>
+          <a:chExt cx="0" cy="0"/>
+        </a:xfrm>
+      </p:grpSpPr>
+      <p:pic>
+        <p:nvPicPr>
+          <p:cNvPr id="4" name="Picture 3"/>
+          <p:cNvPicPr>
+            <a:picLocks noChangeAspect="1"/>
+          </p:cNvPicPr>
+          <p:nvPr/>
+        </p:nvPicPr>
+        <p:blipFill>
+          <a:blip r:embed="rId2">
+            <a:extLst>
+              <a:ext uri="{28A0092B-C50C-407E-A947-70E740481C1C}">
+                <a14:useLocalDpi xmlns:a14="http://schemas.microsoft.com/office/drawing/2010/main" val="0"/>
+              </a:ext>
+            </a:extLst>
+          </a:blip>
+          <a:stretch>
+            <a:fillRect/>
+          </a:stretch>
+        </p:blipFill>
+        <p:spPr>
+          <a:xfrm>
+            <a:off x="-76724" y="-775"/>
+            <a:ext cx="12268724" cy="6553976"/>
+          </a:xfrm>
+          <a:prstGeom prst="rect">
+            <a:avLst/>
+          </a:prstGeom>
+        </p:spPr>
+      </p:pic>
+    </p:spTree>
+    <p:extLst>
+      <p:ext uri="{BB962C8B-B14F-4D97-AF65-F5344CB8AC3E}">
+        <p14:creationId xmlns:p14="http://schemas.microsoft.com/office/powerpoint/2010/main" val="179306388"/>
+      </p:ext>
+    </p:extLst>
+  </p:cSld>
+  <p:clrMapOvr>
+    <a:masterClrMapping/>
+  </p:clrMapOvr>
+</p:sld>
+</file>
+
+<file path=ppt/slides/slide23.xml><?xml version="1.0" encoding="utf-8"?>
+<p:sld xmlns:a="http://schemas.openxmlformats.org/drawingml/2006/main" xmlns:r="http://schemas.openxmlformats.org/officeDocument/2006/relationships" xmlns:p="http://schemas.openxmlformats.org/presentationml/2006/main">
+  <p:cSld>
+    <p:spTree>
+      <p:nvGrpSpPr>
+        <p:cNvPr id="1" name=""/>
+        <p:cNvGrpSpPr/>
+        <p:nvPr/>
+      </p:nvGrpSpPr>
+      <p:grpSpPr>
+        <a:xfrm>
+          <a:off x="0" y="0"/>
+          <a:ext cx="0" cy="0"/>
+          <a:chOff x="0" y="0"/>
+          <a:chExt cx="0" cy="0"/>
+        </a:xfrm>
+      </p:grpSpPr>
+      <p:pic>
+        <p:nvPicPr>
+          <p:cNvPr id="4" name="Picture 3"/>
+          <p:cNvPicPr>
+            <a:picLocks noChangeAspect="1"/>
+          </p:cNvPicPr>
+          <p:nvPr/>
+        </p:nvPicPr>
+        <p:blipFill>
+          <a:blip r:embed="rId2">
+            <a:extLst>
+              <a:ext uri="{28A0092B-C50C-407E-A947-70E740481C1C}">
+                <a14:useLocalDpi xmlns:a14="http://schemas.microsoft.com/office/drawing/2010/main" val="0"/>
+              </a:ext>
+            </a:extLst>
+          </a:blip>
+          <a:stretch>
+            <a:fillRect/>
+          </a:stretch>
+        </p:blipFill>
+        <p:spPr>
+          <a:xfrm>
+            <a:off x="541867" y="0"/>
+            <a:ext cx="10266948" cy="6858000"/>
+          </a:xfrm>
+          <a:prstGeom prst="rect">
+            <a:avLst/>
+          </a:prstGeom>
+        </p:spPr>
+      </p:pic>
+      <p:sp>
+        <p:nvSpPr>
+          <p:cNvPr id="5" name="TextBox 4"/>
+          <p:cNvSpPr txBox="1"/>
+          <p:nvPr/>
+        </p:nvSpPr>
+        <p:spPr>
+          <a:xfrm>
+            <a:off x="972898" y="6145261"/>
+            <a:ext cx="2620141" cy="461665"/>
+          </a:xfrm>
+          <a:prstGeom prst="rect">
+            <a:avLst/>
+          </a:prstGeom>
+          <a:noFill/>
+        </p:spPr>
+        <p:txBody>
+          <a:bodyPr wrap="none" rtlCol="0">
+            <a:spAutoFit/>
+          </a:bodyPr>
+          <a:lstStyle/>
+          <a:p>
+            <a:r>
+              <a:rPr lang="en-US" sz="2400" dirty="0">
+                <a:solidFill>
+                  <a:schemeClr val="bg1"/>
+                </a:solidFill>
+              </a:rPr>
+              <a:t>Source: Ian Dolphin</a:t>
+            </a:r>
+          </a:p>
+        </p:txBody>
+      </p:sp>
+      <p:pic>
+        <p:nvPicPr>
+          <p:cNvPr id="6" name="Picture 5"/>
+          <p:cNvPicPr>
+            <a:picLocks noChangeAspect="1"/>
+          </p:cNvPicPr>
+          <p:nvPr/>
+        </p:nvPicPr>
+        <p:blipFill>
+          <a:blip r:embed="rId3">
+            <a:extLst>
+              <a:ext uri="{28A0092B-C50C-407E-A947-70E740481C1C}">
+                <a14:useLocalDpi xmlns:a14="http://schemas.microsoft.com/office/drawing/2010/main" val="0"/>
+              </a:ext>
+            </a:extLst>
+          </a:blip>
+          <a:stretch>
+            <a:fillRect/>
+          </a:stretch>
+        </p:blipFill>
+        <p:spPr>
+          <a:xfrm>
+            <a:off x="6331082" y="248574"/>
+            <a:ext cx="3021263" cy="895669"/>
+          </a:xfrm>
+          <a:prstGeom prst="rect">
+            <a:avLst/>
+          </a:prstGeom>
+        </p:spPr>
+      </p:pic>
+    </p:spTree>
+    <p:extLst>
+      <p:ext uri="{BB962C8B-B14F-4D97-AF65-F5344CB8AC3E}">
+        <p14:creationId xmlns:p14="http://schemas.microsoft.com/office/powerpoint/2010/main" val="692876231"/>
+      </p:ext>
+    </p:extLst>
+  </p:cSld>
+  <p:clrMapOvr>
+    <a:masterClrMapping/>
+  </p:clrMapOvr>
+  <p:timing>
+    <p:tnLst>
+      <p:par>
+        <p:cTn id="1" dur="indefinite" restart="never" nodeType="tmRoot"/>
+      </p:par>
+    </p:tnLst>
+  </p:timing>
+</p:sld>
+</file>
+
 <file path=ppt/slides/slide3.xml><?xml version="1.0" encoding="utf-8"?>
 <p:sld xmlns:a="http://schemas.openxmlformats.org/drawingml/2006/main" xmlns:r="http://schemas.openxmlformats.org/officeDocument/2006/relationships" xmlns:p="http://schemas.openxmlformats.org/presentationml/2006/main">
   <p:cSld>
@@ -5616,10 +6896,10 @@
           <p:cNvPr id="9" name="Rectangle 8">
             <a:extLst>
               <a:ext uri="{FF2B5EF4-FFF2-40B4-BE49-F238E27FC236}">
-                <a16:creationId xmlns:a16="http://schemas.microsoft.com/office/drawing/2014/main" xmlns="" id="{32BC26D8-82FB-445E-AA49-62A77D7C1EE0}"/>
+                <a16:creationId xmlns="" xmlns:a16="http://schemas.microsoft.com/office/drawing/2014/main" id="{32BC26D8-82FB-445E-AA49-62A77D7C1EE0}"/>
               </a:ext>
               <a:ext uri="{C183D7F6-B498-43B3-948B-1728B52AA6E4}">
-                <adec:decorative xmlns:adec="http://schemas.microsoft.com/office/drawing/2017/decorative" xmlns="" val="1"/>
+                <adec:decorative xmlns="" xmlns:adec="http://schemas.microsoft.com/office/drawing/2017/decorative" val="1"/>
               </a:ext>
             </a:extLst>
           </p:cNvPr>
@@ -5679,10 +6959,10 @@
           <p:cNvPr id="11" name="Rectangle 10">
             <a:extLst>
               <a:ext uri="{FF2B5EF4-FFF2-40B4-BE49-F238E27FC236}">
-                <a16:creationId xmlns:a16="http://schemas.microsoft.com/office/drawing/2014/main" xmlns="" id="{CB44330D-EA18-4254-AA95-EB49948539B8}"/>
+                <a16:creationId xmlns="" xmlns:a16="http://schemas.microsoft.com/office/drawing/2014/main" id="{CB44330D-EA18-4254-AA95-EB49948539B8}"/>
               </a:ext>
               <a:ext uri="{C183D7F6-B498-43B3-948B-1728B52AA6E4}">
-                <adec:decorative xmlns:adec="http://schemas.microsoft.com/office/drawing/2017/decorative" xmlns="" val="1"/>
+                <adec:decorative xmlns="" xmlns:adec="http://schemas.microsoft.com/office/drawing/2017/decorative" val="1"/>
               </a:ext>
             </a:extLst>
           </p:cNvPr>
@@ -5814,7 +7094,15 @@
           <a:p>
             <a:r>
               <a:rPr lang="en-US" dirty="0" smtClean="0"/>
-              <a:t>Why Build an LTI App With A Library?</a:t>
+              <a:t>Advantages of a </a:t>
+            </a:r>
+            <a:r>
+              <a:rPr lang="en-US" dirty="0" err="1" smtClean="0"/>
+              <a:t>Tsugi</a:t>
+            </a:r>
+            <a:r>
+              <a:rPr lang="en-US" dirty="0" smtClean="0"/>
+              <a:t> App?</a:t>
             </a:r>
             <a:endParaRPr lang="en-US" dirty="0"/>
           </a:p>
@@ -5839,7 +7127,15 @@
           <a:p>
             <a:r>
               <a:rPr lang="en-US" dirty="0" smtClean="0"/>
-              <a:t>LTI 1.0, LTI 1.1, LTI 2.0, Caliper, Common Cartridge, LTI Advantage </a:t>
+              <a:t>LTI 1.0, LTI 1.1, </a:t>
+            </a:r>
+            <a:r>
+              <a:rPr lang="en-US" strike="sngStrike" dirty="0" smtClean="0"/>
+              <a:t>LTI 2.0</a:t>
+            </a:r>
+            <a:r>
+              <a:rPr lang="en-US" dirty="0" smtClean="0"/>
+              <a:t>, Caliper, Common Cartridge, LTI Advantage </a:t>
             </a:r>
             <a:r>
               <a:rPr lang="is-IS" dirty="0" smtClean="0"/>
@@ -5849,19 +7145,37 @@
           <a:p>
             <a:r>
               <a:rPr lang="en-US" dirty="0" smtClean="0"/>
-              <a:t>Do you use user email as logical key in the user table?  How long? Indexed?</a:t>
-            </a:r>
-          </a:p>
-          <a:p>
-            <a:r>
-              <a:rPr lang="en-US" dirty="0" smtClean="0"/>
-              <a:t>Session Management  / Expiry</a:t>
-            </a:r>
-          </a:p>
-          <a:p>
-            <a:r>
-              <a:rPr lang="en-US" dirty="0" smtClean="0"/>
-              <a:t>Offline Grading – Peer grading Applications</a:t>
+              <a:t>You did not use </a:t>
+            </a:r>
+            <a:r>
+              <a:rPr lang="en-US" dirty="0" smtClean="0"/>
+              <a:t>email as logical key in the user </a:t>
+            </a:r>
+            <a:r>
+              <a:rPr lang="en-US" dirty="0" smtClean="0"/>
+              <a:t>table.  Correct length!</a:t>
+            </a:r>
+            <a:endParaRPr lang="en-US" dirty="0" smtClean="0"/>
+          </a:p>
+          <a:p>
+            <a:r>
+              <a:rPr lang="en-US" dirty="0" smtClean="0"/>
+              <a:t>Session Management  / </a:t>
+            </a:r>
+            <a:r>
+              <a:rPr lang="en-US" dirty="0" smtClean="0"/>
+              <a:t>Extension / Expiry</a:t>
+            </a:r>
+            <a:endParaRPr lang="en-US" dirty="0" smtClean="0"/>
+          </a:p>
+          <a:p>
+            <a:r>
+              <a:rPr lang="en-US" dirty="0" smtClean="0"/>
+              <a:t>Support Offline </a:t>
+            </a:r>
+            <a:r>
+              <a:rPr lang="en-US" dirty="0" smtClean="0"/>
+              <a:t>Grading – Peer grading Applications</a:t>
             </a:r>
           </a:p>
           <a:p>
@@ -5873,7 +7187,11 @@
           <a:p>
             <a:r>
               <a:rPr lang="en-US" dirty="0" smtClean="0"/>
-              <a:t>Building Thin Cartridges From LTI Links</a:t>
+              <a:t>Build </a:t>
+            </a:r>
+            <a:r>
+              <a:rPr lang="en-US" dirty="0" smtClean="0"/>
+              <a:t>Thin Cartridges From LTI Links</a:t>
             </a:r>
           </a:p>
           <a:p>
@@ -5893,7 +7211,11 @@
           <a:p>
             <a:r>
               <a:rPr lang="en-US" dirty="0" smtClean="0"/>
-              <a:t>Cross-LMS Setting </a:t>
+              <a:t>Support Cross-LMS </a:t>
+            </a:r>
+            <a:r>
+              <a:rPr lang="en-US" dirty="0" smtClean="0"/>
+              <a:t>Setting </a:t>
             </a:r>
             <a:r>
               <a:rPr lang="en-US" dirty="0"/>
@@ -5904,7 +7226,7 @@
           <a:p>
             <a:r>
               <a:rPr lang="en-US" dirty="0" smtClean="0"/>
-              <a:t>Does your tool work behind </a:t>
+              <a:t>Works behind </a:t>
             </a:r>
             <a:r>
               <a:rPr lang="en-US" dirty="0" err="1" smtClean="0"/>
@@ -5916,13 +7238,22 @@
             </a:r>
             <a:r>
               <a:rPr lang="en-US" dirty="0" smtClean="0"/>
-              <a:t>CDN / Proxy?</a:t>
-            </a:r>
-          </a:p>
-          <a:p>
-            <a:r>
-              <a:rPr lang="en-US" dirty="0" smtClean="0"/>
-              <a:t>Do you make use of </a:t>
+              <a:t>CDN / </a:t>
+            </a:r>
+            <a:r>
+              <a:rPr lang="en-US" dirty="0" smtClean="0"/>
+              <a:t>Proxy</a:t>
+            </a:r>
+            <a:endParaRPr lang="en-US" dirty="0" smtClean="0"/>
+          </a:p>
+          <a:p>
+            <a:r>
+              <a:rPr lang="en-US" dirty="0" smtClean="0"/>
+              <a:t>Make use </a:t>
+            </a:r>
+            <a:r>
+              <a:rPr lang="en-US" dirty="0" smtClean="0"/>
+              <a:t>of </a:t>
             </a:r>
             <a:r>
               <a:rPr lang="en-US" dirty="0" err="1" smtClean="0"/>
@@ -5930,8 +7261,13 @@
             </a:r>
             <a:r>
               <a:rPr lang="en-US" dirty="0" smtClean="0"/>
-              <a:t> messages to resize iframes?</a:t>
-            </a:r>
+              <a:t> messages to resize </a:t>
+            </a:r>
+            <a:r>
+              <a:rPr lang="en-US" dirty="0" smtClean="0"/>
+              <a:t>iframes</a:t>
+            </a:r>
+            <a:endParaRPr lang="en-US" dirty="0" smtClean="0"/>
           </a:p>
         </p:txBody>
       </p:sp>
@@ -5990,15 +7326,15 @@
           <a:p>
             <a:r>
               <a:rPr lang="en-US" dirty="0" smtClean="0"/>
-              <a:t>Why use </a:t>
+              <a:t>Advantages of </a:t>
             </a:r>
             <a:r>
               <a:rPr lang="en-US" dirty="0" err="1" smtClean="0"/>
-              <a:t>Tsugi's</a:t>
-            </a:r>
-            <a:r>
-              <a:rPr lang="en-US" dirty="0" smtClean="0"/>
-              <a:t> Library Code for your App</a:t>
+              <a:t>Tsugi</a:t>
+            </a:r>
+            <a:r>
+              <a:rPr lang="en-US" dirty="0" smtClean="0"/>
+              <a:t> Tools</a:t>
             </a:r>
             <a:endParaRPr lang="en-US" dirty="0"/>
           </a:p>
@@ -6017,78 +7353,88 @@
         <p:spPr/>
         <p:txBody>
           <a:bodyPr>
-            <a:normAutofit fontScale="92500"/>
+            <a:normAutofit fontScale="92500" lnSpcReduction="20000"/>
           </a:bodyPr>
           <a:lstStyle/>
           <a:p>
             <a:r>
               <a:rPr lang="en-US" dirty="0" smtClean="0"/>
-              <a:t>How many different LMS's have you actually tested with? Which versions?</a:t>
-            </a:r>
-          </a:p>
-          <a:p>
-            <a:r>
-              <a:rPr lang="en-US" dirty="0" smtClean="0"/>
-              <a:t>Do you set cookies </a:t>
+              <a:t>Work with lots of LMS's even though you never tested with more than one</a:t>
+            </a:r>
+          </a:p>
+          <a:p>
+            <a:r>
+              <a:rPr lang="en-US" dirty="0" smtClean="0"/>
+              <a:t>Even when those LMS's have bugs!</a:t>
+            </a:r>
+            <a:endParaRPr lang="en-US" dirty="0" smtClean="0"/>
+          </a:p>
+          <a:p>
+            <a:r>
+              <a:rPr lang="en-US" dirty="0" smtClean="0"/>
+              <a:t>You don't set cookies in iframes</a:t>
+            </a:r>
+            <a:endParaRPr lang="en-US" dirty="0"/>
+          </a:p>
+          <a:p>
+            <a:r>
+              <a:rPr lang="en-US" dirty="0" smtClean="0"/>
+              <a:t>You can handle multiple </a:t>
             </a:r>
             <a:r>
               <a:rPr lang="en-US" dirty="0"/>
-              <a:t>in iframes?</a:t>
-            </a:r>
-          </a:p>
-          <a:p>
+              <a:t>courses </a:t>
+            </a:r>
+            <a:r>
+              <a:rPr lang="en-US" dirty="0" smtClean="0"/>
+              <a:t>/</a:t>
+            </a:r>
+            <a:r>
+              <a:rPr lang="en-US" dirty="0" smtClean="0"/>
+              <a:t> </a:t>
+            </a:r>
             <a:r>
               <a:rPr lang="en-US" dirty="0"/>
-              <a:t>Multiple courses or roles in multiple tabs?</a:t>
-            </a:r>
-          </a:p>
-          <a:p>
-            <a:r>
-              <a:rPr lang="en-US" dirty="0" smtClean="0"/>
-              <a:t>Storing </a:t>
-            </a:r>
-            <a:r>
-              <a:rPr lang="en-US" dirty="0"/>
-              <a:t>tool settings when LMS does not support it.</a:t>
-            </a:r>
-          </a:p>
-          <a:p>
-            <a:r>
-              <a:rPr lang="en-US" dirty="0" smtClean="0"/>
-              <a:t>Does your navigation vanish </a:t>
-            </a:r>
-            <a:r>
-              <a:rPr lang="en-US" dirty="0"/>
-              <a:t>in an iframe?</a:t>
-            </a:r>
-          </a:p>
-          <a:p>
-            <a:r>
-              <a:rPr lang="en-US" dirty="0"/>
-              <a:t>How long is </a:t>
-            </a:r>
-            <a:r>
-              <a:rPr lang="en-US" dirty="0" smtClean="0"/>
-              <a:t>the column </a:t>
-            </a:r>
-            <a:r>
-              <a:rPr lang="en-US" dirty="0" err="1"/>
+              <a:t>roles in multiple </a:t>
+            </a:r>
+            <a:r>
+              <a:rPr lang="en-US" dirty="0" smtClean="0"/>
+              <a:t>tabs</a:t>
+            </a:r>
+            <a:endParaRPr lang="en-US" dirty="0"/>
+          </a:p>
+          <a:p>
+            <a:r>
+              <a:rPr lang="en-US" dirty="0" smtClean="0"/>
+              <a:t>Handle LMS's that don't give you features (i.e. placement settings)</a:t>
+            </a:r>
+            <a:endParaRPr lang="en-US" dirty="0"/>
+          </a:p>
+          <a:p>
+            <a:r>
+              <a:rPr lang="en-US" dirty="0" smtClean="0"/>
+              <a:t>You don't do navigation inception.</a:t>
+            </a:r>
+            <a:endParaRPr lang="en-US" dirty="0"/>
+          </a:p>
+          <a:p>
+            <a:r>
+              <a:rPr lang="en-US" dirty="0" smtClean="0"/>
+              <a:t>You handle weird / changing </a:t>
+            </a:r>
+            <a:r>
+              <a:rPr lang="en-US" dirty="0" err="1" smtClean="0"/>
               <a:t>lis_sourcedid</a:t>
             </a:r>
             <a:r>
               <a:rPr lang="en-US" dirty="0" smtClean="0"/>
-              <a:t>?  Unique / Index / Logical Key</a:t>
-            </a:r>
-            <a:endParaRPr lang="en-US" dirty="0"/>
-          </a:p>
-          <a:p>
-            <a:r>
-              <a:rPr lang="en-US" dirty="0" smtClean="0"/>
-              <a:t>Does your data model support connecting </a:t>
-            </a:r>
-            <a:r>
-              <a:rPr lang="en-US" dirty="0"/>
-              <a:t>LTI </a:t>
+              <a:t> values from Moodle</a:t>
+            </a:r>
+          </a:p>
+          <a:p>
+            <a:r>
+              <a:rPr lang="en-US" dirty="0" smtClean="0"/>
+              <a:t>You can reliably / securely connect LTI </a:t>
             </a:r>
             <a:r>
               <a:rPr lang="en-US" dirty="0" smtClean="0"/>
@@ -6100,28 +7446,30 @@
             </a:r>
             <a:r>
               <a:rPr lang="en-US" dirty="0" smtClean="0"/>
-              <a:t>logins?</a:t>
-            </a:r>
-          </a:p>
-          <a:p>
-            <a:r>
-              <a:rPr lang="en-US" dirty="0" smtClean="0"/>
-              <a:t>Do you issue keys by editing a text file or DB Table?  Do you have a UI?</a:t>
+              <a:t>logins</a:t>
+            </a:r>
+            <a:endParaRPr lang="en-US" dirty="0" smtClean="0"/>
+          </a:p>
+          <a:p>
+            <a:r>
+              <a:rPr lang="en-US" dirty="0" smtClean="0"/>
+              <a:t>You have a flexible UI / work flow for issuing keys (LTI 1.1 and LTI 1.3 soon)</a:t>
             </a:r>
             <a:endParaRPr lang="en-US" dirty="0"/>
           </a:p>
           <a:p>
             <a:r>
-              <a:rPr lang="en-US" dirty="0"/>
-              <a:t>Can </a:t>
-            </a:r>
-            <a:r>
-              <a:rPr lang="en-US" dirty="0" smtClean="0"/>
-              <a:t>you figure out Google Classroom integration?</a:t>
-            </a:r>
-            <a:endParaRPr lang="en-US" dirty="0"/>
-          </a:p>
-          <a:p>
+              <a:rPr lang="en-US" dirty="0" smtClean="0"/>
+              <a:t>Your tool works with </a:t>
+            </a:r>
+            <a:r>
+              <a:rPr lang="en-US" dirty="0" smtClean="0"/>
+              <a:t>Google </a:t>
+            </a:r>
+            <a:r>
+              <a:rPr lang="en-US" dirty="0" smtClean="0"/>
+              <a:t>Classroom – is that a thing?</a:t>
+            </a:r>
             <a:endParaRPr lang="en-US" dirty="0"/>
           </a:p>
         </p:txBody>
@@ -6172,8 +7520,16 @@
           <a:lstStyle/>
           <a:p>
             <a:r>
-              <a:rPr lang="en-US" dirty="0" smtClean="0"/>
-              <a:t>Do you really want to build all this?</a:t>
+              <a:rPr lang="en-US" dirty="0" err="1" smtClean="0"/>
+              <a:t>Tsugi</a:t>
+            </a:r>
+            <a:r>
+              <a:rPr lang="en-US" dirty="0" smtClean="0"/>
+              <a:t> in the cloud</a:t>
+            </a:r>
+            <a:r>
+              <a:rPr lang="is-IS" dirty="0" smtClean="0"/>
+              <a:t>…</a:t>
             </a:r>
             <a:endParaRPr lang="en-US" dirty="0"/>
           </a:p>
@@ -6192,14 +7548,15 @@
         <p:spPr/>
         <p:txBody>
           <a:bodyPr>
-            <a:normAutofit lnSpcReduction="10000"/>
+            <a:normAutofit/>
           </a:bodyPr>
           <a:lstStyle/>
           <a:p>
             <a:r>
               <a:rPr lang="en-US" dirty="0" smtClean="0"/>
-              <a:t>You can deploy an on-campus app store </a:t>
-            </a:r>
+              <a:t>You have a hosting environment</a:t>
+            </a:r>
+            <a:endParaRPr lang="en-US" dirty="0" smtClean="0"/>
           </a:p>
           <a:p>
             <a:r>
@@ -6210,7 +7567,17 @@
           <a:p>
             <a:r>
               <a:rPr lang="en-US" dirty="0" smtClean="0"/>
-              <a:t>Designed for 100% uptime in the cloud - auto upgrade code/database</a:t>
+              <a:t>You have free / open Amazon / Google recipes</a:t>
+            </a:r>
+          </a:p>
+          <a:p>
+            <a:r>
+              <a:rPr lang="en-US" dirty="0" smtClean="0"/>
+              <a:t>Designed </a:t>
+            </a:r>
+            <a:r>
+              <a:rPr lang="en-US" dirty="0" smtClean="0"/>
+              <a:t>for 100% uptime in the cloud - auto upgrade code/database</a:t>
             </a:r>
           </a:p>
           <a:p>
@@ -6226,25 +7593,24 @@
             </a:r>
             <a:r>
               <a:rPr lang="en-US" dirty="0" err="1" smtClean="0"/>
-              <a:t>tsugicloud</a:t>
+              <a:t>T</a:t>
+            </a:r>
+            <a:r>
+              <a:rPr lang="en-US" dirty="0" err="1" smtClean="0"/>
+              <a:t>sugiCloud.org</a:t>
             </a:r>
             <a:endParaRPr lang="en-US" dirty="0" smtClean="0"/>
           </a:p>
           <a:p>
             <a:r>
               <a:rPr lang="en-US" dirty="0" smtClean="0"/>
-              <a:t>You can make money submitting your tool from a commercial app store</a:t>
-            </a:r>
-          </a:p>
-          <a:p>
+              <a:t>You can make money submitting your tool from a commercial app </a:t>
+            </a:r>
+            <a:r>
+              <a:rPr lang="en-US" dirty="0" smtClean="0"/>
+              <a:t>store</a:t>
+            </a:r>
             <a:endParaRPr lang="en-US" dirty="0" smtClean="0"/>
-          </a:p>
-          <a:p>
-            <a:r>
-              <a:rPr lang="en-US" dirty="0" smtClean="0"/>
-              <a:t>What if you are building more of a stand alone site than a tool?</a:t>
-            </a:r>
-            <a:endParaRPr lang="en-US" dirty="0"/>
           </a:p>
         </p:txBody>
       </p:sp>
@@ -6280,744 +7646,119 @@
       </p:grpSpPr>
       <p:sp>
         <p:nvSpPr>
-          <p:cNvPr id="6" name="Rounded Rectangle 5"/>
-          <p:cNvSpPr/>
-          <p:nvPr/>
-        </p:nvSpPr>
-        <p:spPr>
-          <a:xfrm>
-            <a:off x="3295241" y="4939858"/>
-            <a:ext cx="8558246" cy="1292507"/>
-          </a:xfrm>
-          <a:prstGeom prst="roundRect">
-            <a:avLst/>
-          </a:prstGeom>
-        </p:spPr>
-        <p:style>
-          <a:lnRef idx="0">
-            <a:schemeClr val="accent5"/>
-          </a:lnRef>
-          <a:fillRef idx="3">
-            <a:schemeClr val="accent5"/>
-          </a:fillRef>
-          <a:effectRef idx="3">
-            <a:schemeClr val="accent5"/>
-          </a:effectRef>
-          <a:fontRef idx="minor">
-            <a:schemeClr val="lt1"/>
-          </a:fontRef>
-        </p:style>
-        <p:txBody>
-          <a:bodyPr rtlCol="0" anchor="ctr"/>
-          <a:lstStyle/>
-          <a:p>
-            <a:pPr algn="ctr"/>
-            <a:r>
-              <a:rPr lang="en-US" sz="2667" b="1" dirty="0">
-                <a:solidFill>
-                  <a:schemeClr val="tx1"/>
-                </a:solidFill>
-              </a:rPr>
-              <a:t>Utility APIs</a:t>
-            </a:r>
-          </a:p>
-          <a:p>
-            <a:pPr algn="ctr"/>
-            <a:r>
-              <a:rPr lang="en-US" sz="2667" dirty="0">
-                <a:solidFill>
-                  <a:schemeClr val="tx1"/>
-                </a:solidFill>
-              </a:rPr>
-              <a:t>Implement Standards</a:t>
-            </a:r>
-          </a:p>
-          <a:p>
-            <a:pPr algn="ctr"/>
-            <a:r>
-              <a:rPr lang="en-US" sz="2667" dirty="0">
-                <a:solidFill>
-                  <a:schemeClr val="tx1"/>
-                </a:solidFill>
-              </a:rPr>
-              <a:t>Portable / </a:t>
-            </a:r>
-            <a:r>
-              <a:rPr lang="en-US" sz="2667" dirty="0" smtClean="0">
-                <a:solidFill>
-                  <a:schemeClr val="tx1"/>
-                </a:solidFill>
-              </a:rPr>
-              <a:t>Reusable </a:t>
-            </a:r>
-            <a:r>
-              <a:rPr lang="en-US" sz="2667" dirty="0">
-                <a:solidFill>
-                  <a:schemeClr val="tx1"/>
-                </a:solidFill>
-              </a:rPr>
-              <a:t>outside </a:t>
-            </a:r>
-            <a:r>
-              <a:rPr lang="en-US" sz="2667" dirty="0" err="1">
-                <a:solidFill>
-                  <a:schemeClr val="tx1"/>
-                </a:solidFill>
-              </a:rPr>
+          <p:cNvPr id="2" name="Title 1"/>
+          <p:cNvSpPr>
+            <a:spLocks noGrp="1"/>
+          </p:cNvSpPr>
+          <p:nvPr>
+            <p:ph type="title"/>
+          </p:nvPr>
+        </p:nvSpPr>
+        <p:spPr/>
+        <p:txBody>
+          <a:bodyPr/>
+          <a:lstStyle/>
+          <a:p>
+            <a:r>
+              <a:rPr lang="en-US" dirty="0" smtClean="0"/>
+              <a:t>Coming: </a:t>
+            </a:r>
+            <a:r>
+              <a:rPr lang="en-US" dirty="0" err="1" smtClean="0"/>
               <a:t>Tsugi</a:t>
             </a:r>
-            <a:endParaRPr lang="en-US" sz="2667" dirty="0">
-              <a:solidFill>
-                <a:schemeClr val="tx1"/>
-              </a:solidFill>
-            </a:endParaRPr>
-          </a:p>
-        </p:txBody>
-      </p:sp>
-      <p:sp>
-        <p:nvSpPr>
-          <p:cNvPr id="7" name="Rounded Rectangle 6"/>
-          <p:cNvSpPr/>
-          <p:nvPr/>
-        </p:nvSpPr>
-        <p:spPr>
-          <a:xfrm>
-            <a:off x="3295239" y="3345154"/>
-            <a:ext cx="6613256" cy="1292507"/>
-          </a:xfrm>
-          <a:prstGeom prst="roundRect">
-            <a:avLst/>
-          </a:prstGeom>
-        </p:spPr>
-        <p:style>
-          <a:lnRef idx="0">
-            <a:schemeClr val="accent5"/>
-          </a:lnRef>
-          <a:fillRef idx="3">
-            <a:schemeClr val="accent5"/>
-          </a:fillRef>
-          <a:effectRef idx="3">
-            <a:schemeClr val="accent5"/>
-          </a:effectRef>
-          <a:fontRef idx="minor">
-            <a:schemeClr val="lt1"/>
-          </a:fontRef>
-        </p:style>
-        <p:txBody>
-          <a:bodyPr rtlCol="0" anchor="ctr"/>
-          <a:lstStyle/>
-          <a:p>
-            <a:pPr algn="ctr"/>
-            <a:r>
-              <a:rPr lang="en-US" sz="2667" b="1" dirty="0">
-                <a:solidFill>
-                  <a:schemeClr val="tx1"/>
-                </a:solidFill>
-              </a:rPr>
-              <a:t>Opinionated APIs</a:t>
-            </a:r>
-          </a:p>
-          <a:p>
-            <a:pPr algn="ctr"/>
-            <a:r>
-              <a:rPr lang="en-US" sz="2667" dirty="0">
-                <a:solidFill>
-                  <a:schemeClr val="tx1"/>
-                </a:solidFill>
-              </a:rPr>
-              <a:t>Convention / Database Model / Session</a:t>
-            </a:r>
-          </a:p>
-          <a:p>
-            <a:pPr algn="ctr"/>
-            <a:r>
-              <a:rPr lang="en-US" sz="2667" dirty="0">
-                <a:solidFill>
-                  <a:schemeClr val="tx1"/>
-                </a:solidFill>
-              </a:rPr>
-              <a:t>Easy for App Developer to Use</a:t>
-            </a:r>
-          </a:p>
-        </p:txBody>
-      </p:sp>
-      <p:sp>
-        <p:nvSpPr>
-          <p:cNvPr id="9" name="Rounded Rectangle 8"/>
-          <p:cNvSpPr/>
-          <p:nvPr/>
-        </p:nvSpPr>
-        <p:spPr>
-          <a:xfrm>
-            <a:off x="3295239" y="1750450"/>
-            <a:ext cx="2824221" cy="1292507"/>
-          </a:xfrm>
-          <a:prstGeom prst="roundRect">
-            <a:avLst/>
-          </a:prstGeom>
-        </p:spPr>
-        <p:style>
-          <a:lnRef idx="0">
-            <a:schemeClr val="accent5"/>
-          </a:lnRef>
-          <a:fillRef idx="3">
-            <a:schemeClr val="accent5"/>
-          </a:fillRef>
-          <a:effectRef idx="3">
-            <a:schemeClr val="accent5"/>
-          </a:effectRef>
-          <a:fontRef idx="minor">
-            <a:schemeClr val="lt1"/>
-          </a:fontRef>
-        </p:style>
-        <p:txBody>
-          <a:bodyPr rtlCol="0" anchor="ctr"/>
-          <a:lstStyle/>
-          <a:p>
-            <a:pPr algn="ctr"/>
-            <a:r>
-              <a:rPr lang="en-US" sz="2667" b="1" dirty="0">
-                <a:solidFill>
-                  <a:schemeClr val="tx1"/>
-                </a:solidFill>
-              </a:rPr>
-              <a:t>UI/UX APIs</a:t>
-            </a:r>
-          </a:p>
-          <a:p>
-            <a:pPr algn="ctr"/>
-            <a:r>
-              <a:rPr lang="en-US" sz="2667" dirty="0">
-                <a:solidFill>
-                  <a:schemeClr val="tx1"/>
-                </a:solidFill>
-              </a:rPr>
-              <a:t>Look / Feel</a:t>
-            </a:r>
-          </a:p>
-          <a:p>
-            <a:pPr algn="ctr"/>
-            <a:r>
-              <a:rPr lang="en-US" sz="2667" dirty="0">
-                <a:solidFill>
-                  <a:schemeClr val="tx1"/>
-                </a:solidFill>
-              </a:rPr>
-              <a:t>UI Widgets</a:t>
-            </a:r>
-          </a:p>
-        </p:txBody>
-      </p:sp>
-      <p:sp>
-        <p:nvSpPr>
-          <p:cNvPr id="10" name="Rounded Rectangle 9"/>
-          <p:cNvSpPr/>
-          <p:nvPr/>
-        </p:nvSpPr>
-        <p:spPr>
-          <a:xfrm>
-            <a:off x="3394269" y="374349"/>
-            <a:ext cx="3396524" cy="798653"/>
-          </a:xfrm>
-          <a:prstGeom prst="roundRect">
-            <a:avLst/>
-          </a:prstGeom>
-          <a:solidFill>
-            <a:schemeClr val="accent2">
-              <a:lumMod val="75000"/>
-            </a:schemeClr>
-          </a:solidFill>
-        </p:spPr>
-        <p:style>
-          <a:lnRef idx="0">
-            <a:schemeClr val="accent5"/>
-          </a:lnRef>
-          <a:fillRef idx="3">
-            <a:schemeClr val="accent5"/>
-          </a:fillRef>
-          <a:effectRef idx="3">
-            <a:schemeClr val="accent5"/>
-          </a:effectRef>
-          <a:fontRef idx="minor">
-            <a:schemeClr val="lt1"/>
-          </a:fontRef>
-        </p:style>
-        <p:txBody>
-          <a:bodyPr rtlCol="0" anchor="ctr"/>
-          <a:lstStyle/>
-          <a:p>
-            <a:pPr algn="ctr"/>
-            <a:r>
-              <a:rPr lang="en-US" sz="2667" b="1" dirty="0" err="1">
-                <a:solidFill>
-                  <a:schemeClr val="tx1"/>
-                </a:solidFill>
-              </a:rPr>
-              <a:t>Tsugi</a:t>
-            </a:r>
-            <a:r>
-              <a:rPr lang="en-US" sz="2667" b="1" dirty="0">
-                <a:solidFill>
-                  <a:schemeClr val="tx1"/>
-                </a:solidFill>
-              </a:rPr>
-              <a:t> </a:t>
-            </a:r>
-            <a:r>
-              <a:rPr lang="en-US" sz="2667" b="1" dirty="0" smtClean="0">
-                <a:solidFill>
-                  <a:schemeClr val="tx1"/>
-                </a:solidFill>
-              </a:rPr>
-              <a:t>Tool</a:t>
-            </a:r>
-            <a:endParaRPr lang="en-US" sz="2667" dirty="0">
-              <a:solidFill>
-                <a:schemeClr val="tx1"/>
-              </a:solidFill>
-            </a:endParaRPr>
-          </a:p>
-        </p:txBody>
-      </p:sp>
-      <p:sp>
-        <p:nvSpPr>
-          <p:cNvPr id="11" name="Rounded Rectangle 10"/>
-          <p:cNvSpPr/>
-          <p:nvPr/>
-        </p:nvSpPr>
-        <p:spPr>
-          <a:xfrm>
-            <a:off x="7200481" y="374349"/>
-            <a:ext cx="2965688" cy="798653"/>
-          </a:xfrm>
-          <a:prstGeom prst="roundRect">
-            <a:avLst/>
-          </a:prstGeom>
-          <a:solidFill>
-            <a:schemeClr val="accent2">
-              <a:lumMod val="75000"/>
-            </a:schemeClr>
-          </a:solidFill>
-        </p:spPr>
-        <p:style>
-          <a:lnRef idx="0">
-            <a:schemeClr val="accent5"/>
-          </a:lnRef>
-          <a:fillRef idx="3">
-            <a:schemeClr val="accent5"/>
-          </a:fillRef>
-          <a:effectRef idx="3">
-            <a:schemeClr val="accent5"/>
-          </a:effectRef>
-          <a:fontRef idx="minor">
-            <a:schemeClr val="lt1"/>
-          </a:fontRef>
-        </p:style>
-        <p:txBody>
-          <a:bodyPr rtlCol="0" anchor="ctr"/>
-          <a:lstStyle/>
-          <a:p>
-            <a:pPr algn="ctr"/>
-            <a:r>
-              <a:rPr lang="en-US" sz="2667" b="1" dirty="0" err="1">
-                <a:solidFill>
-                  <a:schemeClr val="tx1"/>
-                </a:solidFill>
-              </a:rPr>
-              <a:t>Tsugi</a:t>
-            </a:r>
-            <a:r>
-              <a:rPr lang="en-US" sz="2667" b="1" dirty="0">
-                <a:solidFill>
-                  <a:schemeClr val="tx1"/>
-                </a:solidFill>
-              </a:rPr>
-              <a:t> App</a:t>
-            </a:r>
-            <a:endParaRPr lang="en-US" sz="2667" dirty="0">
-              <a:solidFill>
-                <a:schemeClr val="tx1"/>
-              </a:solidFill>
-            </a:endParaRPr>
-          </a:p>
-        </p:txBody>
-      </p:sp>
-      <p:sp>
-        <p:nvSpPr>
-          <p:cNvPr id="13" name="Rounded Rectangle 12"/>
-          <p:cNvSpPr/>
-          <p:nvPr/>
-        </p:nvSpPr>
-        <p:spPr>
-          <a:xfrm>
-            <a:off x="10523691" y="374349"/>
-            <a:ext cx="1329795" cy="798653"/>
-          </a:xfrm>
-          <a:prstGeom prst="roundRect">
-            <a:avLst/>
-          </a:prstGeom>
-          <a:solidFill>
-            <a:schemeClr val="accent2">
-              <a:lumMod val="75000"/>
-            </a:schemeClr>
-          </a:solidFill>
-        </p:spPr>
-        <p:style>
-          <a:lnRef idx="0">
-            <a:schemeClr val="accent5"/>
-          </a:lnRef>
-          <a:fillRef idx="3">
-            <a:schemeClr val="accent5"/>
-          </a:fillRef>
-          <a:effectRef idx="3">
-            <a:schemeClr val="accent5"/>
-          </a:effectRef>
-          <a:fontRef idx="minor">
-            <a:schemeClr val="lt1"/>
-          </a:fontRef>
-        </p:style>
-        <p:txBody>
-          <a:bodyPr rtlCol="0" anchor="ctr"/>
-          <a:lstStyle/>
-          <a:p>
-            <a:pPr algn="ctr"/>
-            <a:r>
-              <a:rPr lang="en-US" sz="2667" b="1" dirty="0">
-                <a:solidFill>
-                  <a:schemeClr val="tx1"/>
-                </a:solidFill>
-              </a:rPr>
-              <a:t>???</a:t>
-            </a:r>
-            <a:endParaRPr lang="en-US" sz="2667" dirty="0">
-              <a:solidFill>
-                <a:schemeClr val="tx1"/>
-              </a:solidFill>
-            </a:endParaRPr>
-          </a:p>
-        </p:txBody>
-      </p:sp>
-      <p:sp>
-        <p:nvSpPr>
-          <p:cNvPr id="14" name="Up-Down Arrow 13"/>
-          <p:cNvSpPr/>
-          <p:nvPr/>
-        </p:nvSpPr>
-        <p:spPr>
-          <a:xfrm>
-            <a:off x="4591602" y="1173002"/>
-            <a:ext cx="324092" cy="577448"/>
-          </a:xfrm>
-          <a:prstGeom prst="upDownArrow">
-            <a:avLst/>
-          </a:prstGeom>
-          <a:solidFill>
-            <a:srgbClr val="FF40FF"/>
-          </a:solidFill>
-        </p:spPr>
-        <p:style>
-          <a:lnRef idx="2">
-            <a:schemeClr val="accent1">
-              <a:shade val="50000"/>
-            </a:schemeClr>
-          </a:lnRef>
-          <a:fillRef idx="1">
-            <a:schemeClr val="accent1"/>
-          </a:fillRef>
-          <a:effectRef idx="0">
-            <a:schemeClr val="accent1"/>
-          </a:effectRef>
-          <a:fontRef idx="minor">
-            <a:schemeClr val="lt1"/>
-          </a:fontRef>
-        </p:style>
-        <p:txBody>
-          <a:bodyPr rtlCol="0" anchor="ctr"/>
-          <a:lstStyle/>
-          <a:p>
-            <a:pPr algn="ctr"/>
-            <a:endParaRPr lang="en-US" sz="2400"/>
-          </a:p>
-        </p:txBody>
-      </p:sp>
-      <p:sp>
-        <p:nvSpPr>
-          <p:cNvPr id="15" name="Up-Down Arrow 14"/>
-          <p:cNvSpPr/>
-          <p:nvPr/>
-        </p:nvSpPr>
-        <p:spPr>
-          <a:xfrm>
-            <a:off x="6315753" y="1173002"/>
-            <a:ext cx="308659" cy="2158679"/>
-          </a:xfrm>
-          <a:prstGeom prst="upDownArrow">
-            <a:avLst/>
-          </a:prstGeom>
-          <a:solidFill>
-            <a:srgbClr val="FF40FF"/>
-          </a:solidFill>
-        </p:spPr>
-        <p:style>
-          <a:lnRef idx="2">
-            <a:schemeClr val="accent1">
-              <a:shade val="50000"/>
-            </a:schemeClr>
-          </a:lnRef>
-          <a:fillRef idx="1">
-            <a:schemeClr val="accent1"/>
-          </a:fillRef>
-          <a:effectRef idx="0">
-            <a:schemeClr val="accent1"/>
-          </a:effectRef>
-          <a:fontRef idx="minor">
-            <a:schemeClr val="lt1"/>
-          </a:fontRef>
-        </p:style>
-        <p:txBody>
-          <a:bodyPr rtlCol="0" anchor="ctr"/>
-          <a:lstStyle/>
-          <a:p>
-            <a:pPr algn="ctr"/>
-            <a:endParaRPr lang="en-US" sz="2400"/>
-          </a:p>
-        </p:txBody>
-      </p:sp>
-      <p:sp>
-        <p:nvSpPr>
-          <p:cNvPr id="16" name="Up-Down Arrow 15"/>
-          <p:cNvSpPr/>
-          <p:nvPr/>
-        </p:nvSpPr>
-        <p:spPr>
-          <a:xfrm>
-            <a:off x="8436398" y="1186475"/>
-            <a:ext cx="308659" cy="2158679"/>
-          </a:xfrm>
-          <a:prstGeom prst="upDownArrow">
-            <a:avLst/>
-          </a:prstGeom>
-          <a:solidFill>
-            <a:srgbClr val="FF40FF"/>
-          </a:solidFill>
-        </p:spPr>
-        <p:style>
-          <a:lnRef idx="2">
-            <a:schemeClr val="accent1">
-              <a:shade val="50000"/>
-            </a:schemeClr>
-          </a:lnRef>
-          <a:fillRef idx="1">
-            <a:schemeClr val="accent1"/>
-          </a:fillRef>
-          <a:effectRef idx="0">
-            <a:schemeClr val="accent1"/>
-          </a:effectRef>
-          <a:fontRef idx="minor">
-            <a:schemeClr val="lt1"/>
-          </a:fontRef>
-        </p:style>
-        <p:txBody>
-          <a:bodyPr rtlCol="0" anchor="ctr"/>
-          <a:lstStyle/>
-          <a:p>
-            <a:pPr algn="ctr"/>
-            <a:endParaRPr lang="en-US" sz="2400"/>
-          </a:p>
-        </p:txBody>
-      </p:sp>
-      <p:sp>
-        <p:nvSpPr>
-          <p:cNvPr id="17" name="Up-Down Arrow 16"/>
-          <p:cNvSpPr/>
-          <p:nvPr/>
-        </p:nvSpPr>
-        <p:spPr>
-          <a:xfrm>
-            <a:off x="11088277" y="1189749"/>
-            <a:ext cx="311223" cy="3750109"/>
-          </a:xfrm>
-          <a:prstGeom prst="upDownArrow">
-            <a:avLst/>
-          </a:prstGeom>
-          <a:solidFill>
-            <a:srgbClr val="FF40FF"/>
-          </a:solidFill>
-        </p:spPr>
-        <p:style>
-          <a:lnRef idx="2">
-            <a:schemeClr val="accent1">
-              <a:shade val="50000"/>
-            </a:schemeClr>
-          </a:lnRef>
-          <a:fillRef idx="1">
-            <a:schemeClr val="accent1"/>
-          </a:fillRef>
-          <a:effectRef idx="0">
-            <a:schemeClr val="accent1"/>
-          </a:effectRef>
-          <a:fontRef idx="minor">
-            <a:schemeClr val="lt1"/>
-          </a:fontRef>
-        </p:style>
-        <p:txBody>
-          <a:bodyPr rtlCol="0" anchor="ctr"/>
-          <a:lstStyle/>
-          <a:p>
-            <a:pPr algn="ctr"/>
-            <a:endParaRPr lang="en-US" sz="2400"/>
-          </a:p>
-        </p:txBody>
-      </p:sp>
-      <p:sp>
-        <p:nvSpPr>
-          <p:cNvPr id="2" name="TextBox 1"/>
-          <p:cNvSpPr txBox="1"/>
-          <p:nvPr/>
-        </p:nvSpPr>
-        <p:spPr>
-          <a:xfrm>
-            <a:off x="165961" y="1965739"/>
-            <a:ext cx="2663165" cy="1077218"/>
-          </a:xfrm>
-          <a:prstGeom prst="rect">
-            <a:avLst/>
-          </a:prstGeom>
-          <a:noFill/>
-        </p:spPr>
-        <p:txBody>
-          <a:bodyPr wrap="none" rtlCol="0">
-            <a:spAutoFit/>
-          </a:bodyPr>
-          <a:lstStyle/>
-          <a:p>
-            <a:r>
-              <a:rPr lang="en-US" sz="3200" dirty="0" smtClean="0"/>
-              <a:t>\</a:t>
-            </a:r>
-            <a:r>
-              <a:rPr lang="en-US" sz="3200" dirty="0" err="1" smtClean="0"/>
-              <a:t>Tsugi</a:t>
-            </a:r>
-            <a:r>
-              <a:rPr lang="en-US" sz="3200" dirty="0" smtClean="0"/>
-              <a:t>\UI</a:t>
-            </a:r>
-          </a:p>
-          <a:p>
-            <a:r>
-              <a:rPr lang="en-US" sz="3200" dirty="0" smtClean="0"/>
-              <a:t>\</a:t>
-            </a:r>
-            <a:r>
-              <a:rPr lang="en-US" sz="3200" dirty="0" err="1" smtClean="0"/>
-              <a:t>Tsugi</a:t>
-            </a:r>
-            <a:r>
-              <a:rPr lang="en-US" sz="3200" dirty="0" smtClean="0"/>
-              <a:t>\Settings</a:t>
-            </a:r>
-            <a:endParaRPr lang="en-US" sz="3200" dirty="0"/>
-          </a:p>
-        </p:txBody>
-      </p:sp>
-      <p:sp>
-        <p:nvSpPr>
-          <p:cNvPr id="19" name="TextBox 18"/>
-          <p:cNvSpPr txBox="1"/>
-          <p:nvPr/>
-        </p:nvSpPr>
-        <p:spPr>
-          <a:xfrm>
-            <a:off x="242756" y="3839358"/>
-            <a:ext cx="2114233" cy="584775"/>
-          </a:xfrm>
-          <a:prstGeom prst="rect">
-            <a:avLst/>
-          </a:prstGeom>
-          <a:noFill/>
-        </p:spPr>
-        <p:txBody>
-          <a:bodyPr wrap="none" rtlCol="0">
-            <a:spAutoFit/>
-          </a:bodyPr>
-          <a:lstStyle/>
-          <a:p>
-            <a:r>
-              <a:rPr lang="en-US" sz="3200" dirty="0" smtClean="0"/>
-              <a:t>\</a:t>
-            </a:r>
-            <a:r>
-              <a:rPr lang="en-US" sz="3200" dirty="0" err="1" smtClean="0"/>
-              <a:t>Tsugi</a:t>
-            </a:r>
-            <a:r>
-              <a:rPr lang="en-US" sz="3200" dirty="0" smtClean="0"/>
-              <a:t>\Core</a:t>
-            </a:r>
-            <a:endParaRPr lang="en-US" sz="3200" dirty="0"/>
-          </a:p>
-        </p:txBody>
-      </p:sp>
-      <p:sp>
-        <p:nvSpPr>
-          <p:cNvPr id="20" name="TextBox 19"/>
-          <p:cNvSpPr txBox="1"/>
-          <p:nvPr/>
-        </p:nvSpPr>
-        <p:spPr>
-          <a:xfrm>
-            <a:off x="336275" y="5293723"/>
-            <a:ext cx="1927194" cy="584775"/>
-          </a:xfrm>
-          <a:prstGeom prst="rect">
-            <a:avLst/>
-          </a:prstGeom>
-          <a:noFill/>
-        </p:spPr>
-        <p:txBody>
-          <a:bodyPr wrap="none" rtlCol="0">
-            <a:spAutoFit/>
-          </a:bodyPr>
-          <a:lstStyle/>
-          <a:p>
-            <a:r>
-              <a:rPr lang="en-US" sz="3200" dirty="0" smtClean="0"/>
-              <a:t>\</a:t>
-            </a:r>
-            <a:r>
-              <a:rPr lang="en-US" sz="3200" dirty="0" err="1" smtClean="0"/>
-              <a:t>Tsugi</a:t>
-            </a:r>
-            <a:r>
-              <a:rPr lang="en-US" sz="3200" dirty="0" smtClean="0"/>
-              <a:t>\</a:t>
-            </a:r>
-            <a:r>
-              <a:rPr lang="en-US" sz="3200" dirty="0" err="1" smtClean="0"/>
-              <a:t>Util</a:t>
-            </a:r>
-            <a:endParaRPr lang="en-US" sz="3200" dirty="0"/>
+            <a:r>
+              <a:rPr lang="en-US" dirty="0" smtClean="0"/>
+              <a:t> and GDPR</a:t>
+            </a:r>
+            <a:endParaRPr lang="en-US" dirty="0"/>
+          </a:p>
+        </p:txBody>
+      </p:sp>
+      <p:sp>
+        <p:nvSpPr>
+          <p:cNvPr id="3" name="Content Placeholder 2"/>
+          <p:cNvSpPr>
+            <a:spLocks noGrp="1"/>
+          </p:cNvSpPr>
+          <p:nvPr>
+            <p:ph idx="1"/>
+          </p:nvPr>
+        </p:nvSpPr>
+        <p:spPr/>
+        <p:txBody>
+          <a:bodyPr/>
+          <a:lstStyle/>
+          <a:p>
+            <a:r>
+              <a:rPr lang="en-US" dirty="0" smtClean="0"/>
+              <a:t>Dr. Chuck rants about privacy for educational data for a while</a:t>
+            </a:r>
+            <a:r>
+              <a:rPr lang="is-IS" dirty="0" smtClean="0"/>
+              <a:t>…</a:t>
+            </a:r>
+          </a:p>
+          <a:p>
+            <a:pPr lvl="1"/>
+            <a:r>
+              <a:rPr lang="is-IS" dirty="0" smtClean="0"/>
+              <a:t>The end of Raiders of the Lost Ark</a:t>
+            </a:r>
+            <a:endParaRPr lang="en-US" dirty="0" smtClean="0"/>
+          </a:p>
+          <a:p>
+            <a:r>
+              <a:rPr lang="en-US" dirty="0" smtClean="0"/>
+              <a:t>Data models / APIs don't break when Name / Email is not provided</a:t>
+            </a:r>
+          </a:p>
+          <a:p>
+            <a:r>
+              <a:rPr lang="en-US" dirty="0" smtClean="0"/>
+              <a:t>Data models support "Cached PII"</a:t>
+            </a:r>
+          </a:p>
+          <a:p>
+            <a:r>
+              <a:rPr lang="en-US" dirty="0" smtClean="0"/>
+              <a:t>Data models to support timed data expiry</a:t>
+            </a:r>
+          </a:p>
+          <a:p>
+            <a:r>
+              <a:rPr lang="en-US" dirty="0" smtClean="0"/>
+              <a:t>UI will support custom expiry for</a:t>
+            </a:r>
+          </a:p>
+          <a:p>
+            <a:pPr lvl="1"/>
+            <a:r>
+              <a:rPr lang="en-US" dirty="0" smtClean="0"/>
+              <a:t>Keys (</a:t>
+            </a:r>
+            <a:r>
+              <a:rPr lang="en-US" dirty="0" err="1" smtClean="0"/>
+              <a:t>Tennants</a:t>
+            </a:r>
+            <a:r>
+              <a:rPr lang="en-US" dirty="0" smtClean="0"/>
+              <a:t>) / Courses (Instructors) / Users (Students)</a:t>
+            </a:r>
+            <a:endParaRPr lang="en-US" dirty="0"/>
           </a:p>
         </p:txBody>
       </p:sp>
     </p:spTree>
     <p:extLst>
       <p:ext uri="{BB962C8B-B14F-4D97-AF65-F5344CB8AC3E}">
-        <p14:creationId xmlns:p14="http://schemas.microsoft.com/office/powerpoint/2010/main" val="237875859"/>
+        <p14:creationId xmlns:p14="http://schemas.microsoft.com/office/powerpoint/2010/main" val="257633932"/>
       </p:ext>
     </p:extLst>
   </p:cSld>
   <p:clrMapOvr>
     <a:masterClrMapping/>
   </p:clrMapOvr>
-  <p:timing>
-    <p:tnLst>
-      <p:par>
-        <p:cTn id="1" dur="indefinite" restart="never" nodeType="tmRoot"/>
-      </p:par>
-    </p:tnLst>
-  </p:timing>
 </p:sld>
 </file>
 
@@ -7040,87 +7781,731 @@
       </p:grpSpPr>
       <p:sp>
         <p:nvSpPr>
-          <p:cNvPr id="4" name="Rectangle 3"/>
+          <p:cNvPr id="6" name="Rounded Rectangle 5"/>
           <p:cNvSpPr/>
           <p:nvPr/>
         </p:nvSpPr>
         <p:spPr>
           <a:xfrm>
-            <a:off x="488615" y="6249187"/>
-            <a:ext cx="9585381" cy="502766"/>
+            <a:off x="3295241" y="4939858"/>
+            <a:ext cx="8558246" cy="1292507"/>
+          </a:xfrm>
+          <a:prstGeom prst="roundRect">
+            <a:avLst/>
+          </a:prstGeom>
+        </p:spPr>
+        <p:style>
+          <a:lnRef idx="0">
+            <a:schemeClr val="accent5"/>
+          </a:lnRef>
+          <a:fillRef idx="3">
+            <a:schemeClr val="accent5"/>
+          </a:fillRef>
+          <a:effectRef idx="3">
+            <a:schemeClr val="accent5"/>
+          </a:effectRef>
+          <a:fontRef idx="minor">
+            <a:schemeClr val="lt1"/>
+          </a:fontRef>
+        </p:style>
+        <p:txBody>
+          <a:bodyPr rtlCol="0" anchor="ctr"/>
+          <a:lstStyle/>
+          <a:p>
+            <a:pPr algn="ctr"/>
+            <a:r>
+              <a:rPr lang="en-US" sz="2667" b="1" dirty="0">
+                <a:solidFill>
+                  <a:schemeClr val="tx1"/>
+                </a:solidFill>
+              </a:rPr>
+              <a:t>Utility APIs</a:t>
+            </a:r>
+          </a:p>
+          <a:p>
+            <a:pPr algn="ctr"/>
+            <a:r>
+              <a:rPr lang="en-US" sz="2667" dirty="0">
+                <a:solidFill>
+                  <a:schemeClr val="tx1"/>
+                </a:solidFill>
+              </a:rPr>
+              <a:t>Implement Standards</a:t>
+            </a:r>
+          </a:p>
+          <a:p>
+            <a:pPr algn="ctr"/>
+            <a:r>
+              <a:rPr lang="en-US" sz="2667" dirty="0">
+                <a:solidFill>
+                  <a:schemeClr val="tx1"/>
+                </a:solidFill>
+              </a:rPr>
+              <a:t>Portable / </a:t>
+            </a:r>
+            <a:r>
+              <a:rPr lang="en-US" sz="2667" dirty="0" smtClean="0">
+                <a:solidFill>
+                  <a:schemeClr val="tx1"/>
+                </a:solidFill>
+              </a:rPr>
+              <a:t>Reusable </a:t>
+            </a:r>
+            <a:r>
+              <a:rPr lang="en-US" sz="2667" dirty="0">
+                <a:solidFill>
+                  <a:schemeClr val="tx1"/>
+                </a:solidFill>
+              </a:rPr>
+              <a:t>outside </a:t>
+            </a:r>
+            <a:r>
+              <a:rPr lang="en-US" sz="2667" dirty="0" err="1">
+                <a:solidFill>
+                  <a:schemeClr val="tx1"/>
+                </a:solidFill>
+              </a:rPr>
+              <a:t>Tsugi</a:t>
+            </a:r>
+            <a:endParaRPr lang="en-US" sz="2667" dirty="0">
+              <a:solidFill>
+                <a:schemeClr val="tx1"/>
+              </a:solidFill>
+            </a:endParaRPr>
+          </a:p>
+        </p:txBody>
+      </p:sp>
+      <p:sp>
+        <p:nvSpPr>
+          <p:cNvPr id="7" name="Rounded Rectangle 6"/>
+          <p:cNvSpPr/>
+          <p:nvPr/>
+        </p:nvSpPr>
+        <p:spPr>
+          <a:xfrm>
+            <a:off x="3295239" y="3345154"/>
+            <a:ext cx="6613256" cy="1292507"/>
+          </a:xfrm>
+          <a:prstGeom prst="roundRect">
+            <a:avLst/>
+          </a:prstGeom>
+        </p:spPr>
+        <p:style>
+          <a:lnRef idx="0">
+            <a:schemeClr val="accent5"/>
+          </a:lnRef>
+          <a:fillRef idx="3">
+            <a:schemeClr val="accent5"/>
+          </a:fillRef>
+          <a:effectRef idx="3">
+            <a:schemeClr val="accent5"/>
+          </a:effectRef>
+          <a:fontRef idx="minor">
+            <a:schemeClr val="lt1"/>
+          </a:fontRef>
+        </p:style>
+        <p:txBody>
+          <a:bodyPr rtlCol="0" anchor="ctr"/>
+          <a:lstStyle/>
+          <a:p>
+            <a:pPr algn="ctr"/>
+            <a:r>
+              <a:rPr lang="en-US" sz="2667" b="1" dirty="0">
+                <a:solidFill>
+                  <a:schemeClr val="tx1"/>
+                </a:solidFill>
+              </a:rPr>
+              <a:t>Opinionated APIs</a:t>
+            </a:r>
+          </a:p>
+          <a:p>
+            <a:pPr algn="ctr"/>
+            <a:r>
+              <a:rPr lang="en-US" sz="2667" dirty="0">
+                <a:solidFill>
+                  <a:schemeClr val="tx1"/>
+                </a:solidFill>
+              </a:rPr>
+              <a:t>Convention / Database Model / Session</a:t>
+            </a:r>
+          </a:p>
+          <a:p>
+            <a:pPr algn="ctr"/>
+            <a:r>
+              <a:rPr lang="en-US" sz="2667" dirty="0">
+                <a:solidFill>
+                  <a:schemeClr val="tx1"/>
+                </a:solidFill>
+              </a:rPr>
+              <a:t>Easy for App Developer to Use</a:t>
+            </a:r>
+          </a:p>
+        </p:txBody>
+      </p:sp>
+      <p:sp>
+        <p:nvSpPr>
+          <p:cNvPr id="9" name="Rounded Rectangle 8"/>
+          <p:cNvSpPr/>
+          <p:nvPr/>
+        </p:nvSpPr>
+        <p:spPr>
+          <a:xfrm>
+            <a:off x="3295239" y="1750450"/>
+            <a:ext cx="2824221" cy="1292507"/>
+          </a:xfrm>
+          <a:prstGeom prst="roundRect">
+            <a:avLst/>
+          </a:prstGeom>
+        </p:spPr>
+        <p:style>
+          <a:lnRef idx="0">
+            <a:schemeClr val="accent5"/>
+          </a:lnRef>
+          <a:fillRef idx="3">
+            <a:schemeClr val="accent5"/>
+          </a:fillRef>
+          <a:effectRef idx="3">
+            <a:schemeClr val="accent5"/>
+          </a:effectRef>
+          <a:fontRef idx="minor">
+            <a:schemeClr val="lt1"/>
+          </a:fontRef>
+        </p:style>
+        <p:txBody>
+          <a:bodyPr rtlCol="0" anchor="ctr"/>
+          <a:lstStyle/>
+          <a:p>
+            <a:pPr algn="ctr"/>
+            <a:r>
+              <a:rPr lang="en-US" sz="2667" b="1" dirty="0">
+                <a:solidFill>
+                  <a:schemeClr val="tx1"/>
+                </a:solidFill>
+              </a:rPr>
+              <a:t>UI/UX APIs</a:t>
+            </a:r>
+          </a:p>
+          <a:p>
+            <a:pPr algn="ctr"/>
+            <a:r>
+              <a:rPr lang="en-US" sz="2667" dirty="0">
+                <a:solidFill>
+                  <a:schemeClr val="tx1"/>
+                </a:solidFill>
+              </a:rPr>
+              <a:t>Look / Feel</a:t>
+            </a:r>
+          </a:p>
+          <a:p>
+            <a:pPr algn="ctr"/>
+            <a:r>
+              <a:rPr lang="en-US" sz="2667" dirty="0">
+                <a:solidFill>
+                  <a:schemeClr val="tx1"/>
+                </a:solidFill>
+              </a:rPr>
+              <a:t>UI Widgets</a:t>
+            </a:r>
+          </a:p>
+        </p:txBody>
+      </p:sp>
+      <p:sp>
+        <p:nvSpPr>
+          <p:cNvPr id="10" name="Rounded Rectangle 9"/>
+          <p:cNvSpPr/>
+          <p:nvPr/>
+        </p:nvSpPr>
+        <p:spPr>
+          <a:xfrm>
+            <a:off x="3394269" y="374349"/>
+            <a:ext cx="3396524" cy="798653"/>
+          </a:xfrm>
+          <a:prstGeom prst="roundRect">
+            <a:avLst/>
+          </a:prstGeom>
+          <a:solidFill>
+            <a:schemeClr val="accent2">
+              <a:lumMod val="75000"/>
+            </a:schemeClr>
+          </a:solidFill>
+        </p:spPr>
+        <p:style>
+          <a:lnRef idx="0">
+            <a:schemeClr val="accent5"/>
+          </a:lnRef>
+          <a:fillRef idx="3">
+            <a:schemeClr val="accent5"/>
+          </a:fillRef>
+          <a:effectRef idx="3">
+            <a:schemeClr val="accent5"/>
+          </a:effectRef>
+          <a:fontRef idx="minor">
+            <a:schemeClr val="lt1"/>
+          </a:fontRef>
+        </p:style>
+        <p:txBody>
+          <a:bodyPr rtlCol="0" anchor="ctr"/>
+          <a:lstStyle/>
+          <a:p>
+            <a:pPr algn="ctr"/>
+            <a:r>
+              <a:rPr lang="en-US" sz="2667" b="1" dirty="0" err="1">
+                <a:solidFill>
+                  <a:schemeClr val="tx1"/>
+                </a:solidFill>
+              </a:rPr>
+              <a:t>Tsugi</a:t>
+            </a:r>
+            <a:r>
+              <a:rPr lang="en-US" sz="2667" b="1" dirty="0">
+                <a:solidFill>
+                  <a:schemeClr val="tx1"/>
+                </a:solidFill>
+              </a:rPr>
+              <a:t> </a:t>
+            </a:r>
+            <a:r>
+              <a:rPr lang="en-US" sz="2667" b="1" dirty="0" smtClean="0">
+                <a:solidFill>
+                  <a:schemeClr val="tx1"/>
+                </a:solidFill>
+              </a:rPr>
+              <a:t>Tool</a:t>
+            </a:r>
+            <a:endParaRPr lang="en-US" sz="2667" dirty="0">
+              <a:solidFill>
+                <a:schemeClr val="tx1"/>
+              </a:solidFill>
+            </a:endParaRPr>
+          </a:p>
+        </p:txBody>
+      </p:sp>
+      <p:sp>
+        <p:nvSpPr>
+          <p:cNvPr id="11" name="Rounded Rectangle 10"/>
+          <p:cNvSpPr/>
+          <p:nvPr/>
+        </p:nvSpPr>
+        <p:spPr>
+          <a:xfrm>
+            <a:off x="7200481" y="374349"/>
+            <a:ext cx="2965688" cy="798653"/>
+          </a:xfrm>
+          <a:prstGeom prst="roundRect">
+            <a:avLst/>
+          </a:prstGeom>
+          <a:solidFill>
+            <a:schemeClr val="accent2">
+              <a:lumMod val="75000"/>
+            </a:schemeClr>
+          </a:solidFill>
+        </p:spPr>
+        <p:style>
+          <a:lnRef idx="0">
+            <a:schemeClr val="accent5"/>
+          </a:lnRef>
+          <a:fillRef idx="3">
+            <a:schemeClr val="accent5"/>
+          </a:fillRef>
+          <a:effectRef idx="3">
+            <a:schemeClr val="accent5"/>
+          </a:effectRef>
+          <a:fontRef idx="minor">
+            <a:schemeClr val="lt1"/>
+          </a:fontRef>
+        </p:style>
+        <p:txBody>
+          <a:bodyPr rtlCol="0" anchor="ctr"/>
+          <a:lstStyle/>
+          <a:p>
+            <a:pPr algn="ctr"/>
+            <a:r>
+              <a:rPr lang="en-US" sz="2667" b="1" dirty="0" err="1">
+                <a:solidFill>
+                  <a:schemeClr val="tx1"/>
+                </a:solidFill>
+              </a:rPr>
+              <a:t>Tsugi</a:t>
+            </a:r>
+            <a:r>
+              <a:rPr lang="en-US" sz="2667" b="1" dirty="0">
+                <a:solidFill>
+                  <a:schemeClr val="tx1"/>
+                </a:solidFill>
+              </a:rPr>
+              <a:t> App</a:t>
+            </a:r>
+            <a:endParaRPr lang="en-US" sz="2667" dirty="0">
+              <a:solidFill>
+                <a:schemeClr val="tx1"/>
+              </a:solidFill>
+            </a:endParaRPr>
+          </a:p>
+        </p:txBody>
+      </p:sp>
+      <p:sp>
+        <p:nvSpPr>
+          <p:cNvPr id="13" name="Rounded Rectangle 12"/>
+          <p:cNvSpPr/>
+          <p:nvPr/>
+        </p:nvSpPr>
+        <p:spPr>
+          <a:xfrm>
+            <a:off x="10523691" y="374349"/>
+            <a:ext cx="1329795" cy="798653"/>
+          </a:xfrm>
+          <a:prstGeom prst="roundRect">
+            <a:avLst/>
+          </a:prstGeom>
+          <a:solidFill>
+            <a:schemeClr val="accent2">
+              <a:lumMod val="75000"/>
+            </a:schemeClr>
+          </a:solidFill>
+        </p:spPr>
+        <p:style>
+          <a:lnRef idx="0">
+            <a:schemeClr val="accent5"/>
+          </a:lnRef>
+          <a:fillRef idx="3">
+            <a:schemeClr val="accent5"/>
+          </a:fillRef>
+          <a:effectRef idx="3">
+            <a:schemeClr val="accent5"/>
+          </a:effectRef>
+          <a:fontRef idx="minor">
+            <a:schemeClr val="lt1"/>
+          </a:fontRef>
+        </p:style>
+        <p:txBody>
+          <a:bodyPr rtlCol="0" anchor="ctr"/>
+          <a:lstStyle/>
+          <a:p>
+            <a:pPr algn="ctr"/>
+            <a:r>
+              <a:rPr lang="en-US" sz="2667" b="1" dirty="0">
+                <a:solidFill>
+                  <a:schemeClr val="tx1"/>
+                </a:solidFill>
+              </a:rPr>
+              <a:t>???</a:t>
+            </a:r>
+            <a:endParaRPr lang="en-US" sz="2667" dirty="0">
+              <a:solidFill>
+                <a:schemeClr val="tx1"/>
+              </a:solidFill>
+            </a:endParaRPr>
+          </a:p>
+        </p:txBody>
+      </p:sp>
+      <p:sp>
+        <p:nvSpPr>
+          <p:cNvPr id="14" name="Up-Down Arrow 13"/>
+          <p:cNvSpPr/>
+          <p:nvPr/>
+        </p:nvSpPr>
+        <p:spPr>
+          <a:xfrm>
+            <a:off x="4591602" y="1173002"/>
+            <a:ext cx="324092" cy="577448"/>
+          </a:xfrm>
+          <a:prstGeom prst="upDownArrow">
+            <a:avLst/>
+          </a:prstGeom>
+          <a:solidFill>
+            <a:srgbClr val="FF40FF"/>
+          </a:solidFill>
+        </p:spPr>
+        <p:style>
+          <a:lnRef idx="2">
+            <a:schemeClr val="accent1">
+              <a:shade val="50000"/>
+            </a:schemeClr>
+          </a:lnRef>
+          <a:fillRef idx="1">
+            <a:schemeClr val="accent1"/>
+          </a:fillRef>
+          <a:effectRef idx="0">
+            <a:schemeClr val="accent1"/>
+          </a:effectRef>
+          <a:fontRef idx="minor">
+            <a:schemeClr val="lt1"/>
+          </a:fontRef>
+        </p:style>
+        <p:txBody>
+          <a:bodyPr rtlCol="0" anchor="ctr"/>
+          <a:lstStyle/>
+          <a:p>
+            <a:pPr algn="ctr"/>
+            <a:endParaRPr lang="en-US" sz="2400"/>
+          </a:p>
+        </p:txBody>
+      </p:sp>
+      <p:sp>
+        <p:nvSpPr>
+          <p:cNvPr id="15" name="Up-Down Arrow 14"/>
+          <p:cNvSpPr/>
+          <p:nvPr/>
+        </p:nvSpPr>
+        <p:spPr>
+          <a:xfrm>
+            <a:off x="6315753" y="1173002"/>
+            <a:ext cx="308659" cy="2158679"/>
+          </a:xfrm>
+          <a:prstGeom prst="upDownArrow">
+            <a:avLst/>
+          </a:prstGeom>
+          <a:solidFill>
+            <a:srgbClr val="FF40FF"/>
+          </a:solidFill>
+        </p:spPr>
+        <p:style>
+          <a:lnRef idx="2">
+            <a:schemeClr val="accent1">
+              <a:shade val="50000"/>
+            </a:schemeClr>
+          </a:lnRef>
+          <a:fillRef idx="1">
+            <a:schemeClr val="accent1"/>
+          </a:fillRef>
+          <a:effectRef idx="0">
+            <a:schemeClr val="accent1"/>
+          </a:effectRef>
+          <a:fontRef idx="minor">
+            <a:schemeClr val="lt1"/>
+          </a:fontRef>
+        </p:style>
+        <p:txBody>
+          <a:bodyPr rtlCol="0" anchor="ctr"/>
+          <a:lstStyle/>
+          <a:p>
+            <a:pPr algn="ctr"/>
+            <a:endParaRPr lang="en-US" sz="2400"/>
+          </a:p>
+        </p:txBody>
+      </p:sp>
+      <p:sp>
+        <p:nvSpPr>
+          <p:cNvPr id="16" name="Up-Down Arrow 15"/>
+          <p:cNvSpPr/>
+          <p:nvPr/>
+        </p:nvSpPr>
+        <p:spPr>
+          <a:xfrm>
+            <a:off x="8436398" y="1186475"/>
+            <a:ext cx="308659" cy="2158679"/>
+          </a:xfrm>
+          <a:prstGeom prst="upDownArrow">
+            <a:avLst/>
+          </a:prstGeom>
+          <a:solidFill>
+            <a:srgbClr val="FF40FF"/>
+          </a:solidFill>
+        </p:spPr>
+        <p:style>
+          <a:lnRef idx="2">
+            <a:schemeClr val="accent1">
+              <a:shade val="50000"/>
+            </a:schemeClr>
+          </a:lnRef>
+          <a:fillRef idx="1">
+            <a:schemeClr val="accent1"/>
+          </a:fillRef>
+          <a:effectRef idx="0">
+            <a:schemeClr val="accent1"/>
+          </a:effectRef>
+          <a:fontRef idx="minor">
+            <a:schemeClr val="lt1"/>
+          </a:fontRef>
+        </p:style>
+        <p:txBody>
+          <a:bodyPr rtlCol="0" anchor="ctr"/>
+          <a:lstStyle/>
+          <a:p>
+            <a:pPr algn="ctr"/>
+            <a:endParaRPr lang="en-US" sz="2400"/>
+          </a:p>
+        </p:txBody>
+      </p:sp>
+      <p:sp>
+        <p:nvSpPr>
+          <p:cNvPr id="17" name="Up-Down Arrow 16"/>
+          <p:cNvSpPr/>
+          <p:nvPr/>
+        </p:nvSpPr>
+        <p:spPr>
+          <a:xfrm>
+            <a:off x="11088277" y="1189749"/>
+            <a:ext cx="311223" cy="3750109"/>
+          </a:xfrm>
+          <a:prstGeom prst="upDownArrow">
+            <a:avLst/>
+          </a:prstGeom>
+          <a:solidFill>
+            <a:srgbClr val="FF40FF"/>
+          </a:solidFill>
+        </p:spPr>
+        <p:style>
+          <a:lnRef idx="2">
+            <a:schemeClr val="accent1">
+              <a:shade val="50000"/>
+            </a:schemeClr>
+          </a:lnRef>
+          <a:fillRef idx="1">
+            <a:schemeClr val="accent1"/>
+          </a:fillRef>
+          <a:effectRef idx="0">
+            <a:schemeClr val="accent1"/>
+          </a:effectRef>
+          <a:fontRef idx="minor">
+            <a:schemeClr val="lt1"/>
+          </a:fontRef>
+        </p:style>
+        <p:txBody>
+          <a:bodyPr rtlCol="0" anchor="ctr"/>
+          <a:lstStyle/>
+          <a:p>
+            <a:pPr algn="ctr"/>
+            <a:endParaRPr lang="en-US" sz="2400"/>
+          </a:p>
+        </p:txBody>
+      </p:sp>
+      <p:sp>
+        <p:nvSpPr>
+          <p:cNvPr id="2" name="TextBox 1"/>
+          <p:cNvSpPr txBox="1"/>
+          <p:nvPr/>
+        </p:nvSpPr>
+        <p:spPr>
+          <a:xfrm>
+            <a:off x="165961" y="1965739"/>
+            <a:ext cx="2663165" cy="1077218"/>
           </a:xfrm>
           <a:prstGeom prst="rect">
             <a:avLst/>
           </a:prstGeom>
-        </p:spPr>
-        <p:txBody>
-          <a:bodyPr wrap="none">
+          <a:noFill/>
+        </p:spPr>
+        <p:txBody>
+          <a:bodyPr wrap="none" rtlCol="0">
             <a:spAutoFit/>
           </a:bodyPr>
           <a:lstStyle/>
           <a:p>
             <a:r>
-              <a:rPr lang="en-US" sz="2667" dirty="0"/>
-              <a:t>http://do1.dr-chuck.com/</a:t>
-            </a:r>
-            <a:r>
-              <a:rPr lang="en-US" sz="2667" dirty="0" err="1"/>
-              <a:t>tsugi</a:t>
-            </a:r>
-            <a:r>
-              <a:rPr lang="en-US" sz="2667" dirty="0"/>
-              <a:t>/</a:t>
-            </a:r>
-            <a:r>
-              <a:rPr lang="en-US" sz="2667" dirty="0" err="1"/>
-              <a:t>phpdoc</a:t>
-            </a:r>
-            <a:r>
-              <a:rPr lang="en-US" sz="2667" dirty="0"/>
-              <a:t>/classes/</a:t>
-            </a:r>
-            <a:r>
-              <a:rPr lang="en-US" sz="2667" dirty="0" err="1"/>
-              <a:t>Tsugi.Core.LTIX.html</a:t>
-            </a:r>
-            <a:endParaRPr lang="en-US" sz="2667" dirty="0"/>
-          </a:p>
-        </p:txBody>
-      </p:sp>
-      <p:pic>
-        <p:nvPicPr>
-          <p:cNvPr id="5" name="Picture 4" descr="Untitled.png"/>
-          <p:cNvPicPr>
-            <a:picLocks noChangeAspect="1"/>
-          </p:cNvPicPr>
+              <a:rPr lang="en-US" sz="3200" dirty="0" smtClean="0"/>
+              <a:t>\</a:t>
+            </a:r>
+            <a:r>
+              <a:rPr lang="en-US" sz="3200" dirty="0" err="1" smtClean="0"/>
+              <a:t>Tsugi</a:t>
+            </a:r>
+            <a:r>
+              <a:rPr lang="en-US" sz="3200" dirty="0" smtClean="0"/>
+              <a:t>\UI</a:t>
+            </a:r>
+          </a:p>
+          <a:p>
+            <a:r>
+              <a:rPr lang="en-US" sz="3200" dirty="0" smtClean="0"/>
+              <a:t>\</a:t>
+            </a:r>
+            <a:r>
+              <a:rPr lang="en-US" sz="3200" dirty="0" err="1" smtClean="0"/>
+              <a:t>Tsugi</a:t>
+            </a:r>
+            <a:r>
+              <a:rPr lang="en-US" sz="3200" dirty="0" smtClean="0"/>
+              <a:t>\Settings</a:t>
+            </a:r>
+            <a:endParaRPr lang="en-US" sz="3200" dirty="0"/>
+          </a:p>
+        </p:txBody>
+      </p:sp>
+      <p:sp>
+        <p:nvSpPr>
+          <p:cNvPr id="19" name="TextBox 18"/>
+          <p:cNvSpPr txBox="1"/>
           <p:nvPr/>
-        </p:nvPicPr>
-        <p:blipFill>
-          <a:blip r:embed="rId2">
-            <a:extLst>
-              <a:ext uri="{28A0092B-C50C-407E-A947-70E740481C1C}">
-                <a14:useLocalDpi xmlns:a14="http://schemas.microsoft.com/office/drawing/2010/main" val="0"/>
-              </a:ext>
-            </a:extLst>
-          </a:blip>
-          <a:stretch>
-            <a:fillRect/>
-          </a:stretch>
-        </p:blipFill>
-        <p:spPr>
-          <a:xfrm>
-            <a:off x="841410" y="178276"/>
-            <a:ext cx="9735777" cy="5546713"/>
+        </p:nvSpPr>
+        <p:spPr>
+          <a:xfrm>
+            <a:off x="242756" y="3839358"/>
+            <a:ext cx="2114233" cy="584775"/>
           </a:xfrm>
           <a:prstGeom prst="rect">
             <a:avLst/>
           </a:prstGeom>
-        </p:spPr>
-      </p:pic>
+          <a:noFill/>
+        </p:spPr>
+        <p:txBody>
+          <a:bodyPr wrap="none" rtlCol="0">
+            <a:spAutoFit/>
+          </a:bodyPr>
+          <a:lstStyle/>
+          <a:p>
+            <a:r>
+              <a:rPr lang="en-US" sz="3200" dirty="0" smtClean="0"/>
+              <a:t>\</a:t>
+            </a:r>
+            <a:r>
+              <a:rPr lang="en-US" sz="3200" dirty="0" err="1" smtClean="0"/>
+              <a:t>Tsugi</a:t>
+            </a:r>
+            <a:r>
+              <a:rPr lang="en-US" sz="3200" dirty="0" smtClean="0"/>
+              <a:t>\Core</a:t>
+            </a:r>
+            <a:endParaRPr lang="en-US" sz="3200" dirty="0"/>
+          </a:p>
+        </p:txBody>
+      </p:sp>
+      <p:sp>
+        <p:nvSpPr>
+          <p:cNvPr id="20" name="TextBox 19"/>
+          <p:cNvSpPr txBox="1"/>
+          <p:nvPr/>
+        </p:nvSpPr>
+        <p:spPr>
+          <a:xfrm>
+            <a:off x="336275" y="5293723"/>
+            <a:ext cx="1927194" cy="584775"/>
+          </a:xfrm>
+          <a:prstGeom prst="rect">
+            <a:avLst/>
+          </a:prstGeom>
+          <a:noFill/>
+        </p:spPr>
+        <p:txBody>
+          <a:bodyPr wrap="none" rtlCol="0">
+            <a:spAutoFit/>
+          </a:bodyPr>
+          <a:lstStyle/>
+          <a:p>
+            <a:r>
+              <a:rPr lang="en-US" sz="3200" dirty="0" smtClean="0"/>
+              <a:t>\</a:t>
+            </a:r>
+            <a:r>
+              <a:rPr lang="en-US" sz="3200" dirty="0" err="1" smtClean="0"/>
+              <a:t>Tsugi</a:t>
+            </a:r>
+            <a:r>
+              <a:rPr lang="en-US" sz="3200" dirty="0" smtClean="0"/>
+              <a:t>\</a:t>
+            </a:r>
+            <a:r>
+              <a:rPr lang="en-US" sz="3200" dirty="0" err="1" smtClean="0"/>
+              <a:t>Util</a:t>
+            </a:r>
+            <a:endParaRPr lang="en-US" sz="3200" dirty="0"/>
+          </a:p>
+        </p:txBody>
+      </p:sp>
     </p:spTree>
     <p:extLst>
       <p:ext uri="{BB962C8B-B14F-4D97-AF65-F5344CB8AC3E}">
-        <p14:creationId xmlns:p14="http://schemas.microsoft.com/office/powerpoint/2010/main" val="1878192703"/>
+        <p14:creationId xmlns:p14="http://schemas.microsoft.com/office/powerpoint/2010/main" val="237875859"/>
       </p:ext>
     </p:extLst>
   </p:cSld>
@@ -7154,16 +8539,65 @@
           <a:chExt cx="0" cy="0"/>
         </a:xfrm>
       </p:grpSpPr>
+      <p:sp>
+        <p:nvSpPr>
+          <p:cNvPr id="4" name="Rectangle 3"/>
+          <p:cNvSpPr/>
+          <p:nvPr/>
+        </p:nvSpPr>
+        <p:spPr>
+          <a:xfrm>
+            <a:off x="488615" y="6249187"/>
+            <a:ext cx="9585381" cy="502766"/>
+          </a:xfrm>
+          <a:prstGeom prst="rect">
+            <a:avLst/>
+          </a:prstGeom>
+        </p:spPr>
+        <p:txBody>
+          <a:bodyPr wrap="none">
+            <a:spAutoFit/>
+          </a:bodyPr>
+          <a:lstStyle/>
+          <a:p>
+            <a:r>
+              <a:rPr lang="en-US" sz="2667" dirty="0"/>
+              <a:t>http://do1.dr-chuck.com/</a:t>
+            </a:r>
+            <a:r>
+              <a:rPr lang="en-US" sz="2667" dirty="0" err="1"/>
+              <a:t>tsugi</a:t>
+            </a:r>
+            <a:r>
+              <a:rPr lang="en-US" sz="2667" dirty="0"/>
+              <a:t>/</a:t>
+            </a:r>
+            <a:r>
+              <a:rPr lang="en-US" sz="2667" dirty="0" err="1"/>
+              <a:t>phpdoc</a:t>
+            </a:r>
+            <a:r>
+              <a:rPr lang="en-US" sz="2667" dirty="0"/>
+              <a:t>/classes/</a:t>
+            </a:r>
+            <a:r>
+              <a:rPr lang="en-US" sz="2667" dirty="0" err="1"/>
+              <a:t>Tsugi.Core.LTIX.html</a:t>
+            </a:r>
+            <a:endParaRPr lang="en-US" sz="2667" dirty="0"/>
+          </a:p>
+        </p:txBody>
+      </p:sp>
       <p:pic>
         <p:nvPicPr>
-          <p:cNvPr id="4" name="Picture 3" descr="Untitled 2.png"/>
+          <p:cNvPr id="5" name="Picture 4" descr="Untitled.png"/>
           <p:cNvPicPr>
             <a:picLocks noChangeAspect="1"/>
           </p:cNvPicPr>
           <p:nvPr/>
         </p:nvPicPr>
         <p:blipFill>
-          <a:blip r:embed="rId3">
+          <a:blip r:embed="rId2">
             <a:extLst>
               <a:ext uri="{28A0092B-C50C-407E-A947-70E740481C1C}">
                 <a14:useLocalDpi xmlns:a14="http://schemas.microsoft.com/office/drawing/2010/main" val="0"/>
@@ -7176,375 +8610,18 @@
         </p:blipFill>
         <p:spPr>
           <a:xfrm>
-            <a:off x="1524000" y="873121"/>
-            <a:ext cx="9144000" cy="5319820"/>
+            <a:off x="841410" y="178276"/>
+            <a:ext cx="9735777" cy="5546713"/>
           </a:xfrm>
           <a:prstGeom prst="rect">
             <a:avLst/>
           </a:prstGeom>
         </p:spPr>
       </p:pic>
-      <p:sp>
-        <p:nvSpPr>
-          <p:cNvPr id="5" name="TextBox 4"/>
-          <p:cNvSpPr txBox="1"/>
-          <p:nvPr/>
-        </p:nvSpPr>
-        <p:spPr>
-          <a:xfrm>
-            <a:off x="9144305" y="236689"/>
-            <a:ext cx="763351" cy="461665"/>
-          </a:xfrm>
-          <a:prstGeom prst="rect">
-            <a:avLst/>
-          </a:prstGeom>
-          <a:noFill/>
-        </p:spPr>
-        <p:txBody>
-          <a:bodyPr wrap="none" rtlCol="0">
-            <a:spAutoFit/>
-          </a:bodyPr>
-          <a:lstStyle/>
-          <a:p>
-            <a:r>
-              <a:rPr lang="en-US" sz="2400" dirty="0">
-                <a:solidFill>
-                  <a:srgbClr val="FF00FF"/>
-                </a:solidFill>
-              </a:rPr>
-              <a:t>User</a:t>
-            </a:r>
-          </a:p>
-        </p:txBody>
-      </p:sp>
-      <p:cxnSp>
-        <p:nvCxnSpPr>
-          <p:cNvPr id="8" name="Straight Arrow Connector 7"/>
-          <p:cNvCxnSpPr>
-            <a:stCxn id="5" idx="2"/>
-          </p:cNvCxnSpPr>
-          <p:nvPr/>
-        </p:nvCxnSpPr>
-        <p:spPr>
-          <a:xfrm>
-            <a:off x="9525981" y="698354"/>
-            <a:ext cx="173059" cy="980561"/>
-          </a:xfrm>
-          <a:prstGeom prst="straightConnector1">
-            <a:avLst/>
-          </a:prstGeom>
-          <a:ln>
-            <a:solidFill>
-              <a:srgbClr val="FF00FF"/>
-            </a:solidFill>
-            <a:tailEnd type="arrow"/>
-          </a:ln>
-        </p:spPr>
-        <p:style>
-          <a:lnRef idx="2">
-            <a:schemeClr val="accent1"/>
-          </a:lnRef>
-          <a:fillRef idx="0">
-            <a:schemeClr val="accent1"/>
-          </a:fillRef>
-          <a:effectRef idx="1">
-            <a:schemeClr val="accent1"/>
-          </a:effectRef>
-          <a:fontRef idx="minor">
-            <a:schemeClr val="tx1"/>
-          </a:fontRef>
-        </p:style>
-      </p:cxnSp>
-      <p:sp>
-        <p:nvSpPr>
-          <p:cNvPr id="11" name="TextBox 10"/>
-          <p:cNvSpPr txBox="1"/>
-          <p:nvPr/>
-        </p:nvSpPr>
-        <p:spPr>
-          <a:xfrm>
-            <a:off x="3676365" y="191921"/>
-            <a:ext cx="1033296" cy="461665"/>
-          </a:xfrm>
-          <a:prstGeom prst="rect">
-            <a:avLst/>
-          </a:prstGeom>
-          <a:noFill/>
-        </p:spPr>
-        <p:txBody>
-          <a:bodyPr wrap="none" rtlCol="0">
-            <a:spAutoFit/>
-          </a:bodyPr>
-          <a:lstStyle/>
-          <a:p>
-            <a:r>
-              <a:rPr lang="en-US" sz="2400">
-                <a:solidFill>
-                  <a:srgbClr val="FF00FF"/>
-                </a:solidFill>
-              </a:rPr>
-              <a:t>Tenant</a:t>
-            </a:r>
-            <a:endParaRPr lang="en-US" sz="2400" dirty="0">
-              <a:solidFill>
-                <a:srgbClr val="FF00FF"/>
-              </a:solidFill>
-            </a:endParaRPr>
-          </a:p>
-        </p:txBody>
-      </p:sp>
-      <p:cxnSp>
-        <p:nvCxnSpPr>
-          <p:cNvPr id="12" name="Straight Arrow Connector 11"/>
-          <p:cNvCxnSpPr>
-            <a:stCxn id="11" idx="2"/>
-          </p:cNvCxnSpPr>
-          <p:nvPr/>
-        </p:nvCxnSpPr>
-        <p:spPr>
-          <a:xfrm flipH="1">
-            <a:off x="3924541" y="653586"/>
-            <a:ext cx="268472" cy="631149"/>
-          </a:xfrm>
-          <a:prstGeom prst="straightConnector1">
-            <a:avLst/>
-          </a:prstGeom>
-          <a:ln>
-            <a:solidFill>
-              <a:srgbClr val="FF00FF"/>
-            </a:solidFill>
-            <a:tailEnd type="arrow"/>
-          </a:ln>
-        </p:spPr>
-        <p:style>
-          <a:lnRef idx="2">
-            <a:schemeClr val="accent1"/>
-          </a:lnRef>
-          <a:fillRef idx="0">
-            <a:schemeClr val="accent1"/>
-          </a:fillRef>
-          <a:effectRef idx="1">
-            <a:schemeClr val="accent1"/>
-          </a:effectRef>
-          <a:fontRef idx="minor">
-            <a:schemeClr val="tx1"/>
-          </a:fontRef>
-        </p:style>
-      </p:cxnSp>
-      <p:sp>
-        <p:nvSpPr>
-          <p:cNvPr id="15" name="TextBox 14"/>
-          <p:cNvSpPr txBox="1"/>
-          <p:nvPr/>
-        </p:nvSpPr>
-        <p:spPr>
-          <a:xfrm>
-            <a:off x="5779748" y="236689"/>
-            <a:ext cx="1154290" cy="461665"/>
-          </a:xfrm>
-          <a:prstGeom prst="rect">
-            <a:avLst/>
-          </a:prstGeom>
-          <a:noFill/>
-        </p:spPr>
-        <p:txBody>
-          <a:bodyPr wrap="none" rtlCol="0">
-            <a:spAutoFit/>
-          </a:bodyPr>
-          <a:lstStyle/>
-          <a:p>
-            <a:r>
-              <a:rPr lang="en-US" sz="2400" dirty="0">
-                <a:solidFill>
-                  <a:srgbClr val="FF00FF"/>
-                </a:solidFill>
-              </a:rPr>
-              <a:t>Context</a:t>
-            </a:r>
-          </a:p>
-        </p:txBody>
-      </p:sp>
-      <p:cxnSp>
-        <p:nvCxnSpPr>
-          <p:cNvPr id="16" name="Straight Arrow Connector 15"/>
-          <p:cNvCxnSpPr>
-            <a:stCxn id="15" idx="2"/>
-          </p:cNvCxnSpPr>
-          <p:nvPr/>
-        </p:nvCxnSpPr>
-        <p:spPr>
-          <a:xfrm>
-            <a:off x="6356893" y="698354"/>
-            <a:ext cx="282206" cy="586381"/>
-          </a:xfrm>
-          <a:prstGeom prst="straightConnector1">
-            <a:avLst/>
-          </a:prstGeom>
-          <a:ln>
-            <a:solidFill>
-              <a:srgbClr val="FF00FF"/>
-            </a:solidFill>
-            <a:tailEnd type="arrow"/>
-          </a:ln>
-        </p:spPr>
-        <p:style>
-          <a:lnRef idx="2">
-            <a:schemeClr val="accent1"/>
-          </a:lnRef>
-          <a:fillRef idx="0">
-            <a:schemeClr val="accent1"/>
-          </a:fillRef>
-          <a:effectRef idx="1">
-            <a:schemeClr val="accent1"/>
-          </a:effectRef>
-          <a:fontRef idx="minor">
-            <a:schemeClr val="tx1"/>
-          </a:fontRef>
-        </p:style>
-      </p:cxnSp>
-      <p:cxnSp>
-        <p:nvCxnSpPr>
-          <p:cNvPr id="18" name="Straight Arrow Connector 17"/>
-          <p:cNvCxnSpPr>
-            <a:stCxn id="15" idx="2"/>
-          </p:cNvCxnSpPr>
-          <p:nvPr/>
-        </p:nvCxnSpPr>
-        <p:spPr>
-          <a:xfrm flipH="1">
-            <a:off x="4356071" y="698354"/>
-            <a:ext cx="2000822" cy="980561"/>
-          </a:xfrm>
-          <a:prstGeom prst="straightConnector1">
-            <a:avLst/>
-          </a:prstGeom>
-          <a:ln>
-            <a:solidFill>
-              <a:srgbClr val="FF00FF"/>
-            </a:solidFill>
-            <a:tailEnd type="arrow"/>
-          </a:ln>
-        </p:spPr>
-        <p:style>
-          <a:lnRef idx="2">
-            <a:schemeClr val="accent1"/>
-          </a:lnRef>
-          <a:fillRef idx="0">
-            <a:schemeClr val="accent1"/>
-          </a:fillRef>
-          <a:effectRef idx="1">
-            <a:schemeClr val="accent1"/>
-          </a:effectRef>
-          <a:fontRef idx="minor">
-            <a:schemeClr val="tx1"/>
-          </a:fontRef>
-        </p:style>
-      </p:cxnSp>
-      <p:sp>
-        <p:nvSpPr>
-          <p:cNvPr id="27" name="TextBox 26"/>
-          <p:cNvSpPr txBox="1"/>
-          <p:nvPr/>
-        </p:nvSpPr>
-        <p:spPr>
-          <a:xfrm>
-            <a:off x="6764904" y="6337940"/>
-            <a:ext cx="1647502" cy="461665"/>
-          </a:xfrm>
-          <a:prstGeom prst="rect">
-            <a:avLst/>
-          </a:prstGeom>
-          <a:noFill/>
-        </p:spPr>
-        <p:txBody>
-          <a:bodyPr wrap="none" rtlCol="0">
-            <a:spAutoFit/>
-          </a:bodyPr>
-          <a:lstStyle/>
-          <a:p>
-            <a:r>
-              <a:rPr lang="en-US" sz="2400" dirty="0">
-                <a:solidFill>
-                  <a:srgbClr val="FF00FF"/>
-                </a:solidFill>
-              </a:rPr>
-              <a:t>Link (Many)</a:t>
-            </a:r>
-          </a:p>
-        </p:txBody>
-      </p:sp>
-      <p:cxnSp>
-        <p:nvCxnSpPr>
-          <p:cNvPr id="28" name="Straight Arrow Connector 27"/>
-          <p:cNvCxnSpPr>
-            <a:stCxn id="27" idx="0"/>
-          </p:cNvCxnSpPr>
-          <p:nvPr/>
-        </p:nvCxnSpPr>
-        <p:spPr>
-          <a:xfrm flipH="1" flipV="1">
-            <a:off x="6362455" y="5349739"/>
-            <a:ext cx="1226200" cy="988201"/>
-          </a:xfrm>
-          <a:prstGeom prst="straightConnector1">
-            <a:avLst/>
-          </a:prstGeom>
-          <a:ln>
-            <a:solidFill>
-              <a:srgbClr val="FF00FF"/>
-            </a:solidFill>
-            <a:tailEnd type="arrow"/>
-          </a:ln>
-        </p:spPr>
-        <p:style>
-          <a:lnRef idx="2">
-            <a:schemeClr val="accent1"/>
-          </a:lnRef>
-          <a:fillRef idx="0">
-            <a:schemeClr val="accent1"/>
-          </a:fillRef>
-          <a:effectRef idx="1">
-            <a:schemeClr val="accent1"/>
-          </a:effectRef>
-          <a:fontRef idx="minor">
-            <a:schemeClr val="tx1"/>
-          </a:fontRef>
-        </p:style>
-      </p:cxnSp>
-      <p:sp>
-        <p:nvSpPr>
-          <p:cNvPr id="2" name="TextBox 1"/>
-          <p:cNvSpPr txBox="1"/>
-          <p:nvPr/>
-        </p:nvSpPr>
-        <p:spPr>
-          <a:xfrm>
-            <a:off x="10668000" y="6337940"/>
-            <a:ext cx="1282723" cy="369332"/>
-          </a:xfrm>
-          <a:prstGeom prst="rect">
-            <a:avLst/>
-          </a:prstGeom>
-          <a:noFill/>
-        </p:spPr>
-        <p:txBody>
-          <a:bodyPr wrap="none" rtlCol="0">
-            <a:spAutoFit/>
-          </a:bodyPr>
-          <a:lstStyle/>
-          <a:p>
-            <a:r>
-              <a:rPr lang="en-US" smtClean="0"/>
-              <a:t>Data Model</a:t>
-            </a:r>
-            <a:endParaRPr lang="en-US"/>
-          </a:p>
-        </p:txBody>
-      </p:sp>
     </p:spTree>
     <p:extLst>
       <p:ext uri="{BB962C8B-B14F-4D97-AF65-F5344CB8AC3E}">
-        <p14:creationId xmlns:p14="http://schemas.microsoft.com/office/powerpoint/2010/main" val="1360697503"/>
+        <p14:creationId xmlns:p14="http://schemas.microsoft.com/office/powerpoint/2010/main" val="1878192703"/>
       </p:ext>
     </p:extLst>
   </p:cSld>

--- a/2018/2018-05-Tsugi-Tech.pptx
+++ b/2018/2018-05-Tsugi-Tech.pptx
@@ -5,7 +5,7 @@
     <p:sldMasterId id="2147483648" r:id="rId1"/>
   </p:sldMasterIdLst>
   <p:notesMasterIdLst>
-    <p:notesMasterId r:id="rId25"/>
+    <p:notesMasterId r:id="rId26"/>
   </p:notesMasterIdLst>
   <p:sldIdLst>
     <p:sldId id="256" r:id="rId2"/>
@@ -30,7 +30,8 @@
     <p:sldId id="279" r:id="rId21"/>
     <p:sldId id="280" r:id="rId22"/>
     <p:sldId id="276" r:id="rId23"/>
-    <p:sldId id="274" r:id="rId24"/>
+    <p:sldId id="281" r:id="rId24"/>
+    <p:sldId id="274" r:id="rId25"/>
   </p:sldIdLst>
   <p:sldSz cx="12192000" cy="6858000"/>
   <p:notesSz cx="6858000" cy="9144000"/>
@@ -219,7 +220,7 @@
           <a:p>
             <a:fld id="{D650D422-2557-934F-9E21-3FE751B36BEF}" type="datetimeFigureOut">
               <a:rPr lang="en-US" smtClean="0"/>
-              <a:t>6/3/18</a:t>
+              <a:t>6/5/18</a:t>
             </a:fld>
             <a:endParaRPr lang="en-US"/>
           </a:p>
@@ -702,7 +703,7 @@
           <a:p>
             <a:fld id="{50E71CC6-F3CB-324F-8DDE-3A13A687B94B}" type="datetimeFigureOut">
               <a:rPr lang="en-US" smtClean="0"/>
-              <a:t>6/3/18</a:t>
+              <a:t>6/5/18</a:t>
             </a:fld>
             <a:endParaRPr lang="en-US"/>
           </a:p>
@@ -872,7 +873,7 @@
           <a:p>
             <a:fld id="{50E71CC6-F3CB-324F-8DDE-3A13A687B94B}" type="datetimeFigureOut">
               <a:rPr lang="en-US" smtClean="0"/>
-              <a:t>6/3/18</a:t>
+              <a:t>6/5/18</a:t>
             </a:fld>
             <a:endParaRPr lang="en-US"/>
           </a:p>
@@ -1052,7 +1053,7 @@
           <a:p>
             <a:fld id="{50E71CC6-F3CB-324F-8DDE-3A13A687B94B}" type="datetimeFigureOut">
               <a:rPr lang="en-US" smtClean="0"/>
-              <a:t>6/3/18</a:t>
+              <a:t>6/5/18</a:t>
             </a:fld>
             <a:endParaRPr lang="en-US"/>
           </a:p>
@@ -1222,7 +1223,7 @@
           <a:p>
             <a:fld id="{50E71CC6-F3CB-324F-8DDE-3A13A687B94B}" type="datetimeFigureOut">
               <a:rPr lang="en-US" smtClean="0"/>
-              <a:t>6/3/18</a:t>
+              <a:t>6/5/18</a:t>
             </a:fld>
             <a:endParaRPr lang="en-US"/>
           </a:p>
@@ -1468,7 +1469,7 @@
           <a:p>
             <a:fld id="{50E71CC6-F3CB-324F-8DDE-3A13A687B94B}" type="datetimeFigureOut">
               <a:rPr lang="en-US" smtClean="0"/>
-              <a:t>6/3/18</a:t>
+              <a:t>6/5/18</a:t>
             </a:fld>
             <a:endParaRPr lang="en-US"/>
           </a:p>
@@ -1700,7 +1701,7 @@
           <a:p>
             <a:fld id="{50E71CC6-F3CB-324F-8DDE-3A13A687B94B}" type="datetimeFigureOut">
               <a:rPr lang="en-US" smtClean="0"/>
-              <a:t>6/3/18</a:t>
+              <a:t>6/5/18</a:t>
             </a:fld>
             <a:endParaRPr lang="en-US"/>
           </a:p>
@@ -2067,7 +2068,7 @@
           <a:p>
             <a:fld id="{50E71CC6-F3CB-324F-8DDE-3A13A687B94B}" type="datetimeFigureOut">
               <a:rPr lang="en-US" smtClean="0"/>
-              <a:t>6/3/18</a:t>
+              <a:t>6/5/18</a:t>
             </a:fld>
             <a:endParaRPr lang="en-US"/>
           </a:p>
@@ -2185,7 +2186,7 @@
           <a:p>
             <a:fld id="{50E71CC6-F3CB-324F-8DDE-3A13A687B94B}" type="datetimeFigureOut">
               <a:rPr lang="en-US" smtClean="0"/>
-              <a:t>6/3/18</a:t>
+              <a:t>6/5/18</a:t>
             </a:fld>
             <a:endParaRPr lang="en-US"/>
           </a:p>
@@ -2280,7 +2281,7 @@
           <a:p>
             <a:fld id="{50E71CC6-F3CB-324F-8DDE-3A13A687B94B}" type="datetimeFigureOut">
               <a:rPr lang="en-US" smtClean="0"/>
-              <a:t>6/3/18</a:t>
+              <a:t>6/5/18</a:t>
             </a:fld>
             <a:endParaRPr lang="en-US"/>
           </a:p>
@@ -2557,7 +2558,7 @@
           <a:p>
             <a:fld id="{50E71CC6-F3CB-324F-8DDE-3A13A687B94B}" type="datetimeFigureOut">
               <a:rPr lang="en-US" smtClean="0"/>
-              <a:t>6/3/18</a:t>
+              <a:t>6/5/18</a:t>
             </a:fld>
             <a:endParaRPr lang="en-US"/>
           </a:p>
@@ -2810,7 +2811,7 @@
           <a:p>
             <a:fld id="{50E71CC6-F3CB-324F-8DDE-3A13A687B94B}" type="datetimeFigureOut">
               <a:rPr lang="en-US" smtClean="0"/>
-              <a:t>6/3/18</a:t>
+              <a:t>6/5/18</a:t>
             </a:fld>
             <a:endParaRPr lang="en-US"/>
           </a:p>
@@ -3023,7 +3024,7 @@
           <a:p>
             <a:fld id="{50E71CC6-F3CB-324F-8DDE-3A13A687B94B}" type="datetimeFigureOut">
               <a:rPr lang="en-US" smtClean="0"/>
-              <a:t>6/3/18</a:t>
+              <a:t>6/5/18</a:t>
             </a:fld>
             <a:endParaRPr lang="en-US"/>
           </a:p>
@@ -4488,6 +4489,13 @@
   <p:clrMapOvr>
     <a:masterClrMapping/>
   </p:clrMapOvr>
+  <p:timing>
+    <p:tnLst>
+      <p:par>
+        <p:cTn id="1" dur="indefinite" restart="never" nodeType="tmRoot"/>
+      </p:par>
+    </p:tnLst>
+  </p:timing>
 </p:sld>
 </file>
 
@@ -5870,6 +5878,13 @@
   <p:clrMapOvr>
     <a:masterClrMapping/>
   </p:clrMapOvr>
+  <p:timing>
+    <p:tnLst>
+      <p:par>
+        <p:cTn id="1" dur="indefinite" restart="never" nodeType="tmRoot"/>
+      </p:par>
+    </p:tnLst>
+  </p:timing>
 </p:sld>
 </file>
 
@@ -6051,7 +6066,7 @@
         <p:spPr>
           <a:xfrm>
             <a:off x="7737421" y="257330"/>
-            <a:ext cx="3507698" cy="3852472"/>
+            <a:ext cx="3507698" cy="1946224"/>
           </a:xfrm>
           <a:prstGeom prst="rect">
             <a:avLst/>
@@ -6238,8 +6253,8 @@
         </p:nvSpPr>
         <p:spPr>
           <a:xfrm>
-            <a:off x="5506380" y="3221322"/>
-            <a:ext cx="604602" cy="1776960"/>
+            <a:off x="5506380" y="3221321"/>
+            <a:ext cx="604602" cy="2534901"/>
           </a:xfrm>
           <a:prstGeom prst="rect">
             <a:avLst/>
@@ -6518,6 +6533,220 @@
           </a:p>
         </p:txBody>
       </p:sp>
+      <p:sp>
+        <p:nvSpPr>
+          <p:cNvPr id="13" name="Rectangle 12"/>
+          <p:cNvSpPr/>
+          <p:nvPr/>
+        </p:nvSpPr>
+        <p:spPr>
+          <a:xfrm>
+            <a:off x="7764902" y="2308948"/>
+            <a:ext cx="3507698" cy="1946224"/>
+          </a:xfrm>
+          <a:prstGeom prst="rect">
+            <a:avLst/>
+          </a:prstGeom>
+          <a:ln w="38100">
+            <a:solidFill>
+              <a:schemeClr val="bg1"/>
+            </a:solidFill>
+          </a:ln>
+        </p:spPr>
+        <p:style>
+          <a:lnRef idx="2">
+            <a:schemeClr val="accent1">
+              <a:shade val="50000"/>
+            </a:schemeClr>
+          </a:lnRef>
+          <a:fillRef idx="1">
+            <a:schemeClr val="accent1"/>
+          </a:fillRef>
+          <a:effectRef idx="0">
+            <a:schemeClr val="accent1"/>
+          </a:effectRef>
+          <a:fontRef idx="minor">
+            <a:schemeClr val="lt1"/>
+          </a:fontRef>
+        </p:style>
+        <p:txBody>
+          <a:bodyPr rtlCol="0" anchor="t"/>
+          <a:lstStyle/>
+          <a:p>
+            <a:r>
+              <a:rPr lang="en-US" sz="3600" dirty="0" smtClean="0"/>
+              <a:t>Docker</a:t>
+            </a:r>
+            <a:endParaRPr lang="en-US" sz="3600" dirty="0"/>
+          </a:p>
+        </p:txBody>
+      </p:sp>
+      <p:sp>
+        <p:nvSpPr>
+          <p:cNvPr id="14" name="Rectangle 13"/>
+          <p:cNvSpPr/>
+          <p:nvPr/>
+        </p:nvSpPr>
+        <p:spPr>
+          <a:xfrm>
+            <a:off x="7944783" y="1019142"/>
+            <a:ext cx="449709" cy="1049501"/>
+          </a:xfrm>
+          <a:prstGeom prst="rect">
+            <a:avLst/>
+          </a:prstGeom>
+          <a:ln w="38100">
+            <a:solidFill>
+              <a:schemeClr val="bg1"/>
+            </a:solidFill>
+          </a:ln>
+        </p:spPr>
+        <p:style>
+          <a:lnRef idx="2">
+            <a:schemeClr val="accent1">
+              <a:shade val="50000"/>
+            </a:schemeClr>
+          </a:lnRef>
+          <a:fillRef idx="1">
+            <a:schemeClr val="accent1"/>
+          </a:fillRef>
+          <a:effectRef idx="0">
+            <a:schemeClr val="accent1"/>
+          </a:effectRef>
+          <a:fontRef idx="minor">
+            <a:schemeClr val="lt1"/>
+          </a:fontRef>
+        </p:style>
+        <p:txBody>
+          <a:bodyPr rtlCol="0" anchor="t"/>
+          <a:lstStyle/>
+          <a:p>
+            <a:pPr algn="ctr"/>
+            <a:r>
+              <a:rPr lang="en-US" dirty="0" smtClean="0"/>
+              <a:t>A</a:t>
+            </a:r>
+          </a:p>
+          <a:p>
+            <a:pPr algn="ctr"/>
+            <a:r>
+              <a:rPr lang="en-US" dirty="0" smtClean="0"/>
+              <a:t>P</a:t>
+            </a:r>
+          </a:p>
+          <a:p>
+            <a:pPr algn="ctr"/>
+            <a:r>
+              <a:rPr lang="en-US" dirty="0" smtClean="0"/>
+              <a:t>I</a:t>
+            </a:r>
+            <a:endParaRPr lang="en-US" dirty="0"/>
+          </a:p>
+        </p:txBody>
+      </p:sp>
+      <p:sp>
+        <p:nvSpPr>
+          <p:cNvPr id="15" name="Rectangle 14"/>
+          <p:cNvSpPr/>
+          <p:nvPr/>
+        </p:nvSpPr>
+        <p:spPr>
+          <a:xfrm>
+            <a:off x="7987253" y="2963986"/>
+            <a:ext cx="449709" cy="1049501"/>
+          </a:xfrm>
+          <a:prstGeom prst="rect">
+            <a:avLst/>
+          </a:prstGeom>
+          <a:ln w="38100">
+            <a:solidFill>
+              <a:schemeClr val="bg1"/>
+            </a:solidFill>
+          </a:ln>
+        </p:spPr>
+        <p:style>
+          <a:lnRef idx="2">
+            <a:schemeClr val="accent1">
+              <a:shade val="50000"/>
+            </a:schemeClr>
+          </a:lnRef>
+          <a:fillRef idx="1">
+            <a:schemeClr val="accent1"/>
+          </a:fillRef>
+          <a:effectRef idx="0">
+            <a:schemeClr val="accent1"/>
+          </a:effectRef>
+          <a:fontRef idx="minor">
+            <a:schemeClr val="lt1"/>
+          </a:fontRef>
+        </p:style>
+        <p:txBody>
+          <a:bodyPr rtlCol="0" anchor="t"/>
+          <a:lstStyle/>
+          <a:p>
+            <a:pPr algn="ctr"/>
+            <a:r>
+              <a:rPr lang="en-US" dirty="0" smtClean="0"/>
+              <a:t>A</a:t>
+            </a:r>
+          </a:p>
+          <a:p>
+            <a:pPr algn="ctr"/>
+            <a:r>
+              <a:rPr lang="en-US" dirty="0" smtClean="0"/>
+              <a:t>P</a:t>
+            </a:r>
+          </a:p>
+          <a:p>
+            <a:pPr algn="ctr"/>
+            <a:r>
+              <a:rPr lang="en-US" dirty="0" smtClean="0"/>
+              <a:t>I</a:t>
+            </a:r>
+            <a:endParaRPr lang="en-US" dirty="0"/>
+          </a:p>
+        </p:txBody>
+      </p:sp>
+      <p:cxnSp>
+        <p:nvCxnSpPr>
+          <p:cNvPr id="16" name="Straight Arrow Connector 15"/>
+          <p:cNvCxnSpPr>
+            <a:stCxn id="31" idx="3"/>
+            <a:endCxn id="14" idx="1"/>
+          </p:cNvCxnSpPr>
+          <p:nvPr/>
+        </p:nvCxnSpPr>
+        <p:spPr>
+          <a:xfrm flipV="1">
+            <a:off x="6110982" y="1543893"/>
+            <a:ext cx="1833801" cy="2944879"/>
+          </a:xfrm>
+          <a:prstGeom prst="straightConnector1">
+            <a:avLst/>
+          </a:prstGeom>
+          <a:ln w="57150">
+            <a:solidFill>
+              <a:srgbClr val="00B050"/>
+            </a:solidFill>
+            <a:headEnd type="arrow" w="med" len="med"/>
+            <a:tailEnd type="arrow" w="med" len="med"/>
+          </a:ln>
+        </p:spPr>
+        <p:style>
+          <a:lnRef idx="1">
+            <a:schemeClr val="accent1"/>
+          </a:lnRef>
+          <a:fillRef idx="0">
+            <a:schemeClr val="accent1"/>
+          </a:fillRef>
+          <a:effectRef idx="0">
+            <a:schemeClr val="accent1"/>
+          </a:effectRef>
+          <a:fontRef idx="minor">
+            <a:schemeClr val="tx1"/>
+          </a:fontRef>
+        </p:style>
+      </p:cxnSp>
     </p:spTree>
     <p:extLst>
       <p:ext uri="{BB962C8B-B14F-4D97-AF65-F5344CB8AC3E}">
@@ -6673,6 +6902,13 @@
   <p:clrMapOvr>
     <a:masterClrMapping/>
   </p:clrMapOvr>
+  <p:timing>
+    <p:tnLst>
+      <p:par>
+        <p:cTn id="1" dur="indefinite" restart="never" nodeType="tmRoot"/>
+      </p:par>
+    </p:tnLst>
+  </p:timing>
 </p:sld>
 </file>
 
@@ -6737,6 +6973,226 @@
 </file>
 
 <file path=ppt/slides/slide23.xml><?xml version="1.0" encoding="utf-8"?>
+<p:sld xmlns:a="http://schemas.openxmlformats.org/drawingml/2006/main" xmlns:r="http://schemas.openxmlformats.org/officeDocument/2006/relationships" xmlns:p="http://schemas.openxmlformats.org/presentationml/2006/main">
+  <p:cSld>
+    <p:spTree>
+      <p:nvGrpSpPr>
+        <p:cNvPr id="1" name=""/>
+        <p:cNvGrpSpPr/>
+        <p:nvPr/>
+      </p:nvGrpSpPr>
+      <p:grpSpPr>
+        <a:xfrm>
+          <a:off x="0" y="0"/>
+          <a:ext cx="0" cy="0"/>
+          <a:chOff x="0" y="0"/>
+          <a:chExt cx="0" cy="0"/>
+        </a:xfrm>
+      </p:grpSpPr>
+      <p:sp>
+        <p:nvSpPr>
+          <p:cNvPr id="2" name="Title 1"/>
+          <p:cNvSpPr>
+            <a:spLocks noGrp="1"/>
+          </p:cNvSpPr>
+          <p:nvPr>
+            <p:ph type="title"/>
+          </p:nvPr>
+        </p:nvSpPr>
+        <p:spPr/>
+        <p:txBody>
+          <a:bodyPr/>
+          <a:lstStyle/>
+          <a:p>
+            <a:r>
+              <a:rPr lang="en-US" dirty="0" err="1" smtClean="0"/>
+              <a:t>Tsugi</a:t>
+            </a:r>
+            <a:r>
+              <a:rPr lang="en-US" smtClean="0"/>
+              <a:t> SWOT</a:t>
+            </a:r>
+            <a:endParaRPr lang="en-US" dirty="0"/>
+          </a:p>
+        </p:txBody>
+      </p:sp>
+      <p:sp>
+        <p:nvSpPr>
+          <p:cNvPr id="3" name="Content Placeholder 2"/>
+          <p:cNvSpPr>
+            <a:spLocks noGrp="1"/>
+          </p:cNvSpPr>
+          <p:nvPr>
+            <p:ph sz="half" idx="1"/>
+          </p:nvPr>
+        </p:nvSpPr>
+        <p:spPr/>
+        <p:txBody>
+          <a:bodyPr>
+            <a:normAutofit/>
+          </a:bodyPr>
+          <a:lstStyle/>
+          <a:p>
+            <a:r>
+              <a:rPr lang="en-US" dirty="0" smtClean="0"/>
+              <a:t>Strengths</a:t>
+            </a:r>
+          </a:p>
+          <a:p>
+            <a:pPr lvl="1"/>
+            <a:r>
+              <a:rPr lang="en-US" dirty="0" smtClean="0"/>
+              <a:t>PHP API is mature and in production</a:t>
+            </a:r>
+          </a:p>
+          <a:p>
+            <a:pPr lvl="1"/>
+            <a:r>
+              <a:rPr lang="en-US" dirty="0" smtClean="0"/>
+              <a:t>Cloud deployment patterns are mature</a:t>
+            </a:r>
+          </a:p>
+          <a:p>
+            <a:pPr lvl="1"/>
+            <a:endParaRPr lang="en-US" dirty="0" smtClean="0"/>
+          </a:p>
+          <a:p>
+            <a:r>
+              <a:rPr lang="en-US" dirty="0" smtClean="0"/>
+              <a:t>Weaknesses</a:t>
+            </a:r>
+          </a:p>
+          <a:p>
+            <a:pPr lvl="1"/>
+            <a:r>
+              <a:rPr lang="en-US" dirty="0" smtClean="0"/>
+              <a:t>PHP Tool Pattern falls short of GDPR scrutiny when apps are mixed into a store</a:t>
+            </a:r>
+          </a:p>
+          <a:p>
+            <a:pPr lvl="1"/>
+            <a:r>
+              <a:rPr lang="en-US" dirty="0" smtClean="0"/>
+              <a:t>PHP </a:t>
+            </a:r>
+            <a:r>
+              <a:rPr lang="en-US" dirty="0" smtClean="0">
+                <a:sym typeface="Wingdings"/>
+              </a:rPr>
+              <a:t></a:t>
+            </a:r>
+          </a:p>
+        </p:txBody>
+      </p:sp>
+      <p:sp>
+        <p:nvSpPr>
+          <p:cNvPr id="4" name="Content Placeholder 3"/>
+          <p:cNvSpPr>
+            <a:spLocks noGrp="1"/>
+          </p:cNvSpPr>
+          <p:nvPr>
+            <p:ph sz="half" idx="2"/>
+          </p:nvPr>
+        </p:nvSpPr>
+        <p:spPr/>
+        <p:txBody>
+          <a:bodyPr>
+            <a:normAutofit/>
+          </a:bodyPr>
+          <a:lstStyle/>
+          <a:p>
+            <a:r>
+              <a:rPr lang="en-US" dirty="0"/>
+              <a:t>Weaknesses</a:t>
+            </a:r>
+          </a:p>
+          <a:p>
+            <a:pPr lvl="1"/>
+            <a:r>
+              <a:rPr lang="en-US" dirty="0" smtClean="0">
+                <a:sym typeface="Wingdings"/>
+              </a:rPr>
+              <a:t>No </a:t>
+            </a:r>
+            <a:r>
+              <a:rPr lang="en-US" dirty="0">
+                <a:sym typeface="Wingdings"/>
+              </a:rPr>
+              <a:t>app developers </a:t>
+            </a:r>
+            <a:r>
+              <a:rPr lang="en-US" dirty="0" smtClean="0">
+                <a:sym typeface="Wingdings"/>
+              </a:rPr>
+              <a:t>making / submitting </a:t>
+            </a:r>
+            <a:r>
+              <a:rPr lang="en-US" dirty="0">
+                <a:sym typeface="Wingdings"/>
+              </a:rPr>
+              <a:t>general </a:t>
+            </a:r>
+            <a:r>
+              <a:rPr lang="en-US" dirty="0" smtClean="0">
+                <a:sym typeface="Wingdings"/>
+              </a:rPr>
+              <a:t>tools</a:t>
+            </a:r>
+            <a:endParaRPr lang="en-US" dirty="0" smtClean="0"/>
+          </a:p>
+          <a:p>
+            <a:r>
+              <a:rPr lang="en-US" dirty="0" smtClean="0"/>
+              <a:t>Opportunities</a:t>
+            </a:r>
+          </a:p>
+          <a:p>
+            <a:pPr lvl="1"/>
+            <a:r>
+              <a:rPr lang="en-US" dirty="0" smtClean="0"/>
+              <a:t>Expand into Canvas / Blackboard</a:t>
+            </a:r>
+          </a:p>
+          <a:p>
+            <a:pPr lvl="1"/>
+            <a:r>
+              <a:rPr lang="en-US" dirty="0" smtClean="0"/>
+              <a:t>Python won't be all that hard</a:t>
+            </a:r>
+          </a:p>
+          <a:p>
+            <a:r>
+              <a:rPr lang="en-US" dirty="0" smtClean="0"/>
+              <a:t>Threats</a:t>
+            </a:r>
+          </a:p>
+          <a:p>
+            <a:pPr lvl="1"/>
+            <a:r>
+              <a:rPr lang="en-US" dirty="0" smtClean="0"/>
+              <a:t>Working on the bus factor</a:t>
+            </a:r>
+          </a:p>
+          <a:p>
+            <a:pPr lvl="1"/>
+            <a:endParaRPr lang="en-US" dirty="0"/>
+          </a:p>
+        </p:txBody>
+      </p:sp>
+    </p:spTree>
+    <p:extLst>
+      <p:ext uri="{BB962C8B-B14F-4D97-AF65-F5344CB8AC3E}">
+        <p14:creationId xmlns:p14="http://schemas.microsoft.com/office/powerpoint/2010/main" val="465431150"/>
+      </p:ext>
+    </p:extLst>
+  </p:cSld>
+  <p:clrMapOvr>
+    <a:masterClrMapping/>
+  </p:clrMapOvr>
+</p:sld>
+</file>
+
+<file path=ppt/slides/slide24.xml><?xml version="1.0" encoding="utf-8"?>
 <p:sld xmlns:a="http://schemas.openxmlformats.org/drawingml/2006/main" xmlns:r="http://schemas.openxmlformats.org/officeDocument/2006/relationships" xmlns:p="http://schemas.openxmlformats.org/presentationml/2006/main">
   <p:cSld>
     <p:spTree>
@@ -7145,37 +7601,19 @@
           <a:p>
             <a:r>
               <a:rPr lang="en-US" dirty="0" smtClean="0"/>
-              <a:t>You did not use </a:t>
-            </a:r>
-            <a:r>
-              <a:rPr lang="en-US" dirty="0" smtClean="0"/>
-              <a:t>email as logical key in the user </a:t>
-            </a:r>
-            <a:r>
-              <a:rPr lang="en-US" dirty="0" smtClean="0"/>
-              <a:t>table.  Correct length!</a:t>
-            </a:r>
-            <a:endParaRPr lang="en-US" dirty="0" smtClean="0"/>
-          </a:p>
-          <a:p>
-            <a:r>
-              <a:rPr lang="en-US" dirty="0" smtClean="0"/>
-              <a:t>Session Management  / </a:t>
-            </a:r>
-            <a:r>
-              <a:rPr lang="en-US" dirty="0" smtClean="0"/>
-              <a:t>Extension / Expiry</a:t>
-            </a:r>
-            <a:endParaRPr lang="en-US" dirty="0" smtClean="0"/>
-          </a:p>
-          <a:p>
-            <a:r>
-              <a:rPr lang="en-US" dirty="0" smtClean="0"/>
-              <a:t>Support Offline </a:t>
-            </a:r>
-            <a:r>
-              <a:rPr lang="en-US" dirty="0" smtClean="0"/>
-              <a:t>Grading – Peer grading Applications</a:t>
+              <a:t>You did not use email as logical key in the user table.  Correct length!</a:t>
+            </a:r>
+          </a:p>
+          <a:p>
+            <a:r>
+              <a:rPr lang="en-US" dirty="0" smtClean="0"/>
+              <a:t>Session Management  / Extension / Expiry</a:t>
+            </a:r>
+          </a:p>
+          <a:p>
+            <a:r>
+              <a:rPr lang="en-US" dirty="0" smtClean="0"/>
+              <a:t>Support Offline Grading – Peer grading Applications</a:t>
             </a:r>
           </a:p>
           <a:p>
@@ -7187,11 +7625,7 @@
           <a:p>
             <a:r>
               <a:rPr lang="en-US" dirty="0" smtClean="0"/>
-              <a:t>Build </a:t>
-            </a:r>
-            <a:r>
-              <a:rPr lang="en-US" dirty="0" smtClean="0"/>
-              <a:t>Thin Cartridges From LTI Links</a:t>
+              <a:t>Build Thin Cartridges From LTI Links</a:t>
             </a:r>
           </a:p>
           <a:p>
@@ -7211,11 +7645,7 @@
           <a:p>
             <a:r>
               <a:rPr lang="en-US" dirty="0" smtClean="0"/>
-              <a:t>Support Cross-LMS </a:t>
-            </a:r>
-            <a:r>
-              <a:rPr lang="en-US" dirty="0" smtClean="0"/>
-              <a:t>Setting </a:t>
+              <a:t>Support Cross-LMS Setting </a:t>
             </a:r>
             <a:r>
               <a:rPr lang="en-US" dirty="0"/>
@@ -7238,22 +7668,13 @@
             </a:r>
             <a:r>
               <a:rPr lang="en-US" dirty="0" smtClean="0"/>
-              <a:t>CDN / </a:t>
-            </a:r>
-            <a:r>
-              <a:rPr lang="en-US" dirty="0" smtClean="0"/>
-              <a:t>Proxy</a:t>
-            </a:r>
-            <a:endParaRPr lang="en-US" dirty="0" smtClean="0"/>
-          </a:p>
-          <a:p>
-            <a:r>
-              <a:rPr lang="en-US" dirty="0" smtClean="0"/>
-              <a:t>Make use </a:t>
-            </a:r>
-            <a:r>
-              <a:rPr lang="en-US" dirty="0" smtClean="0"/>
-              <a:t>of </a:t>
+              <a:t>CDN / Proxy</a:t>
+            </a:r>
+          </a:p>
+          <a:p>
+            <a:r>
+              <a:rPr lang="en-US" dirty="0" smtClean="0"/>
+              <a:t>Make use of </a:t>
             </a:r>
             <a:r>
               <a:rPr lang="en-US" dirty="0" err="1" smtClean="0"/>
@@ -7261,13 +7682,8 @@
             </a:r>
             <a:r>
               <a:rPr lang="en-US" dirty="0" smtClean="0"/>
-              <a:t> messages to resize </a:t>
-            </a:r>
-            <a:r>
-              <a:rPr lang="en-US" dirty="0" smtClean="0"/>
-              <a:t>iframes</a:t>
-            </a:r>
-            <a:endParaRPr lang="en-US" dirty="0" smtClean="0"/>
+              <a:t> messages to resize iframes</a:t>
+            </a:r>
           </a:p>
         </p:txBody>
       </p:sp>
@@ -7367,7 +7783,6 @@
               <a:rPr lang="en-US" dirty="0" smtClean="0"/>
               <a:t>Even when those LMS's have bugs!</a:t>
             </a:r>
-            <a:endParaRPr lang="en-US" dirty="0" smtClean="0"/>
           </a:p>
           <a:p>
             <a:r>
@@ -7387,11 +7802,7 @@
             </a:r>
             <a:r>
               <a:rPr lang="en-US" dirty="0" smtClean="0"/>
-              <a:t>/</a:t>
-            </a:r>
-            <a:r>
-              <a:rPr lang="en-US" dirty="0" smtClean="0"/>
-              <a:t> </a:t>
+              <a:t>/ </a:t>
             </a:r>
             <a:r>
               <a:rPr lang="en-US" dirty="0"/>
@@ -7434,11 +7845,7 @@
           <a:p>
             <a:r>
               <a:rPr lang="en-US" dirty="0" smtClean="0"/>
-              <a:t>You can reliably / securely connect LTI </a:t>
-            </a:r>
-            <a:r>
-              <a:rPr lang="en-US" dirty="0" smtClean="0"/>
-              <a:t>accounts </a:t>
+              <a:t>You can reliably / securely connect LTI accounts </a:t>
             </a:r>
             <a:r>
               <a:rPr lang="en-US" dirty="0"/>
@@ -7448,7 +7855,6 @@
               <a:rPr lang="en-US" dirty="0" smtClean="0"/>
               <a:t>logins</a:t>
             </a:r>
-            <a:endParaRPr lang="en-US" dirty="0" smtClean="0"/>
           </a:p>
           <a:p>
             <a:r>
@@ -7460,15 +7866,7 @@
           <a:p>
             <a:r>
               <a:rPr lang="en-US" dirty="0" smtClean="0"/>
-              <a:t>Your tool works with </a:t>
-            </a:r>
-            <a:r>
-              <a:rPr lang="en-US" dirty="0" smtClean="0"/>
-              <a:t>Google </a:t>
-            </a:r>
-            <a:r>
-              <a:rPr lang="en-US" dirty="0" smtClean="0"/>
-              <a:t>Classroom – is that a thing?</a:t>
+              <a:t>Your tool works with Google Classroom – is that a thing?</a:t>
             </a:r>
             <a:endParaRPr lang="en-US" dirty="0"/>
           </a:p>
@@ -7556,61 +7954,47 @@
               <a:rPr lang="en-US" dirty="0" smtClean="0"/>
               <a:t>You have a hosting environment</a:t>
             </a:r>
+          </a:p>
+          <a:p>
+            <a:r>
+              <a:rPr lang="en-US" dirty="0" smtClean="0"/>
+              <a:t>Admin interface / key management / data management</a:t>
+            </a:r>
+          </a:p>
+          <a:p>
+            <a:r>
+              <a:rPr lang="en-US" dirty="0" smtClean="0"/>
+              <a:t>You have free / open Amazon / Google recipes</a:t>
+            </a:r>
+          </a:p>
+          <a:p>
+            <a:r>
+              <a:rPr lang="en-US" dirty="0" smtClean="0"/>
+              <a:t>Designed for 100% uptime in the cloud - auto upgrade code/database</a:t>
+            </a:r>
+          </a:p>
+          <a:p>
+            <a:r>
+              <a:rPr lang="en-US" dirty="0" smtClean="0"/>
+              <a:t>Like a WordPress for your learning tools</a:t>
+            </a:r>
+          </a:p>
+          <a:p>
+            <a:r>
+              <a:rPr lang="en-US" dirty="0" smtClean="0"/>
+              <a:t>You can contribute your tool to an open app store like </a:t>
+            </a:r>
+            <a:r>
+              <a:rPr lang="en-US" dirty="0" err="1" smtClean="0"/>
+              <a:t>TsugiCloud.org</a:t>
+            </a:r>
             <a:endParaRPr lang="en-US" dirty="0" smtClean="0"/>
           </a:p>
           <a:p>
             <a:r>
               <a:rPr lang="en-US" dirty="0" smtClean="0"/>
-              <a:t>Admin interface / key management / data management</a:t>
-            </a:r>
-          </a:p>
-          <a:p>
-            <a:r>
-              <a:rPr lang="en-US" dirty="0" smtClean="0"/>
-              <a:t>You have free / open Amazon / Google recipes</a:t>
-            </a:r>
-          </a:p>
-          <a:p>
-            <a:r>
-              <a:rPr lang="en-US" dirty="0" smtClean="0"/>
-              <a:t>Designed </a:t>
-            </a:r>
-            <a:r>
-              <a:rPr lang="en-US" dirty="0" smtClean="0"/>
-              <a:t>for 100% uptime in the cloud - auto upgrade code/database</a:t>
-            </a:r>
-          </a:p>
-          <a:p>
-            <a:r>
-              <a:rPr lang="en-US" dirty="0" smtClean="0"/>
-              <a:t>Like a WordPress for your learning tools</a:t>
-            </a:r>
-          </a:p>
-          <a:p>
-            <a:r>
-              <a:rPr lang="en-US" dirty="0" smtClean="0"/>
-              <a:t>You can contribute your tool to an open app store like </a:t>
-            </a:r>
-            <a:r>
-              <a:rPr lang="en-US" dirty="0" err="1" smtClean="0"/>
-              <a:t>T</a:t>
-            </a:r>
-            <a:r>
-              <a:rPr lang="en-US" dirty="0" err="1" smtClean="0"/>
-              <a:t>sugiCloud.org</a:t>
-            </a:r>
-            <a:endParaRPr lang="en-US" dirty="0" smtClean="0"/>
-          </a:p>
-          <a:p>
-            <a:r>
-              <a:rPr lang="en-US" dirty="0" smtClean="0"/>
-              <a:t>You can make money submitting your tool from a commercial app </a:t>
-            </a:r>
-            <a:r>
-              <a:rPr lang="en-US" dirty="0" smtClean="0"/>
-              <a:t>store</a:t>
-            </a:r>
-            <a:endParaRPr lang="en-US" dirty="0" smtClean="0"/>
+              <a:t>You can make money submitting your tool from a commercial app store</a:t>
+            </a:r>
           </a:p>
         </p:txBody>
       </p:sp>

--- a/2018/2018-05-Tsugi-Tech.pptx
+++ b/2018/2018-05-Tsugi-Tech.pptx
@@ -220,7 +220,7 @@
           <a:p>
             <a:fld id="{D650D422-2557-934F-9E21-3FE751B36BEF}" type="datetimeFigureOut">
               <a:rPr lang="en-US" smtClean="0"/>
-              <a:t>6/5/18</a:t>
+              <a:t>7/16/18</a:t>
             </a:fld>
             <a:endParaRPr lang="en-US"/>
           </a:p>
@@ -703,7 +703,7 @@
           <a:p>
             <a:fld id="{50E71CC6-F3CB-324F-8DDE-3A13A687B94B}" type="datetimeFigureOut">
               <a:rPr lang="en-US" smtClean="0"/>
-              <a:t>6/5/18</a:t>
+              <a:t>7/16/18</a:t>
             </a:fld>
             <a:endParaRPr lang="en-US"/>
           </a:p>
@@ -873,7 +873,7 @@
           <a:p>
             <a:fld id="{50E71CC6-F3CB-324F-8DDE-3A13A687B94B}" type="datetimeFigureOut">
               <a:rPr lang="en-US" smtClean="0"/>
-              <a:t>6/5/18</a:t>
+              <a:t>7/16/18</a:t>
             </a:fld>
             <a:endParaRPr lang="en-US"/>
           </a:p>
@@ -1053,7 +1053,7 @@
           <a:p>
             <a:fld id="{50E71CC6-F3CB-324F-8DDE-3A13A687B94B}" type="datetimeFigureOut">
               <a:rPr lang="en-US" smtClean="0"/>
-              <a:t>6/5/18</a:t>
+              <a:t>7/16/18</a:t>
             </a:fld>
             <a:endParaRPr lang="en-US"/>
           </a:p>
@@ -1223,7 +1223,7 @@
           <a:p>
             <a:fld id="{50E71CC6-F3CB-324F-8DDE-3A13A687B94B}" type="datetimeFigureOut">
               <a:rPr lang="en-US" smtClean="0"/>
-              <a:t>6/5/18</a:t>
+              <a:t>7/16/18</a:t>
             </a:fld>
             <a:endParaRPr lang="en-US"/>
           </a:p>
@@ -1469,7 +1469,7 @@
           <a:p>
             <a:fld id="{50E71CC6-F3CB-324F-8DDE-3A13A687B94B}" type="datetimeFigureOut">
               <a:rPr lang="en-US" smtClean="0"/>
-              <a:t>6/5/18</a:t>
+              <a:t>7/16/18</a:t>
             </a:fld>
             <a:endParaRPr lang="en-US"/>
           </a:p>
@@ -1701,7 +1701,7 @@
           <a:p>
             <a:fld id="{50E71CC6-F3CB-324F-8DDE-3A13A687B94B}" type="datetimeFigureOut">
               <a:rPr lang="en-US" smtClean="0"/>
-              <a:t>6/5/18</a:t>
+              <a:t>7/16/18</a:t>
             </a:fld>
             <a:endParaRPr lang="en-US"/>
           </a:p>
@@ -2068,7 +2068,7 @@
           <a:p>
             <a:fld id="{50E71CC6-F3CB-324F-8DDE-3A13A687B94B}" type="datetimeFigureOut">
               <a:rPr lang="en-US" smtClean="0"/>
-              <a:t>6/5/18</a:t>
+              <a:t>7/16/18</a:t>
             </a:fld>
             <a:endParaRPr lang="en-US"/>
           </a:p>
@@ -2186,7 +2186,7 @@
           <a:p>
             <a:fld id="{50E71CC6-F3CB-324F-8DDE-3A13A687B94B}" type="datetimeFigureOut">
               <a:rPr lang="en-US" smtClean="0"/>
-              <a:t>6/5/18</a:t>
+              <a:t>7/16/18</a:t>
             </a:fld>
             <a:endParaRPr lang="en-US"/>
           </a:p>
@@ -2281,7 +2281,7 @@
           <a:p>
             <a:fld id="{50E71CC6-F3CB-324F-8DDE-3A13A687B94B}" type="datetimeFigureOut">
               <a:rPr lang="en-US" smtClean="0"/>
-              <a:t>6/5/18</a:t>
+              <a:t>7/16/18</a:t>
             </a:fld>
             <a:endParaRPr lang="en-US"/>
           </a:p>
@@ -2558,7 +2558,7 @@
           <a:p>
             <a:fld id="{50E71CC6-F3CB-324F-8DDE-3A13A687B94B}" type="datetimeFigureOut">
               <a:rPr lang="en-US" smtClean="0"/>
-              <a:t>6/5/18</a:t>
+              <a:t>7/16/18</a:t>
             </a:fld>
             <a:endParaRPr lang="en-US"/>
           </a:p>
@@ -2811,7 +2811,7 @@
           <a:p>
             <a:fld id="{50E71CC6-F3CB-324F-8DDE-3A13A687B94B}" type="datetimeFigureOut">
               <a:rPr lang="en-US" smtClean="0"/>
-              <a:t>6/5/18</a:t>
+              <a:t>7/16/18</a:t>
             </a:fld>
             <a:endParaRPr lang="en-US"/>
           </a:p>
@@ -3024,7 +3024,7 @@
           <a:p>
             <a:fld id="{50E71CC6-F3CB-324F-8DDE-3A13A687B94B}" type="datetimeFigureOut">
               <a:rPr lang="en-US" smtClean="0"/>
-              <a:t>6/5/18</a:t>
+              <a:t>7/16/18</a:t>
             </a:fld>
             <a:endParaRPr lang="en-US"/>
           </a:p>
@@ -7352,10 +7352,10 @@
           <p:cNvPr id="9" name="Rectangle 8">
             <a:extLst>
               <a:ext uri="{FF2B5EF4-FFF2-40B4-BE49-F238E27FC236}">
-                <a16:creationId xmlns="" xmlns:a16="http://schemas.microsoft.com/office/drawing/2014/main" id="{32BC26D8-82FB-445E-AA49-62A77D7C1EE0}"/>
+                <a16:creationId xmlns:a16="http://schemas.microsoft.com/office/drawing/2014/main" xmlns="" id="{32BC26D8-82FB-445E-AA49-62A77D7C1EE0}"/>
               </a:ext>
               <a:ext uri="{C183D7F6-B498-43B3-948B-1728B52AA6E4}">
-                <adec:decorative xmlns="" xmlns:adec="http://schemas.microsoft.com/office/drawing/2017/decorative" val="1"/>
+                <adec:decorative xmlns:adec="http://schemas.microsoft.com/office/drawing/2017/decorative" xmlns="" val="1"/>
               </a:ext>
             </a:extLst>
           </p:cNvPr>
@@ -7415,10 +7415,10 @@
           <p:cNvPr id="11" name="Rectangle 10">
             <a:extLst>
               <a:ext uri="{FF2B5EF4-FFF2-40B4-BE49-F238E27FC236}">
-                <a16:creationId xmlns="" xmlns:a16="http://schemas.microsoft.com/office/drawing/2014/main" id="{CB44330D-EA18-4254-AA95-EB49948539B8}"/>
+                <a16:creationId xmlns:a16="http://schemas.microsoft.com/office/drawing/2014/main" xmlns="" id="{CB44330D-EA18-4254-AA95-EB49948539B8}"/>
               </a:ext>
               <a:ext uri="{C183D7F6-B498-43B3-948B-1728B52AA6E4}">
-                <adec:decorative xmlns="" xmlns:adec="http://schemas.microsoft.com/office/drawing/2017/decorative" val="1"/>
+                <adec:decorative xmlns:adec="http://schemas.microsoft.com/office/drawing/2017/decorative" xmlns="" val="1"/>
               </a:ext>
             </a:extLst>
           </p:cNvPr>
